--- a/CV_Dam_Van_Thuc_React_Native.pptx
+++ b/CV_Dam_Van_Thuc_React_Native.pptx
@@ -288,7 +288,7 @@
           <a:p>
             <a:fld id="{7B4A76A4-8ADE-4AB5-BBF1-4EC090059790}" type="datetimeFigureOut">
               <a:rPr lang="en-US" smtClean="0"/>
-              <a:t>4/3/2021</a:t>
+              <a:t>2/12/2023</a:t>
             </a:fld>
             <a:endParaRPr lang="en-US"/>
           </a:p>
@@ -458,7 +458,7 @@
           <a:p>
             <a:fld id="{7B4A76A4-8ADE-4AB5-BBF1-4EC090059790}" type="datetimeFigureOut">
               <a:rPr lang="en-US" smtClean="0"/>
-              <a:t>4/3/2021</a:t>
+              <a:t>2/12/2023</a:t>
             </a:fld>
             <a:endParaRPr lang="en-US"/>
           </a:p>
@@ -638,7 +638,7 @@
           <a:p>
             <a:fld id="{7B4A76A4-8ADE-4AB5-BBF1-4EC090059790}" type="datetimeFigureOut">
               <a:rPr lang="en-US" smtClean="0"/>
-              <a:t>4/3/2021</a:t>
+              <a:t>2/12/2023</a:t>
             </a:fld>
             <a:endParaRPr lang="en-US"/>
           </a:p>
@@ -808,7 +808,7 @@
           <a:p>
             <a:fld id="{7B4A76A4-8ADE-4AB5-BBF1-4EC090059790}" type="datetimeFigureOut">
               <a:rPr lang="en-US" smtClean="0"/>
-              <a:t>4/3/2021</a:t>
+              <a:t>2/12/2023</a:t>
             </a:fld>
             <a:endParaRPr lang="en-US"/>
           </a:p>
@@ -1054,7 +1054,7 @@
           <a:p>
             <a:fld id="{7B4A76A4-8ADE-4AB5-BBF1-4EC090059790}" type="datetimeFigureOut">
               <a:rPr lang="en-US" smtClean="0"/>
-              <a:t>4/3/2021</a:t>
+              <a:t>2/12/2023</a:t>
             </a:fld>
             <a:endParaRPr lang="en-US"/>
           </a:p>
@@ -1342,7 +1342,7 @@
           <a:p>
             <a:fld id="{7B4A76A4-8ADE-4AB5-BBF1-4EC090059790}" type="datetimeFigureOut">
               <a:rPr lang="en-US" smtClean="0"/>
-              <a:t>4/3/2021</a:t>
+              <a:t>2/12/2023</a:t>
             </a:fld>
             <a:endParaRPr lang="en-US"/>
           </a:p>
@@ -1769,7 +1769,7 @@
           <a:p>
             <a:fld id="{7B4A76A4-8ADE-4AB5-BBF1-4EC090059790}" type="datetimeFigureOut">
               <a:rPr lang="en-US" smtClean="0"/>
-              <a:t>4/3/2021</a:t>
+              <a:t>2/12/2023</a:t>
             </a:fld>
             <a:endParaRPr lang="en-US"/>
           </a:p>
@@ -1887,7 +1887,7 @@
           <a:p>
             <a:fld id="{7B4A76A4-8ADE-4AB5-BBF1-4EC090059790}" type="datetimeFigureOut">
               <a:rPr lang="en-US" smtClean="0"/>
-              <a:t>4/3/2021</a:t>
+              <a:t>2/12/2023</a:t>
             </a:fld>
             <a:endParaRPr lang="en-US"/>
           </a:p>
@@ -1982,7 +1982,7 @@
           <a:p>
             <a:fld id="{7B4A76A4-8ADE-4AB5-BBF1-4EC090059790}" type="datetimeFigureOut">
               <a:rPr lang="en-US" smtClean="0"/>
-              <a:t>4/3/2021</a:t>
+              <a:t>2/12/2023</a:t>
             </a:fld>
             <a:endParaRPr lang="en-US"/>
           </a:p>
@@ -2259,7 +2259,7 @@
           <a:p>
             <a:fld id="{7B4A76A4-8ADE-4AB5-BBF1-4EC090059790}" type="datetimeFigureOut">
               <a:rPr lang="en-US" smtClean="0"/>
-              <a:t>4/3/2021</a:t>
+              <a:t>2/12/2023</a:t>
             </a:fld>
             <a:endParaRPr lang="en-US"/>
           </a:p>
@@ -2512,7 +2512,7 @@
           <a:p>
             <a:fld id="{7B4A76A4-8ADE-4AB5-BBF1-4EC090059790}" type="datetimeFigureOut">
               <a:rPr lang="en-US" smtClean="0"/>
-              <a:t>4/3/2021</a:t>
+              <a:t>2/12/2023</a:t>
             </a:fld>
             <a:endParaRPr lang="en-US"/>
           </a:p>
@@ -2725,7 +2725,7 @@
           <a:p>
             <a:fld id="{7B4A76A4-8ADE-4AB5-BBF1-4EC090059790}" type="datetimeFigureOut">
               <a:rPr lang="en-US" smtClean="0"/>
-              <a:t>4/3/2021</a:t>
+              <a:t>2/12/2023</a:t>
             </a:fld>
             <a:endParaRPr lang="en-US"/>
           </a:p>
@@ -3110,7 +3110,7 @@
         </p:nvCxnSpPr>
         <p:spPr>
           <a:xfrm>
-            <a:off x="158565" y="3327602"/>
+            <a:off x="158565" y="3388175"/>
             <a:ext cx="0" cy="1097814"/>
           </a:xfrm>
           <a:prstGeom prst="line">
@@ -3273,8 +3273,8 @@
         </p:nvSpPr>
         <p:spPr>
           <a:xfrm>
-            <a:off x="228601" y="3200400"/>
-            <a:ext cx="2895599" cy="1335687"/>
+            <a:off x="228600" y="3260973"/>
+            <a:ext cx="2819400" cy="1615827"/>
           </a:xfrm>
           <a:prstGeom prst="rect">
             <a:avLst/>
@@ -3328,7 +3328,15 @@
                   <a:schemeClr val="bg1"/>
                 </a:solidFill>
               </a:rPr>
-              <a:t>thucdvph09264@gmail.com</a:t>
+              <a:t>damthucmobile</a:t>
+            </a:r>
+            <a:r>
+              <a:rPr lang="en-US" sz="1100" dirty="0" smtClean="0">
+                <a:solidFill>
+                  <a:schemeClr val="bg1"/>
+                </a:solidFill>
+              </a:rPr>
+              <a:t>@gmail.com</a:t>
             </a:r>
             <a:endParaRPr lang="en-US" sz="1100" dirty="0">
               <a:solidFill>
@@ -3363,7 +3371,7 @@
                   <a:schemeClr val="bg1"/>
                 </a:solidFill>
               </a:rPr>
-              <a:t>Chi </a:t>
+              <a:t>165 </a:t>
             </a:r>
             <a:r>
               <a:rPr lang="en-US" sz="1100" dirty="0" err="1" smtClean="0">
@@ -3371,7 +3379,7 @@
                   <a:schemeClr val="bg1"/>
                 </a:solidFill>
               </a:rPr>
-              <a:t>Thiết</a:t>
+              <a:t>Dương</a:t>
             </a:r>
             <a:r>
               <a:rPr lang="en-US" sz="1100" dirty="0" smtClean="0">
@@ -3379,7 +3387,7 @@
                   <a:schemeClr val="bg1"/>
                 </a:solidFill>
               </a:rPr>
-              <a:t> - </a:t>
+              <a:t> </a:t>
             </a:r>
             <a:r>
               <a:rPr lang="en-US" sz="1100" dirty="0" err="1" smtClean="0">
@@ -3387,7 +3395,7 @@
                   <a:schemeClr val="bg1"/>
                 </a:solidFill>
               </a:rPr>
-              <a:t>Sơn</a:t>
+              <a:t>Quảng</a:t>
             </a:r>
             <a:r>
               <a:rPr lang="en-US" sz="1100" dirty="0" smtClean="0">
@@ -3403,7 +3411,7 @@
                   <a:schemeClr val="bg1"/>
                 </a:solidFill>
               </a:rPr>
-              <a:t>Dương</a:t>
+              <a:t>Hàm</a:t>
             </a:r>
             <a:r>
               <a:rPr lang="en-US" sz="1100" dirty="0" smtClean="0">
@@ -3411,7 +3419,7 @@
                   <a:schemeClr val="bg1"/>
                 </a:solidFill>
               </a:rPr>
-              <a:t> - </a:t>
+              <a:t>, </a:t>
             </a:r>
             <a:r>
               <a:rPr lang="en-US" sz="1100" dirty="0" err="1" smtClean="0">
@@ -3419,7 +3427,7 @@
                   <a:schemeClr val="bg1"/>
                 </a:solidFill>
               </a:rPr>
-              <a:t>Tuyên</a:t>
+              <a:t>Quan</a:t>
             </a:r>
             <a:r>
               <a:rPr lang="en-US" sz="1100" dirty="0" smtClean="0">
@@ -3435,7 +3443,78 @@
                   <a:schemeClr val="bg1"/>
                 </a:solidFill>
               </a:rPr>
-              <a:t>Quang</a:t>
+              <a:t>Hoa</a:t>
+            </a:r>
+            <a:r>
+              <a:rPr lang="en-US" sz="1100" dirty="0" smtClean="0">
+                <a:solidFill>
+                  <a:schemeClr val="bg1"/>
+                </a:solidFill>
+              </a:rPr>
+              <a:t>, </a:t>
+            </a:r>
+          </a:p>
+          <a:p>
+            <a:pPr>
+              <a:lnSpc>
+                <a:spcPct val="150000"/>
+              </a:lnSpc>
+            </a:pPr>
+            <a:r>
+              <a:rPr lang="en-US" sz="1100" dirty="0" err="1" smtClean="0">
+                <a:solidFill>
+                  <a:schemeClr val="bg1"/>
+                </a:solidFill>
+              </a:rPr>
+              <a:t>Cầu</a:t>
+            </a:r>
+            <a:r>
+              <a:rPr lang="en-US" sz="1100" dirty="0" smtClean="0">
+                <a:solidFill>
+                  <a:schemeClr val="bg1"/>
+                </a:solidFill>
+              </a:rPr>
+              <a:t> </a:t>
+            </a:r>
+            <a:r>
+              <a:rPr lang="en-US" sz="1100" dirty="0" err="1" smtClean="0">
+                <a:solidFill>
+                  <a:schemeClr val="bg1"/>
+                </a:solidFill>
+              </a:rPr>
+              <a:t>Giấy</a:t>
+            </a:r>
+            <a:r>
+              <a:rPr lang="en-US" sz="1100" dirty="0" smtClean="0">
+                <a:solidFill>
+                  <a:schemeClr val="bg1"/>
+                </a:solidFill>
+              </a:rPr>
+              <a:t>, </a:t>
+            </a:r>
+            <a:r>
+              <a:rPr lang="en-US" sz="1100" dirty="0" err="1" smtClean="0">
+                <a:solidFill>
+                  <a:schemeClr val="bg1"/>
+                </a:solidFill>
+              </a:rPr>
+              <a:t>Hà</a:t>
+            </a:r>
+            <a:r>
+              <a:rPr lang="en-US" sz="1100" dirty="0" smtClean="0">
+                <a:solidFill>
+                  <a:schemeClr val="bg1"/>
+                </a:solidFill>
+              </a:rPr>
+              <a:t> </a:t>
+            </a:r>
+            <a:r>
+              <a:rPr lang="en-US" sz="1100" dirty="0" err="1" smtClean="0">
+                <a:solidFill>
+                  <a:schemeClr val="bg1"/>
+                </a:solidFill>
+              </a:rPr>
+              <a:t>Nội</a:t>
             </a:r>
             <a:endParaRPr lang="en-US" sz="1100" dirty="0">
               <a:solidFill>
@@ -3453,7 +3532,7 @@
         </p:nvSpPr>
         <p:spPr>
           <a:xfrm>
-            <a:off x="-19896" y="4569023"/>
+            <a:off x="-19896" y="4953000"/>
             <a:ext cx="2190023" cy="307777"/>
           </a:xfrm>
           <a:prstGeom prst="rect">
@@ -3485,454 +3564,13 @@
       </p:sp>
       <p:sp>
         <p:nvSpPr>
-          <p:cNvPr id="26" name="TextBox 25"/>
-          <p:cNvSpPr txBox="1"/>
-          <p:nvPr/>
-        </p:nvSpPr>
-        <p:spPr>
-          <a:xfrm>
-            <a:off x="828" y="5975627"/>
-            <a:ext cx="875561" cy="307777"/>
-          </a:xfrm>
-          <a:prstGeom prst="rect">
-            <a:avLst/>
-          </a:prstGeom>
-          <a:noFill/>
-        </p:spPr>
-        <p:txBody>
-          <a:bodyPr wrap="none" rtlCol="0">
-            <a:spAutoFit/>
-          </a:bodyPr>
-          <a:lstStyle/>
-          <a:p>
-            <a:r>
-              <a:rPr lang="en-US" sz="1400" b="1" dirty="0" smtClean="0">
-                <a:solidFill>
-                  <a:srgbClr val="00B0F0"/>
-                </a:solidFill>
-              </a:rPr>
-              <a:t>KỸ NĂNG</a:t>
-            </a:r>
-            <a:endParaRPr lang="en-US" sz="1400" b="1" dirty="0">
-              <a:solidFill>
-                <a:srgbClr val="00B0F0"/>
-              </a:solidFill>
-            </a:endParaRPr>
-          </a:p>
-        </p:txBody>
-      </p:sp>
-      <p:sp>
-        <p:nvSpPr>
-          <p:cNvPr id="27" name="TextBox 26"/>
-          <p:cNvSpPr txBox="1"/>
-          <p:nvPr/>
-        </p:nvSpPr>
-        <p:spPr>
-          <a:xfrm>
-            <a:off x="1" y="6207204"/>
-            <a:ext cx="1124778" cy="1107996"/>
-          </a:xfrm>
-          <a:prstGeom prst="rect">
-            <a:avLst/>
-          </a:prstGeom>
-          <a:noFill/>
-        </p:spPr>
-        <p:txBody>
-          <a:bodyPr wrap="square" rtlCol="0">
-            <a:spAutoFit/>
-          </a:bodyPr>
-          <a:lstStyle/>
-          <a:p>
-            <a:pPr marL="171450" indent="-171450" algn="just">
-              <a:lnSpc>
-                <a:spcPct val="150000"/>
-              </a:lnSpc>
-              <a:buFont typeface="Arial" panose="020B0604020202020204" pitchFamily="34" charset="0"/>
-              <a:buChar char="•"/>
-            </a:pPr>
-            <a:r>
-              <a:rPr lang="en-US" sz="1100" dirty="0" smtClean="0">
-                <a:solidFill>
-                  <a:schemeClr val="bg1"/>
-                </a:solidFill>
-              </a:rPr>
-              <a:t>Code</a:t>
-            </a:r>
-          </a:p>
-          <a:p>
-            <a:pPr marL="171450" indent="-171450" algn="just">
-              <a:lnSpc>
-                <a:spcPct val="150000"/>
-              </a:lnSpc>
-              <a:buFont typeface="Arial" panose="020B0604020202020204" pitchFamily="34" charset="0"/>
-              <a:buChar char="•"/>
-            </a:pPr>
-            <a:r>
-              <a:rPr lang="en-US" sz="1100" dirty="0" smtClean="0">
-                <a:solidFill>
-                  <a:schemeClr val="bg1"/>
-                </a:solidFill>
-              </a:rPr>
-              <a:t>Debug</a:t>
-            </a:r>
-          </a:p>
-          <a:p>
-            <a:pPr marL="171450" indent="-171450" algn="just">
-              <a:lnSpc>
-                <a:spcPct val="150000"/>
-              </a:lnSpc>
-              <a:buFont typeface="Arial" panose="020B0604020202020204" pitchFamily="34" charset="0"/>
-              <a:buChar char="•"/>
-            </a:pPr>
-            <a:r>
-              <a:rPr lang="en-US" sz="1100" dirty="0" err="1" smtClean="0">
-                <a:solidFill>
-                  <a:schemeClr val="bg1"/>
-                </a:solidFill>
-              </a:rPr>
-              <a:t>Tư</a:t>
-            </a:r>
-            <a:r>
-              <a:rPr lang="en-US" sz="1100" dirty="0" smtClean="0">
-                <a:solidFill>
-                  <a:schemeClr val="bg1"/>
-                </a:solidFill>
-              </a:rPr>
-              <a:t> </a:t>
-            </a:r>
-            <a:r>
-              <a:rPr lang="en-US" sz="1100" dirty="0" err="1" smtClean="0">
-                <a:solidFill>
-                  <a:schemeClr val="bg1"/>
-                </a:solidFill>
-              </a:rPr>
-              <a:t>duy</a:t>
-            </a:r>
-            <a:r>
-              <a:rPr lang="en-US" sz="1100" dirty="0" smtClean="0">
-                <a:solidFill>
-                  <a:schemeClr val="bg1"/>
-                </a:solidFill>
-              </a:rPr>
-              <a:t> logic</a:t>
-            </a:r>
-          </a:p>
-          <a:p>
-            <a:pPr marL="171450" indent="-171450" algn="just">
-              <a:lnSpc>
-                <a:spcPct val="150000"/>
-              </a:lnSpc>
-              <a:buFont typeface="Arial" panose="020B0604020202020204" pitchFamily="34" charset="0"/>
-              <a:buChar char="•"/>
-            </a:pPr>
-            <a:r>
-              <a:rPr lang="en-US" sz="1100" dirty="0" err="1" smtClean="0">
-                <a:solidFill>
-                  <a:schemeClr val="bg1"/>
-                </a:solidFill>
-              </a:rPr>
-              <a:t>Thuyết</a:t>
-            </a:r>
-            <a:r>
-              <a:rPr lang="en-US" sz="1100" dirty="0" smtClean="0">
-                <a:solidFill>
-                  <a:schemeClr val="bg1"/>
-                </a:solidFill>
-              </a:rPr>
-              <a:t> </a:t>
-            </a:r>
-            <a:r>
-              <a:rPr lang="en-US" sz="1100" dirty="0" err="1" smtClean="0">
-                <a:solidFill>
-                  <a:schemeClr val="bg1"/>
-                </a:solidFill>
-              </a:rPr>
-              <a:t>trình</a:t>
-            </a:r>
-            <a:endParaRPr lang="en-US" sz="1100" dirty="0" smtClean="0">
-              <a:solidFill>
-                <a:schemeClr val="bg1"/>
-              </a:solidFill>
-            </a:endParaRPr>
-          </a:p>
-        </p:txBody>
-      </p:sp>
-      <p:sp>
-        <p:nvSpPr>
-          <p:cNvPr id="28" name="Rectangle 27"/>
-          <p:cNvSpPr/>
-          <p:nvPr/>
-        </p:nvSpPr>
-        <p:spPr>
-          <a:xfrm>
-            <a:off x="1075962" y="6638429"/>
-            <a:ext cx="1429113" cy="70696"/>
-          </a:xfrm>
-          <a:prstGeom prst="rect">
-            <a:avLst/>
-          </a:prstGeom>
-          <a:ln>
-            <a:noFill/>
-          </a:ln>
-        </p:spPr>
-        <p:style>
-          <a:lnRef idx="2">
-            <a:schemeClr val="accent1">
-              <a:shade val="50000"/>
-            </a:schemeClr>
-          </a:lnRef>
-          <a:fillRef idx="1">
-            <a:schemeClr val="accent1"/>
-          </a:fillRef>
-          <a:effectRef idx="0">
-            <a:schemeClr val="accent1"/>
-          </a:effectRef>
-          <a:fontRef idx="minor">
-            <a:schemeClr val="lt1"/>
-          </a:fontRef>
-        </p:style>
-        <p:txBody>
-          <a:bodyPr rtlCol="0" anchor="ctr"/>
-          <a:lstStyle/>
-          <a:p>
-            <a:pPr algn="ctr"/>
-            <a:endParaRPr lang="en-US"/>
-          </a:p>
-        </p:txBody>
-      </p:sp>
-      <p:sp>
-        <p:nvSpPr>
-          <p:cNvPr id="30" name="Rectangle 29"/>
-          <p:cNvSpPr/>
-          <p:nvPr/>
-        </p:nvSpPr>
-        <p:spPr>
-          <a:xfrm>
-            <a:off x="1075963" y="6638429"/>
-            <a:ext cx="981438" cy="70696"/>
-          </a:xfrm>
-          <a:prstGeom prst="rect">
-            <a:avLst/>
-          </a:prstGeom>
-          <a:solidFill>
-            <a:srgbClr val="00B0F0"/>
-          </a:solidFill>
-          <a:ln>
-            <a:noFill/>
-          </a:ln>
-        </p:spPr>
-        <p:style>
-          <a:lnRef idx="2">
-            <a:schemeClr val="accent1">
-              <a:shade val="50000"/>
-            </a:schemeClr>
-          </a:lnRef>
-          <a:fillRef idx="1">
-            <a:schemeClr val="accent1"/>
-          </a:fillRef>
-          <a:effectRef idx="0">
-            <a:schemeClr val="accent1"/>
-          </a:effectRef>
-          <a:fontRef idx="minor">
-            <a:schemeClr val="lt1"/>
-          </a:fontRef>
-        </p:style>
-        <p:txBody>
-          <a:bodyPr rtlCol="0" anchor="ctr"/>
-          <a:lstStyle/>
-          <a:p>
-            <a:pPr algn="ctr"/>
-            <a:endParaRPr lang="en-US"/>
-          </a:p>
-        </p:txBody>
-      </p:sp>
-      <p:sp>
-        <p:nvSpPr>
-          <p:cNvPr id="31" name="Rectangle 30"/>
-          <p:cNvSpPr/>
-          <p:nvPr/>
-        </p:nvSpPr>
-        <p:spPr>
-          <a:xfrm>
-            <a:off x="1075961" y="6879559"/>
-            <a:ext cx="1429113" cy="70696"/>
-          </a:xfrm>
-          <a:prstGeom prst="rect">
-            <a:avLst/>
-          </a:prstGeom>
-          <a:ln>
-            <a:noFill/>
-          </a:ln>
-        </p:spPr>
-        <p:style>
-          <a:lnRef idx="2">
-            <a:schemeClr val="accent1">
-              <a:shade val="50000"/>
-            </a:schemeClr>
-          </a:lnRef>
-          <a:fillRef idx="1">
-            <a:schemeClr val="accent1"/>
-          </a:fillRef>
-          <a:effectRef idx="0">
-            <a:schemeClr val="accent1"/>
-          </a:effectRef>
-          <a:fontRef idx="minor">
-            <a:schemeClr val="lt1"/>
-          </a:fontRef>
-        </p:style>
-        <p:txBody>
-          <a:bodyPr rtlCol="0" anchor="ctr"/>
-          <a:lstStyle/>
-          <a:p>
-            <a:pPr algn="ctr"/>
-            <a:endParaRPr lang="en-US"/>
-          </a:p>
-        </p:txBody>
-      </p:sp>
-      <p:sp>
-        <p:nvSpPr>
-          <p:cNvPr id="32" name="Rectangle 31"/>
-          <p:cNvSpPr/>
-          <p:nvPr/>
-        </p:nvSpPr>
-        <p:spPr>
-          <a:xfrm>
-            <a:off x="1075961" y="6879725"/>
-            <a:ext cx="981439" cy="70530"/>
-          </a:xfrm>
-          <a:prstGeom prst="rect">
-            <a:avLst/>
-          </a:prstGeom>
-          <a:solidFill>
-            <a:srgbClr val="00B0F0"/>
-          </a:solidFill>
-          <a:ln>
-            <a:noFill/>
-          </a:ln>
-        </p:spPr>
-        <p:style>
-          <a:lnRef idx="2">
-            <a:schemeClr val="accent1">
-              <a:shade val="50000"/>
-            </a:schemeClr>
-          </a:lnRef>
-          <a:fillRef idx="1">
-            <a:schemeClr val="accent1"/>
-          </a:fillRef>
-          <a:effectRef idx="0">
-            <a:schemeClr val="accent1"/>
-          </a:effectRef>
-          <a:fontRef idx="minor">
-            <a:schemeClr val="lt1"/>
-          </a:fontRef>
-        </p:style>
-        <p:txBody>
-          <a:bodyPr rtlCol="0" anchor="ctr"/>
-          <a:lstStyle/>
-          <a:p>
-            <a:pPr algn="ctr"/>
-            <a:endParaRPr lang="en-US"/>
-          </a:p>
-        </p:txBody>
-      </p:sp>
-      <p:sp>
-        <p:nvSpPr>
-          <p:cNvPr id="33" name="Rectangle 32"/>
-          <p:cNvSpPr/>
-          <p:nvPr/>
-        </p:nvSpPr>
-        <p:spPr>
-          <a:xfrm>
-            <a:off x="1075962" y="7144100"/>
-            <a:ext cx="1429113" cy="70696"/>
-          </a:xfrm>
-          <a:prstGeom prst="rect">
-            <a:avLst/>
-          </a:prstGeom>
-          <a:ln>
-            <a:noFill/>
-          </a:ln>
-        </p:spPr>
-        <p:style>
-          <a:lnRef idx="2">
-            <a:schemeClr val="accent1">
-              <a:shade val="50000"/>
-            </a:schemeClr>
-          </a:lnRef>
-          <a:fillRef idx="1">
-            <a:schemeClr val="accent1"/>
-          </a:fillRef>
-          <a:effectRef idx="0">
-            <a:schemeClr val="accent1"/>
-          </a:effectRef>
-          <a:fontRef idx="minor">
-            <a:schemeClr val="lt1"/>
-          </a:fontRef>
-        </p:style>
-        <p:txBody>
-          <a:bodyPr rtlCol="0" anchor="ctr"/>
-          <a:lstStyle/>
-          <a:p>
-            <a:pPr algn="ctr"/>
-            <a:endParaRPr lang="en-US"/>
-          </a:p>
-        </p:txBody>
-      </p:sp>
-      <p:sp>
-        <p:nvSpPr>
-          <p:cNvPr id="34" name="Rectangle 33"/>
-          <p:cNvSpPr/>
-          <p:nvPr/>
-        </p:nvSpPr>
-        <p:spPr>
-          <a:xfrm>
-            <a:off x="1075963" y="7144100"/>
-            <a:ext cx="905237" cy="70696"/>
-          </a:xfrm>
-          <a:prstGeom prst="rect">
-            <a:avLst/>
-          </a:prstGeom>
-          <a:solidFill>
-            <a:srgbClr val="00B0F0"/>
-          </a:solidFill>
-          <a:ln>
-            <a:noFill/>
-          </a:ln>
-        </p:spPr>
-        <p:style>
-          <a:lnRef idx="2">
-            <a:schemeClr val="accent1">
-              <a:shade val="50000"/>
-            </a:schemeClr>
-          </a:lnRef>
-          <a:fillRef idx="1">
-            <a:schemeClr val="accent1"/>
-          </a:fillRef>
-          <a:effectRef idx="0">
-            <a:schemeClr val="accent1"/>
-          </a:effectRef>
-          <a:fontRef idx="minor">
-            <a:schemeClr val="lt1"/>
-          </a:fontRef>
-        </p:style>
-        <p:txBody>
-          <a:bodyPr rtlCol="0" anchor="ctr"/>
-          <a:lstStyle/>
-          <a:p>
-            <a:pPr algn="ctr"/>
-            <a:endParaRPr lang="en-US"/>
-          </a:p>
-        </p:txBody>
-      </p:sp>
-      <p:sp>
-        <p:nvSpPr>
           <p:cNvPr id="37" name="TextBox 36"/>
           <p:cNvSpPr txBox="1"/>
           <p:nvPr/>
         </p:nvSpPr>
         <p:spPr>
           <a:xfrm>
-            <a:off x="-19896" y="7315200"/>
+            <a:off x="-19896" y="6400800"/>
             <a:ext cx="2139817" cy="307777"/>
           </a:xfrm>
           <a:prstGeom prst="rect">
@@ -3970,7 +3608,7 @@
         </p:nvSpPr>
         <p:spPr>
           <a:xfrm>
-            <a:off x="0" y="8379023"/>
+            <a:off x="0" y="7617023"/>
             <a:ext cx="893193" cy="307777"/>
           </a:xfrm>
           <a:prstGeom prst="rect">
@@ -4008,8 +3646,8 @@
         </p:nvSpPr>
         <p:spPr>
           <a:xfrm>
-            <a:off x="0" y="8569404"/>
-            <a:ext cx="2496213" cy="1107996"/>
+            <a:off x="0" y="7883604"/>
+            <a:ext cx="2496213" cy="600164"/>
           </a:xfrm>
           <a:prstGeom prst="rect">
             <a:avLst/>
@@ -4214,182 +3852,18 @@
               <a:t>người</a:t>
             </a:r>
             <a:r>
-              <a:rPr lang="en-US" sz="1100" dirty="0" smtClean="0">
+              <a:rPr lang="en-US" sz="1100" dirty="0">
                 <a:solidFill>
                   <a:schemeClr val="bg1"/>
                 </a:solidFill>
               </a:rPr>
               <a:t>.</a:t>
             </a:r>
-          </a:p>
-          <a:p>
-            <a:pPr marL="171450" indent="-171450">
-              <a:lnSpc>
-                <a:spcPct val="150000"/>
-              </a:lnSpc>
-              <a:buFont typeface="Arial" panose="020B0604020202020204" pitchFamily="34" charset="0"/>
-              <a:buChar char="•"/>
-            </a:pPr>
-            <a:r>
-              <a:rPr lang="en-US" sz="1100" dirty="0" err="1" smtClean="0">
-                <a:solidFill>
-                  <a:schemeClr val="bg1"/>
-                </a:solidFill>
-              </a:rPr>
-              <a:t>Đọc</a:t>
-            </a:r>
-            <a:r>
-              <a:rPr lang="en-US" sz="1100" dirty="0" smtClean="0">
-                <a:solidFill>
-                  <a:schemeClr val="bg1"/>
-                </a:solidFill>
-              </a:rPr>
-              <a:t> </a:t>
-            </a:r>
-            <a:r>
-              <a:rPr lang="en-US" sz="1100" dirty="0" err="1" smtClean="0">
-                <a:solidFill>
-                  <a:schemeClr val="bg1"/>
-                </a:solidFill>
-              </a:rPr>
-              <a:t>sách</a:t>
-            </a:r>
-            <a:r>
-              <a:rPr lang="en-US" sz="1100" dirty="0" smtClean="0">
-                <a:solidFill>
-                  <a:schemeClr val="bg1"/>
-                </a:solidFill>
-              </a:rPr>
-              <a:t>, </a:t>
-            </a:r>
-            <a:r>
-              <a:rPr lang="en-US" sz="1100" dirty="0" err="1" smtClean="0">
-                <a:solidFill>
-                  <a:schemeClr val="bg1"/>
-                </a:solidFill>
-              </a:rPr>
-              <a:t>chơi</a:t>
-            </a:r>
-            <a:r>
-              <a:rPr lang="en-US" sz="1100" dirty="0" smtClean="0">
-                <a:solidFill>
-                  <a:schemeClr val="bg1"/>
-                </a:solidFill>
-              </a:rPr>
-              <a:t> game, </a:t>
-            </a:r>
-            <a:r>
-              <a:rPr lang="en-US" sz="1100" dirty="0" err="1" smtClean="0">
-                <a:solidFill>
-                  <a:schemeClr val="bg1"/>
-                </a:solidFill>
-              </a:rPr>
-              <a:t>tập</a:t>
-            </a:r>
-            <a:r>
-              <a:rPr lang="en-US" sz="1100" dirty="0" smtClean="0">
-                <a:solidFill>
-                  <a:schemeClr val="bg1"/>
-                </a:solidFill>
-              </a:rPr>
-              <a:t> Gym, </a:t>
-            </a:r>
-            <a:r>
-              <a:rPr lang="en-US" sz="1100" dirty="0" err="1" smtClean="0">
-                <a:solidFill>
-                  <a:schemeClr val="bg1"/>
-                </a:solidFill>
-              </a:rPr>
-              <a:t>và</a:t>
-            </a:r>
-            <a:r>
-              <a:rPr lang="en-US" sz="1100" dirty="0" smtClean="0">
-                <a:solidFill>
-                  <a:schemeClr val="bg1"/>
-                </a:solidFill>
-              </a:rPr>
-              <a:t> </a:t>
-            </a:r>
-            <a:r>
-              <a:rPr lang="en-US" sz="1100" dirty="0" err="1" smtClean="0">
-                <a:solidFill>
-                  <a:schemeClr val="bg1"/>
-                </a:solidFill>
-              </a:rPr>
-              <a:t>các</a:t>
-            </a:r>
-            <a:r>
-              <a:rPr lang="en-US" sz="1100" dirty="0" smtClean="0">
-                <a:solidFill>
-                  <a:schemeClr val="bg1"/>
-                </a:solidFill>
-              </a:rPr>
-              <a:t> </a:t>
-            </a:r>
-            <a:r>
-              <a:rPr lang="en-US" sz="1100" dirty="0" err="1" smtClean="0">
-                <a:solidFill>
-                  <a:schemeClr val="bg1"/>
-                </a:solidFill>
-              </a:rPr>
-              <a:t>hoạt</a:t>
-            </a:r>
-            <a:r>
-              <a:rPr lang="en-US" sz="1100" dirty="0" smtClean="0">
-                <a:solidFill>
-                  <a:schemeClr val="bg1"/>
-                </a:solidFill>
-              </a:rPr>
-              <a:t> </a:t>
-            </a:r>
-            <a:r>
-              <a:rPr lang="en-US" sz="1100" dirty="0" err="1" smtClean="0">
-                <a:solidFill>
-                  <a:schemeClr val="bg1"/>
-                </a:solidFill>
-              </a:rPr>
-              <a:t>động</a:t>
-            </a:r>
-            <a:r>
-              <a:rPr lang="en-US" sz="1100" dirty="0" smtClean="0">
-                <a:solidFill>
-                  <a:schemeClr val="bg1"/>
-                </a:solidFill>
-              </a:rPr>
-              <a:t> </a:t>
-            </a:r>
-            <a:r>
-              <a:rPr lang="en-US" sz="1100" dirty="0" err="1" smtClean="0">
-                <a:solidFill>
-                  <a:schemeClr val="bg1"/>
-                </a:solidFill>
-              </a:rPr>
-              <a:t>ngoại</a:t>
-            </a:r>
-            <a:r>
-              <a:rPr lang="en-US" sz="1100" dirty="0" smtClean="0">
-                <a:solidFill>
-                  <a:schemeClr val="bg1"/>
-                </a:solidFill>
-              </a:rPr>
-              <a:t> </a:t>
-            </a:r>
-            <a:r>
-              <a:rPr lang="en-US" sz="1100" dirty="0" err="1" smtClean="0">
-                <a:solidFill>
-                  <a:schemeClr val="bg1"/>
-                </a:solidFill>
-              </a:rPr>
-              <a:t>khóa</a:t>
-            </a:r>
-            <a:r>
-              <a:rPr lang="en-US" sz="1100" dirty="0" smtClean="0">
-                <a:solidFill>
-                  <a:schemeClr val="bg1"/>
-                </a:solidFill>
-              </a:rPr>
-              <a:t>.</a:t>
-            </a:r>
+            <a:endParaRPr lang="en-US" sz="1100" dirty="0" smtClean="0">
+              <a:solidFill>
+                <a:schemeClr val="bg1"/>
+              </a:solidFill>
+            </a:endParaRPr>
           </a:p>
         </p:txBody>
       </p:sp>
@@ -4401,7 +3875,7 @@
         </p:nvSpPr>
         <p:spPr>
           <a:xfrm>
-            <a:off x="1" y="7554145"/>
+            <a:off x="1" y="6715945"/>
             <a:ext cx="2524970" cy="827855"/>
           </a:xfrm>
           <a:prstGeom prst="rect">
@@ -4625,7 +4099,7 @@
         </p:nvSpPr>
         <p:spPr>
           <a:xfrm>
-            <a:off x="828" y="4835604"/>
+            <a:off x="828" y="5219581"/>
             <a:ext cx="2495386" cy="1107996"/>
           </a:xfrm>
           <a:prstGeom prst="rect">
@@ -5080,7 +4554,7 @@
         </p:blipFill>
         <p:spPr>
           <a:xfrm>
-            <a:off x="104958" y="3327602"/>
+            <a:off x="104958" y="3388175"/>
             <a:ext cx="107214" cy="107214"/>
           </a:xfrm>
           <a:prstGeom prst="rect">
@@ -5110,7 +4584,7 @@
         </p:blipFill>
         <p:spPr>
           <a:xfrm>
-            <a:off x="51608" y="3511016"/>
+            <a:off x="51608" y="3571589"/>
             <a:ext cx="213914" cy="228600"/>
           </a:xfrm>
           <a:prstGeom prst="rect">
@@ -5140,7 +4614,7 @@
         </p:blipFill>
         <p:spPr>
           <a:xfrm>
-            <a:off x="104958" y="3815816"/>
+            <a:off x="104958" y="3876389"/>
             <a:ext cx="135028" cy="135028"/>
           </a:xfrm>
           <a:prstGeom prst="rect">
@@ -5170,7 +4644,7 @@
         </p:blipFill>
         <p:spPr>
           <a:xfrm>
-            <a:off x="83290" y="4069952"/>
+            <a:off x="83290" y="4130525"/>
             <a:ext cx="156696" cy="156696"/>
           </a:xfrm>
           <a:prstGeom prst="rect">
@@ -5200,7 +4674,7 @@
         </p:blipFill>
         <p:spPr>
           <a:xfrm>
-            <a:off x="92818" y="4273014"/>
+            <a:off x="92818" y="4353139"/>
             <a:ext cx="159307" cy="218861"/>
           </a:xfrm>
           <a:prstGeom prst="rect">
@@ -5362,7 +4836,7 @@
             </a:pPr>
             <a:r>
               <a:rPr lang="en-US" sz="1100" b="1" dirty="0" err="1" smtClean="0"/>
-              <a:t>Học</a:t>
+              <a:t>Tốt</a:t>
             </a:r>
             <a:r>
               <a:rPr lang="en-US" sz="1100" b="1" dirty="0" smtClean="0"/>
@@ -5370,16 +4844,25 @@
             </a:r>
             <a:r>
               <a:rPr lang="en-US" sz="1100" b="1" dirty="0" err="1" smtClean="0"/>
-              <a:t>kỳ</a:t>
+              <a:t>nghiệp</a:t>
+            </a:r>
+            <a:r>
+              <a:rPr lang="en-US" sz="1100" b="1" dirty="0" smtClean="0"/>
+              <a:t> </a:t>
+            </a:r>
+            <a:r>
+              <a:rPr lang="en-US" sz="1100" b="1" dirty="0" err="1" smtClean="0"/>
+              <a:t>loại</a:t>
             </a:r>
             <a:r>
               <a:rPr lang="en-US" sz="1100" b="1" dirty="0" smtClean="0"/>
               <a:t>: </a:t>
             </a:r>
             <a:r>
-              <a:rPr lang="en-US" sz="1100" dirty="0" smtClean="0"/>
-              <a:t>7/7</a:t>
-            </a:r>
+              <a:rPr lang="en-US" sz="1100" dirty="0" err="1" smtClean="0"/>
+              <a:t>Khá</a:t>
+            </a:r>
+            <a:endParaRPr lang="en-US" sz="1100" dirty="0" smtClean="0"/>
           </a:p>
           <a:p>
             <a:pPr marL="171450" indent="-171450" algn="just">
@@ -5509,20 +4992,12 @@
               <a:t>11/2018 – </a:t>
             </a:r>
             <a:r>
-              <a:rPr lang="en-US" sz="900" dirty="0" err="1" smtClean="0">
+              <a:rPr lang="en-US" sz="900" dirty="0" smtClean="0">
                 <a:solidFill>
                   <a:srgbClr val="00B0F0"/>
                 </a:solidFill>
               </a:rPr>
-              <a:t>Đến</a:t>
-            </a:r>
-            <a:r>
-              <a:rPr lang="en-US" sz="900" dirty="0" smtClean="0">
-                <a:solidFill>
-                  <a:srgbClr val="00B0F0"/>
-                </a:solidFill>
-              </a:rPr>
-              <a:t> nay</a:t>
+              <a:t>04/2023</a:t>
             </a:r>
             <a:endParaRPr lang="en-US" sz="900" dirty="0">
               <a:solidFill>
@@ -5802,11 +5277,11 @@
             </a:r>
             <a:r>
               <a:rPr lang="en-US" sz="1100" dirty="0" smtClean="0"/>
-              <a:t> 3 </a:t>
+              <a:t> </a:t>
             </a:r>
             <a:r>
               <a:rPr lang="en-US" sz="1100" dirty="0" err="1" smtClean="0"/>
-              <a:t>tháng</a:t>
+              <a:t>thời</a:t>
             </a:r>
             <a:r>
               <a:rPr lang="en-US" sz="1100" dirty="0" smtClean="0"/>
@@ -5814,7 +5289,7 @@
             </a:r>
             <a:r>
               <a:rPr lang="en-US" sz="1100" dirty="0" err="1" smtClean="0"/>
-              <a:t>thực</a:t>
+              <a:t>gian</a:t>
             </a:r>
             <a:r>
               <a:rPr lang="en-US" sz="1100" dirty="0" smtClean="0"/>
@@ -5822,10 +5297,18 @@
             </a:r>
             <a:r>
               <a:rPr lang="en-US" sz="1100" dirty="0" err="1" smtClean="0"/>
-              <a:t>tập</a:t>
-            </a:r>
-            <a:r>
-              <a:rPr lang="en-US" sz="1100" dirty="0"/>
+              <a:t>thử</a:t>
+            </a:r>
+            <a:r>
+              <a:rPr lang="en-US" sz="1100" dirty="0" smtClean="0"/>
+              <a:t> </a:t>
+            </a:r>
+            <a:r>
+              <a:rPr lang="en-US" sz="1100" dirty="0" err="1" smtClean="0"/>
+              <a:t>việc</a:t>
+            </a:r>
+            <a:r>
+              <a:rPr lang="en-US" sz="1100" dirty="0" smtClean="0"/>
               <a:t> </a:t>
             </a:r>
             <a:r>
@@ -6164,7 +5647,11 @@
             </a:r>
             <a:r>
               <a:rPr lang="en-US" sz="1100" dirty="0" smtClean="0"/>
-              <a:t> ty. Sau 5 </a:t>
+              <a:t> </a:t>
+            </a:r>
+            <a:r>
+              <a:rPr lang="en-US" sz="1100" dirty="0" smtClean="0"/>
+              <a:t>ty. Sau 5 </a:t>
             </a:r>
             <a:r>
               <a:rPr lang="en-US" sz="1100" dirty="0" err="1" smtClean="0"/>
@@ -6333,7 +5820,7 @@
         </p:blipFill>
         <p:spPr bwMode="auto">
           <a:xfrm>
-            <a:off x="2621281" y="3015497"/>
+            <a:off x="2621281" y="3093645"/>
             <a:ext cx="319258" cy="335355"/>
           </a:xfrm>
           <a:prstGeom prst="rect">
@@ -6359,8 +5846,8 @@
         </p:nvSpPr>
         <p:spPr>
           <a:xfrm>
-            <a:off x="2826769" y="3488247"/>
-            <a:ext cx="3939291" cy="2331407"/>
+            <a:off x="2826769" y="4654168"/>
+            <a:ext cx="3939291" cy="3493264"/>
           </a:xfrm>
           <a:prstGeom prst="rect">
             <a:avLst/>
@@ -6376,777 +5863,1131 @@
             <a:pPr algn="just"/>
             <a:r>
               <a:rPr lang="en-US" sz="1100" b="1" dirty="0" smtClean="0"/>
-              <a:t>CÔNG TY CODEFRESHER VIỆT NAM</a:t>
-            </a:r>
-          </a:p>
-          <a:p>
-            <a:pPr algn="just"/>
-            <a:r>
-              <a:rPr lang="en-US" sz="1100" i="1" dirty="0" err="1" smtClean="0"/>
-              <a:t>Thực</a:t>
-            </a:r>
-            <a:r>
-              <a:rPr lang="en-US" sz="1100" i="1" dirty="0" smtClean="0"/>
-              <a:t> </a:t>
-            </a:r>
-            <a:r>
-              <a:rPr lang="en-US" sz="1100" i="1" dirty="0" err="1" smtClean="0"/>
+              <a:t>CÔNG </a:t>
+            </a:r>
+            <a:r>
+              <a:rPr lang="en-US" sz="1100" b="1" dirty="0" smtClean="0"/>
+              <a:t>TYCP SMILETECH CÔNG NGHỆ SỐ</a:t>
+            </a:r>
+          </a:p>
+          <a:p>
+            <a:pPr marL="171450" indent="-171450" algn="just">
+              <a:lnSpc>
+                <a:spcPct val="150000"/>
+              </a:lnSpc>
+              <a:buFontTx/>
+              <a:buChar char="-"/>
+            </a:pPr>
+            <a:r>
+              <a:rPr lang="en-US" sz="1000" dirty="0" err="1" smtClean="0"/>
+              <a:t>Vị</a:t>
+            </a:r>
+            <a:r>
+              <a:rPr lang="en-US" sz="1000" dirty="0" smtClean="0"/>
+              <a:t> </a:t>
+            </a:r>
+            <a:r>
+              <a:rPr lang="en-US" sz="1000" dirty="0" err="1" smtClean="0"/>
+              <a:t>trí</a:t>
+            </a:r>
+            <a:r>
+              <a:rPr lang="en-US" sz="1000" dirty="0" smtClean="0"/>
+              <a:t> </a:t>
+            </a:r>
+            <a:r>
+              <a:rPr lang="en-US" sz="1000" dirty="0" err="1" smtClean="0"/>
+              <a:t>tại</a:t>
+            </a:r>
+            <a:r>
+              <a:rPr lang="en-US" sz="1000" dirty="0" smtClean="0"/>
+              <a:t> </a:t>
+            </a:r>
+            <a:r>
+              <a:rPr lang="en-US" sz="1000" dirty="0" err="1" smtClean="0"/>
+              <a:t>công</a:t>
+            </a:r>
+            <a:r>
+              <a:rPr lang="en-US" sz="1000" dirty="0" smtClean="0"/>
+              <a:t> </a:t>
+            </a:r>
+            <a:r>
+              <a:rPr lang="en-US" sz="1000" dirty="0" err="1" smtClean="0"/>
+              <a:t>ty</a:t>
+            </a:r>
+            <a:r>
+              <a:rPr lang="en-US" sz="1000" dirty="0" smtClean="0"/>
+              <a:t> </a:t>
+            </a:r>
+            <a:r>
+              <a:rPr lang="en-US" sz="1000" dirty="0" err="1" smtClean="0"/>
+              <a:t>từ</a:t>
+            </a:r>
+            <a:r>
+              <a:rPr lang="en-US" sz="1000" dirty="0" smtClean="0"/>
+              <a:t> </a:t>
+            </a:r>
+            <a:r>
+              <a:rPr lang="en-US" sz="1000" dirty="0" err="1" smtClean="0"/>
+              <a:t>thực</a:t>
+            </a:r>
+            <a:r>
+              <a:rPr lang="en-US" sz="1000" dirty="0" smtClean="0"/>
+              <a:t> </a:t>
+            </a:r>
+            <a:r>
+              <a:rPr lang="en-US" sz="1000" dirty="0" err="1" smtClean="0"/>
               <a:t>tập</a:t>
             </a:r>
             <a:r>
-              <a:rPr lang="en-US" sz="1100" i="1" dirty="0" smtClean="0"/>
-              <a:t> </a:t>
-            </a:r>
-            <a:r>
-              <a:rPr lang="en-US" sz="1100" i="1" dirty="0" err="1" smtClean="0"/>
+              <a:rPr lang="en-US" sz="1000" dirty="0" smtClean="0"/>
+              <a:t> </a:t>
+            </a:r>
+            <a:r>
+              <a:rPr lang="en-US" sz="1000" dirty="0" err="1" smtClean="0"/>
               <a:t>sinh</a:t>
             </a:r>
             <a:r>
-              <a:rPr lang="en-US" sz="1100" i="1" dirty="0" smtClean="0"/>
-              <a:t> </a:t>
-            </a:r>
-            <a:r>
-              <a:rPr lang="en-US" sz="1100" i="1" dirty="0" err="1" smtClean="0"/>
-              <a:t>lập</a:t>
-            </a:r>
-            <a:r>
-              <a:rPr lang="en-US" sz="1100" i="1" dirty="0" smtClean="0"/>
-              <a:t> </a:t>
-            </a:r>
-            <a:r>
-              <a:rPr lang="en-US" sz="1100" i="1" dirty="0" err="1" smtClean="0"/>
-              <a:t>trình</a:t>
-            </a:r>
-            <a:r>
-              <a:rPr lang="en-US" sz="1100" i="1" dirty="0" smtClean="0"/>
-              <a:t> </a:t>
-            </a:r>
-            <a:r>
-              <a:rPr lang="en-US" sz="1100" i="1" dirty="0" err="1" smtClean="0"/>
-              <a:t>Anhdroid</a:t>
-            </a:r>
-            <a:endParaRPr lang="en-US" sz="1100" i="1" dirty="0" smtClean="0"/>
+              <a:rPr lang="en-US" sz="1000" dirty="0" smtClean="0"/>
+              <a:t> </a:t>
+            </a:r>
+            <a:r>
+              <a:rPr lang="en-US" sz="1000" dirty="0" err="1" smtClean="0"/>
+              <a:t>sau</a:t>
+            </a:r>
+            <a:r>
+              <a:rPr lang="en-US" sz="1000" dirty="0" smtClean="0"/>
+              <a:t> 1.5 </a:t>
+            </a:r>
+            <a:r>
+              <a:rPr lang="en-US" sz="1000" dirty="0" err="1" smtClean="0"/>
+              <a:t>năm</a:t>
+            </a:r>
+            <a:r>
+              <a:rPr lang="en-US" sz="1000" dirty="0" smtClean="0"/>
+              <a:t> </a:t>
+            </a:r>
+            <a:r>
+              <a:rPr lang="en-US" sz="1000" dirty="0" err="1" smtClean="0"/>
+              <a:t>trở</a:t>
+            </a:r>
+            <a:r>
+              <a:rPr lang="en-US" sz="1000" dirty="0" smtClean="0"/>
+              <a:t> </a:t>
+            </a:r>
+            <a:r>
+              <a:rPr lang="en-US" sz="1000" dirty="0" err="1" smtClean="0"/>
+              <a:t>thành</a:t>
+            </a:r>
+            <a:r>
+              <a:rPr lang="en-US" sz="1000" dirty="0" smtClean="0"/>
+              <a:t> sub leader</a:t>
+            </a:r>
           </a:p>
           <a:p>
             <a:pPr marL="171450" indent="-171450" algn="just">
-              <a:spcBef>
-                <a:spcPts val="300"/>
-              </a:spcBef>
-              <a:buFont typeface="Arial" panose="020B0604020202020204" pitchFamily="34" charset="0"/>
-              <a:buChar char="•"/>
+              <a:lnSpc>
+                <a:spcPct val="150000"/>
+              </a:lnSpc>
+              <a:buFontTx/>
+              <a:buChar char="-"/>
             </a:pPr>
             <a:r>
-              <a:rPr lang="en-US" sz="1100" b="1" dirty="0" err="1" smtClean="0"/>
-              <a:t>Xây</a:t>
-            </a:r>
-            <a:r>
-              <a:rPr lang="en-US" sz="1100" b="1" dirty="0" smtClean="0"/>
-              <a:t> </a:t>
-            </a:r>
-            <a:r>
-              <a:rPr lang="en-US" sz="1100" b="1" dirty="0" err="1" smtClean="0"/>
-              <a:t>dựng</a:t>
-            </a:r>
-            <a:r>
-              <a:rPr lang="en-US" sz="1100" b="1" dirty="0" smtClean="0"/>
-              <a:t> </a:t>
-            </a:r>
-            <a:r>
-              <a:rPr lang="en-US" sz="1100" b="1" dirty="0" err="1" smtClean="0"/>
-              <a:t>ứng</a:t>
-            </a:r>
-            <a:r>
-              <a:rPr lang="en-US" sz="1100" b="1" dirty="0" smtClean="0"/>
-              <a:t> </a:t>
-            </a:r>
-            <a:r>
-              <a:rPr lang="en-US" sz="1100" b="1" dirty="0" err="1" smtClean="0"/>
-              <a:t>dụng</a:t>
-            </a:r>
-            <a:r>
-              <a:rPr lang="en-US" sz="1100" b="1" dirty="0" smtClean="0"/>
+              <a:rPr lang="en-US" sz="1000" dirty="0" err="1" smtClean="0"/>
+              <a:t>Công</a:t>
+            </a:r>
+            <a:r>
+              <a:rPr lang="en-US" sz="1000" dirty="0" smtClean="0"/>
+              <a:t> </a:t>
+            </a:r>
+            <a:r>
+              <a:rPr lang="en-US" sz="1000" dirty="0" err="1" smtClean="0"/>
+              <a:t>việc</a:t>
+            </a:r>
+            <a:r>
+              <a:rPr lang="en-US" sz="1000" dirty="0" smtClean="0"/>
+              <a:t> : </a:t>
+            </a:r>
+          </a:p>
+          <a:p>
+            <a:pPr algn="just">
+              <a:lnSpc>
+                <a:spcPct val="150000"/>
+              </a:lnSpc>
+            </a:pPr>
+            <a:r>
+              <a:rPr lang="en-US" sz="1000" dirty="0" smtClean="0"/>
+              <a:t>       +  </a:t>
+            </a:r>
+            <a:r>
+              <a:rPr lang="en-US" sz="1000" dirty="0" err="1" smtClean="0"/>
+              <a:t>Tham</a:t>
+            </a:r>
+            <a:r>
+              <a:rPr lang="en-US" sz="1000" dirty="0" smtClean="0"/>
+              <a:t> </a:t>
+            </a:r>
+            <a:r>
+              <a:rPr lang="en-US" sz="1000" dirty="0" err="1" smtClean="0"/>
+              <a:t>gia</a:t>
+            </a:r>
+            <a:r>
+              <a:rPr lang="en-US" sz="1000" dirty="0" smtClean="0"/>
+              <a:t> </a:t>
+            </a:r>
+            <a:r>
+              <a:rPr lang="en-US" sz="1000" dirty="0" err="1" smtClean="0"/>
+              <a:t>phân</a:t>
+            </a:r>
+            <a:r>
+              <a:rPr lang="en-US" sz="1000" dirty="0" smtClean="0"/>
+              <a:t> </a:t>
+            </a:r>
+            <a:r>
+              <a:rPr lang="en-US" sz="1000" dirty="0" err="1" smtClean="0"/>
+              <a:t>tích</a:t>
+            </a:r>
+            <a:r>
+              <a:rPr lang="en-US" sz="1000" dirty="0" smtClean="0"/>
+              <a:t> </a:t>
+            </a:r>
+            <a:r>
+              <a:rPr lang="en-US" sz="1000" dirty="0" err="1" smtClean="0"/>
+              <a:t>và</a:t>
+            </a:r>
+            <a:r>
+              <a:rPr lang="en-US" sz="1000" dirty="0" smtClean="0"/>
+              <a:t> </a:t>
+            </a:r>
+            <a:r>
+              <a:rPr lang="en-US" sz="1000" dirty="0" err="1" smtClean="0"/>
+              <a:t>phát</a:t>
+            </a:r>
+            <a:r>
+              <a:rPr lang="en-US" sz="1000" dirty="0" smtClean="0"/>
+              <a:t>  </a:t>
+            </a:r>
+            <a:r>
+              <a:rPr lang="en-US" sz="1000" dirty="0" err="1" smtClean="0"/>
+              <a:t>triển</a:t>
+            </a:r>
+            <a:r>
+              <a:rPr lang="en-US" sz="1000" dirty="0" smtClean="0"/>
+              <a:t> </a:t>
+            </a:r>
+            <a:r>
+              <a:rPr lang="en-US" sz="1000" dirty="0" err="1" smtClean="0"/>
+              <a:t>các</a:t>
+            </a:r>
+            <a:r>
+              <a:rPr lang="en-US" sz="1000" dirty="0" smtClean="0"/>
+              <a:t> </a:t>
+            </a:r>
+            <a:r>
+              <a:rPr lang="en-US" sz="1000" dirty="0" err="1" smtClean="0"/>
+              <a:t>hệ</a:t>
+            </a:r>
+            <a:r>
+              <a:rPr lang="en-US" sz="1000" dirty="0" smtClean="0"/>
+              <a:t> </a:t>
+            </a:r>
+            <a:r>
+              <a:rPr lang="en-US" sz="1000" dirty="0" err="1" smtClean="0"/>
+              <a:t>thống</a:t>
+            </a:r>
+            <a:r>
+              <a:rPr lang="en-US" sz="1000" dirty="0" smtClean="0"/>
+              <a:t> </a:t>
+            </a:r>
+            <a:r>
+              <a:rPr lang="en-US" sz="1000" dirty="0" err="1" smtClean="0"/>
+              <a:t>thương</a:t>
+            </a:r>
+            <a:r>
+              <a:rPr lang="en-US" sz="1000" dirty="0" smtClean="0"/>
+              <a:t> </a:t>
+            </a:r>
+            <a:r>
+              <a:rPr lang="en-US" sz="1000" dirty="0" err="1" smtClean="0"/>
+              <a:t>mại</a:t>
+            </a:r>
+            <a:r>
+              <a:rPr lang="en-US" sz="1000" dirty="0" smtClean="0"/>
+              <a:t> </a:t>
+            </a:r>
+            <a:r>
+              <a:rPr lang="en-US" sz="1000" dirty="0" err="1" smtClean="0"/>
+              <a:t>điện</a:t>
+            </a:r>
+            <a:r>
+              <a:rPr lang="en-US" sz="1000" dirty="0" smtClean="0"/>
+              <a:t> </a:t>
+            </a:r>
+            <a:r>
+              <a:rPr lang="en-US" sz="1000" dirty="0" err="1" smtClean="0"/>
+              <a:t>tử</a:t>
+            </a:r>
+            <a:endParaRPr lang="en-US" sz="1000" dirty="0" smtClean="0"/>
+          </a:p>
+          <a:p>
+            <a:pPr algn="just">
+              <a:lnSpc>
+                <a:spcPct val="150000"/>
+              </a:lnSpc>
+            </a:pPr>
+            <a:r>
+              <a:rPr lang="en-US" sz="1000" dirty="0"/>
+              <a:t> </a:t>
+            </a:r>
+            <a:r>
+              <a:rPr lang="en-US" sz="1000" dirty="0" smtClean="0"/>
+              <a:t>           </a:t>
+            </a:r>
+            <a:r>
+              <a:rPr lang="en-US" sz="1000" dirty="0" err="1" smtClean="0"/>
+              <a:t>như</a:t>
+            </a:r>
+            <a:r>
+              <a:rPr lang="en-US" sz="1000" dirty="0" smtClean="0"/>
+              <a:t> </a:t>
+            </a:r>
+            <a:r>
+              <a:rPr lang="en-US" sz="1000" dirty="0" err="1" smtClean="0"/>
+              <a:t>Sàn</a:t>
+            </a:r>
+            <a:r>
+              <a:rPr lang="en-US" sz="1000" dirty="0" smtClean="0"/>
+              <a:t> </a:t>
+            </a:r>
+            <a:r>
+              <a:rPr lang="en-US" sz="1000" dirty="0" err="1" smtClean="0"/>
+              <a:t>Công</a:t>
+            </a:r>
+            <a:r>
+              <a:rPr lang="en-US" sz="1000" dirty="0" smtClean="0"/>
+              <a:t> </a:t>
+            </a:r>
+            <a:r>
+              <a:rPr lang="en-US" sz="1000" dirty="0" err="1" smtClean="0"/>
+              <a:t>Nghiệp</a:t>
+            </a:r>
+            <a:r>
+              <a:rPr lang="en-US" sz="1000" dirty="0" smtClean="0"/>
+              <a:t> </a:t>
+            </a:r>
+            <a:r>
+              <a:rPr lang="en-US" sz="1000" dirty="0" err="1" smtClean="0"/>
+              <a:t>Hóa</a:t>
+            </a:r>
+            <a:r>
+              <a:rPr lang="en-US" sz="1000" dirty="0" smtClean="0"/>
+              <a:t> </a:t>
+            </a:r>
+            <a:r>
+              <a:rPr lang="en-US" sz="1000" dirty="0" err="1" smtClean="0"/>
+              <a:t>Chất</a:t>
+            </a:r>
+            <a:r>
+              <a:rPr lang="en-US" sz="1000" dirty="0" smtClean="0"/>
+              <a:t>, </a:t>
+            </a:r>
+            <a:r>
+              <a:rPr lang="en-US" sz="1000" dirty="0" err="1" smtClean="0"/>
+              <a:t>Sàn</a:t>
+            </a:r>
+            <a:r>
+              <a:rPr lang="en-US" sz="1000" dirty="0" smtClean="0"/>
+              <a:t> </a:t>
+            </a:r>
+            <a:r>
+              <a:rPr lang="en-US" sz="1000" dirty="0" err="1" smtClean="0"/>
+              <a:t>Thương</a:t>
+            </a:r>
+            <a:r>
+              <a:rPr lang="en-US" sz="1000" dirty="0" smtClean="0"/>
+              <a:t> </a:t>
+            </a:r>
+            <a:r>
+              <a:rPr lang="en-US" sz="1000" dirty="0" err="1" smtClean="0"/>
+              <a:t>Mại</a:t>
+            </a:r>
+            <a:r>
+              <a:rPr lang="en-US" sz="1000" dirty="0" smtClean="0"/>
+              <a:t> </a:t>
+            </a:r>
+            <a:r>
+              <a:rPr lang="en-US" sz="1000" dirty="0" err="1" smtClean="0"/>
+              <a:t>Điện</a:t>
+            </a:r>
+            <a:r>
+              <a:rPr lang="en-US" sz="1000" dirty="0" smtClean="0"/>
+              <a:t> </a:t>
+            </a:r>
+            <a:r>
+              <a:rPr lang="en-US" sz="1000" dirty="0" err="1" smtClean="0"/>
+              <a:t>Tử</a:t>
+            </a:r>
+            <a:r>
+              <a:rPr lang="en-US" sz="1000" dirty="0" smtClean="0"/>
+              <a:t> </a:t>
+            </a:r>
+            <a:r>
+              <a:rPr lang="en-US" sz="1000" dirty="0" err="1" smtClean="0"/>
+              <a:t>Eplaza</a:t>
+            </a:r>
+            <a:r>
+              <a:rPr lang="en-US" sz="1000" dirty="0" smtClean="0"/>
+              <a:t>, </a:t>
+            </a:r>
+          </a:p>
+          <a:p>
+            <a:pPr algn="just">
+              <a:lnSpc>
+                <a:spcPct val="150000"/>
+              </a:lnSpc>
+            </a:pPr>
+            <a:r>
+              <a:rPr lang="en-US" sz="1000" dirty="0"/>
+              <a:t> </a:t>
+            </a:r>
+            <a:r>
+              <a:rPr lang="en-US" sz="1000" dirty="0" smtClean="0"/>
+              <a:t>           </a:t>
+            </a:r>
+            <a:r>
+              <a:rPr lang="en-US" sz="1000" dirty="0" err="1" smtClean="0"/>
+              <a:t>Sàn</a:t>
+            </a:r>
+            <a:r>
+              <a:rPr lang="en-US" sz="1000" dirty="0" smtClean="0"/>
+              <a:t> </a:t>
+            </a:r>
+            <a:r>
+              <a:rPr lang="en-US" sz="1000" dirty="0" err="1" smtClean="0"/>
+              <a:t>Nội</a:t>
+            </a:r>
+            <a:r>
+              <a:rPr lang="en-US" sz="1000" dirty="0" smtClean="0"/>
+              <a:t> </a:t>
+            </a:r>
+            <a:r>
+              <a:rPr lang="en-US" sz="1000" dirty="0" err="1" smtClean="0"/>
+              <a:t>Thất</a:t>
+            </a:r>
+            <a:r>
+              <a:rPr lang="en-US" sz="1000" dirty="0" smtClean="0"/>
+              <a:t> </a:t>
+            </a:r>
+            <a:r>
+              <a:rPr lang="en-US" sz="1000" dirty="0" err="1" smtClean="0"/>
+              <a:t>MegaStore</a:t>
+            </a:r>
+            <a:r>
+              <a:rPr lang="en-US" sz="1000" dirty="0" smtClean="0"/>
+              <a:t>,…</a:t>
+            </a:r>
+            <a:endParaRPr lang="en-US" sz="1000" dirty="0"/>
+          </a:p>
+          <a:p>
+            <a:pPr algn="just">
+              <a:lnSpc>
+                <a:spcPct val="150000"/>
+              </a:lnSpc>
+            </a:pPr>
+            <a:r>
+              <a:rPr lang="en-US" sz="1000" dirty="0" smtClean="0"/>
+              <a:t>       +  </a:t>
+            </a:r>
+            <a:r>
+              <a:rPr lang="en-US" sz="1000" dirty="0" err="1" smtClean="0"/>
+              <a:t>Công</a:t>
+            </a:r>
+            <a:r>
+              <a:rPr lang="en-US" sz="1000" dirty="0" smtClean="0"/>
+              <a:t> </a:t>
+            </a:r>
+            <a:r>
+              <a:rPr lang="en-US" sz="1000" dirty="0" err="1" smtClean="0"/>
+              <a:t>nghệ</a:t>
+            </a:r>
+            <a:r>
+              <a:rPr lang="en-US" sz="1000" dirty="0" smtClean="0"/>
+              <a:t> </a:t>
+            </a:r>
+            <a:r>
+              <a:rPr lang="en-US" sz="1000" dirty="0" err="1" smtClean="0"/>
+              <a:t>chuyển</a:t>
+            </a:r>
+            <a:r>
+              <a:rPr lang="en-US" sz="1000" dirty="0" smtClean="0"/>
+              <a:t> </a:t>
+            </a:r>
+            <a:r>
+              <a:rPr lang="en-US" sz="1000" dirty="0" err="1" smtClean="0"/>
+              <a:t>đổi</a:t>
+            </a:r>
+            <a:r>
+              <a:rPr lang="en-US" sz="1000" dirty="0" smtClean="0"/>
+              <a:t> </a:t>
+            </a:r>
+            <a:r>
+              <a:rPr lang="en-US" sz="1000" dirty="0" err="1" smtClean="0"/>
+              <a:t>số</a:t>
+            </a:r>
+            <a:r>
+              <a:rPr lang="en-US" sz="1000" dirty="0" smtClean="0"/>
+              <a:t> </a:t>
+            </a:r>
+            <a:r>
+              <a:rPr lang="en-US" sz="1000" dirty="0" err="1" smtClean="0"/>
+              <a:t>như</a:t>
+            </a:r>
+            <a:r>
+              <a:rPr lang="en-US" sz="1000" dirty="0" smtClean="0"/>
+              <a:t> </a:t>
+            </a:r>
+            <a:r>
+              <a:rPr lang="en-US" sz="1000" dirty="0" err="1" smtClean="0"/>
+              <a:t>Phần</a:t>
+            </a:r>
+            <a:r>
+              <a:rPr lang="en-US" sz="1000" dirty="0" smtClean="0"/>
+              <a:t> </a:t>
+            </a:r>
+            <a:r>
+              <a:rPr lang="en-US" sz="1000" dirty="0" err="1" smtClean="0"/>
+              <a:t>mềm</a:t>
+            </a:r>
+            <a:r>
+              <a:rPr lang="en-US" sz="1000" dirty="0" smtClean="0"/>
+              <a:t> </a:t>
+            </a:r>
+            <a:r>
+              <a:rPr lang="en-US" sz="1000" dirty="0"/>
+              <a:t>Du </a:t>
+            </a:r>
+            <a:r>
+              <a:rPr lang="en-US" sz="1000" dirty="0" err="1"/>
+              <a:t>Lịch</a:t>
+            </a:r>
+            <a:r>
+              <a:rPr lang="en-US" sz="1000" dirty="0"/>
+              <a:t> </a:t>
+            </a:r>
+            <a:r>
+              <a:rPr lang="en-US" sz="1000" dirty="0" err="1"/>
+              <a:t>HanoiTourism</a:t>
+            </a:r>
+            <a:r>
+              <a:rPr lang="en-US" sz="1000" dirty="0" smtClean="0"/>
+              <a:t>,</a:t>
+            </a:r>
+          </a:p>
+          <a:p>
+            <a:pPr algn="just">
+              <a:lnSpc>
+                <a:spcPct val="150000"/>
+              </a:lnSpc>
+            </a:pPr>
+            <a:r>
+              <a:rPr lang="en-US" sz="1000" dirty="0"/>
+              <a:t> </a:t>
+            </a:r>
+            <a:r>
+              <a:rPr lang="en-US" sz="1000" dirty="0" smtClean="0"/>
+              <a:t>          </a:t>
+            </a:r>
+            <a:r>
+              <a:rPr lang="en-US" sz="1000" dirty="0" err="1" smtClean="0"/>
+              <a:t>Phần</a:t>
+            </a:r>
+            <a:r>
+              <a:rPr lang="en-US" sz="1000" dirty="0" smtClean="0"/>
+              <a:t> </a:t>
+            </a:r>
+            <a:r>
+              <a:rPr lang="en-US" sz="1000" dirty="0" err="1"/>
+              <a:t>Mềm</a:t>
+            </a:r>
+            <a:r>
+              <a:rPr lang="en-US" sz="1000" dirty="0"/>
+              <a:t>  </a:t>
+            </a:r>
+            <a:r>
+              <a:rPr lang="en-US" sz="1000" dirty="0" err="1"/>
+              <a:t>Đặt</a:t>
+            </a:r>
+            <a:r>
+              <a:rPr lang="en-US" sz="1000" dirty="0"/>
+              <a:t> </a:t>
+            </a:r>
+            <a:r>
+              <a:rPr lang="en-US" sz="1000" dirty="0" err="1"/>
+              <a:t>Lịch</a:t>
+            </a:r>
+            <a:r>
+              <a:rPr lang="en-US" sz="1000" dirty="0"/>
+              <a:t> </a:t>
+            </a:r>
+            <a:r>
+              <a:rPr lang="en-US" sz="1000" dirty="0" err="1" smtClean="0"/>
+              <a:t>BeautySalon</a:t>
+            </a:r>
+            <a:r>
+              <a:rPr lang="en-US" sz="1000" dirty="0" smtClean="0"/>
+              <a:t>, </a:t>
+            </a:r>
+            <a:r>
+              <a:rPr lang="en-US" sz="1000" dirty="0" err="1" smtClean="0"/>
+              <a:t>Phần</a:t>
+            </a:r>
+            <a:r>
+              <a:rPr lang="en-US" sz="1000" dirty="0" smtClean="0"/>
+              <a:t> </a:t>
+            </a:r>
+            <a:r>
+              <a:rPr lang="en-US" sz="1000" dirty="0" err="1" smtClean="0"/>
+              <a:t>Mềm</a:t>
+            </a:r>
+            <a:r>
+              <a:rPr lang="en-US" sz="1000" dirty="0" smtClean="0"/>
+              <a:t> Y </a:t>
+            </a:r>
+            <a:r>
+              <a:rPr lang="en-US" sz="1000" dirty="0" err="1" smtClean="0"/>
+              <a:t>Tế</a:t>
+            </a:r>
+            <a:r>
+              <a:rPr lang="en-US" sz="1000" dirty="0" smtClean="0"/>
+              <a:t> </a:t>
+            </a:r>
+            <a:r>
+              <a:rPr lang="en-US" sz="1000" dirty="0" err="1" smtClean="0"/>
+              <a:t>HomeDoctor</a:t>
+            </a:r>
+            <a:r>
+              <a:rPr lang="en-US" sz="1000" dirty="0" smtClean="0"/>
+              <a:t>,</a:t>
+            </a:r>
+          </a:p>
+          <a:p>
+            <a:pPr algn="just">
+              <a:lnSpc>
+                <a:spcPct val="150000"/>
+              </a:lnSpc>
+            </a:pPr>
+            <a:r>
+              <a:rPr lang="en-US" sz="1000" dirty="0"/>
+              <a:t> </a:t>
+            </a:r>
+            <a:r>
+              <a:rPr lang="en-US" sz="1000" dirty="0" smtClean="0"/>
+              <a:t>          Medical Care, </a:t>
+            </a:r>
+            <a:r>
+              <a:rPr lang="en-US" sz="1000" dirty="0" err="1" smtClean="0"/>
+              <a:t>Phần</a:t>
+            </a:r>
+            <a:r>
+              <a:rPr lang="en-US" sz="1000" dirty="0" smtClean="0"/>
+              <a:t> </a:t>
+            </a:r>
+            <a:r>
+              <a:rPr lang="en-US" sz="1000" dirty="0" err="1" smtClean="0"/>
+              <a:t>Mềm</a:t>
+            </a:r>
+            <a:r>
+              <a:rPr lang="en-US" sz="1000" dirty="0" smtClean="0"/>
+              <a:t> </a:t>
+            </a:r>
+            <a:r>
+              <a:rPr lang="en-US" sz="1000" dirty="0" err="1" smtClean="0"/>
+              <a:t>Khóa</a:t>
+            </a:r>
+            <a:r>
+              <a:rPr lang="en-US" sz="1000" dirty="0" smtClean="0"/>
+              <a:t> </a:t>
+            </a:r>
+            <a:r>
+              <a:rPr lang="en-US" sz="1000" dirty="0" err="1" smtClean="0"/>
+              <a:t>Học</a:t>
+            </a:r>
+            <a:r>
+              <a:rPr lang="en-US" sz="1000" dirty="0" smtClean="0"/>
+              <a:t> CES Talk chia </a:t>
+            </a:r>
+            <a:r>
+              <a:rPr lang="en-US" sz="1000" dirty="0" err="1" smtClean="0"/>
+              <a:t>sẻ</a:t>
+            </a:r>
+            <a:r>
+              <a:rPr lang="en-US" sz="1000" dirty="0" smtClean="0"/>
+              <a:t> </a:t>
+            </a:r>
+            <a:r>
+              <a:rPr lang="en-US" sz="1000" dirty="0" err="1" smtClean="0"/>
+              <a:t>kiến</a:t>
+            </a:r>
+            <a:r>
+              <a:rPr lang="en-US" sz="1000" dirty="0" smtClean="0"/>
+              <a:t> </a:t>
+            </a:r>
+            <a:r>
+              <a:rPr lang="en-US" sz="1000" dirty="0" err="1" smtClean="0"/>
+              <a:t>thức</a:t>
+            </a:r>
+            <a:r>
+              <a:rPr lang="en-US" sz="1000" dirty="0"/>
+              <a:t> </a:t>
+            </a:r>
+            <a:r>
+              <a:rPr lang="en-US" sz="1000" dirty="0" smtClean="0"/>
+              <a:t>…</a:t>
+            </a:r>
+          </a:p>
+          <a:p>
+            <a:pPr algn="just">
+              <a:lnSpc>
+                <a:spcPct val="150000"/>
+              </a:lnSpc>
+            </a:pPr>
+            <a:r>
+              <a:rPr lang="en-US" sz="1000" dirty="0"/>
+              <a:t> </a:t>
+            </a:r>
+            <a:r>
+              <a:rPr lang="en-US" sz="1000" dirty="0" smtClean="0"/>
+              <a:t>      +  </a:t>
+            </a:r>
+            <a:r>
+              <a:rPr lang="en-US" sz="1000" dirty="0" err="1" smtClean="0"/>
+              <a:t>Công</a:t>
+            </a:r>
+            <a:r>
+              <a:rPr lang="en-US" sz="1000" dirty="0" smtClean="0"/>
+              <a:t> </a:t>
+            </a:r>
+            <a:r>
+              <a:rPr lang="en-US" sz="1000" dirty="0" err="1" smtClean="0"/>
+              <a:t>Nghệ</a:t>
+            </a:r>
+            <a:r>
+              <a:rPr lang="en-US" sz="1000" dirty="0" smtClean="0"/>
+              <a:t> </a:t>
+            </a:r>
+            <a:r>
+              <a:rPr lang="en-US" sz="1000" dirty="0" err="1" smtClean="0"/>
+              <a:t>Phần</a:t>
+            </a:r>
+            <a:r>
+              <a:rPr lang="en-US" sz="1000" dirty="0" smtClean="0"/>
+              <a:t> </a:t>
+            </a:r>
+            <a:r>
+              <a:rPr lang="en-US" sz="1000" dirty="0" err="1" smtClean="0"/>
+              <a:t>Mềm</a:t>
+            </a:r>
+            <a:r>
+              <a:rPr lang="en-US" sz="1000" dirty="0" smtClean="0"/>
+              <a:t> </a:t>
+            </a:r>
+            <a:r>
+              <a:rPr lang="en-US" sz="1000" dirty="0" err="1" smtClean="0"/>
+              <a:t>Cảm</a:t>
+            </a:r>
+            <a:r>
+              <a:rPr lang="en-US" sz="1000" dirty="0" smtClean="0"/>
+              <a:t> </a:t>
+            </a:r>
+            <a:r>
+              <a:rPr lang="en-US" sz="1000" dirty="0" err="1" smtClean="0"/>
+              <a:t>Biến</a:t>
+            </a:r>
+            <a:r>
+              <a:rPr lang="en-US" sz="1000" dirty="0" smtClean="0"/>
+              <a:t> </a:t>
+            </a:r>
+            <a:r>
+              <a:rPr lang="en-US" sz="1000" dirty="0" err="1" smtClean="0"/>
+              <a:t>Áp</a:t>
+            </a:r>
+            <a:r>
+              <a:rPr lang="en-US" sz="1000" dirty="0" smtClean="0"/>
+              <a:t> </a:t>
+            </a:r>
+            <a:r>
+              <a:rPr lang="en-US" sz="1000" dirty="0" err="1" smtClean="0"/>
+              <a:t>Suất</a:t>
+            </a:r>
+            <a:r>
+              <a:rPr lang="en-US" sz="1000" dirty="0" smtClean="0"/>
+              <a:t> </a:t>
+            </a:r>
+            <a:r>
+              <a:rPr lang="en-US" sz="1000" dirty="0" err="1" smtClean="0"/>
+              <a:t>Lốp</a:t>
+            </a:r>
+            <a:r>
+              <a:rPr lang="en-US" sz="1000" dirty="0" smtClean="0"/>
+              <a:t>.</a:t>
+            </a:r>
+          </a:p>
+          <a:p>
+            <a:pPr marL="171450" indent="-171450" algn="just">
+              <a:lnSpc>
+                <a:spcPct val="150000"/>
+              </a:lnSpc>
+              <a:buFontTx/>
+              <a:buChar char="-"/>
+            </a:pPr>
+            <a:r>
+              <a:rPr lang="en-US" sz="1000" dirty="0" err="1" smtClean="0"/>
+              <a:t>Kinh</a:t>
+            </a:r>
+            <a:r>
+              <a:rPr lang="en-US" sz="1000" dirty="0" smtClean="0"/>
+              <a:t> </a:t>
+            </a:r>
+            <a:r>
+              <a:rPr lang="en-US" sz="1000" dirty="0" err="1" smtClean="0"/>
+              <a:t>nghiệm</a:t>
+            </a:r>
+            <a:r>
+              <a:rPr lang="en-US" sz="1000" dirty="0" smtClean="0"/>
+              <a:t> </a:t>
+            </a:r>
+            <a:r>
+              <a:rPr lang="en-US" sz="1000" dirty="0" err="1" smtClean="0"/>
+              <a:t>làm</a:t>
+            </a:r>
+            <a:r>
+              <a:rPr lang="en-US" sz="1000" dirty="0" smtClean="0"/>
+              <a:t> </a:t>
+            </a:r>
+            <a:r>
+              <a:rPr lang="en-US" sz="1000" dirty="0" err="1" smtClean="0"/>
+              <a:t>việc</a:t>
+            </a:r>
+            <a:r>
+              <a:rPr lang="en-US" sz="1000" dirty="0" smtClean="0"/>
+              <a:t>:</a:t>
+            </a:r>
+          </a:p>
+          <a:p>
+            <a:pPr algn="just">
+              <a:lnSpc>
+                <a:spcPct val="150000"/>
+              </a:lnSpc>
+            </a:pPr>
+            <a:r>
+              <a:rPr lang="en-US" sz="1000" dirty="0"/>
+              <a:t> </a:t>
+            </a:r>
+            <a:r>
+              <a:rPr lang="en-US" sz="1000" dirty="0" smtClean="0"/>
+              <a:t>      +  </a:t>
+            </a:r>
+            <a:r>
+              <a:rPr lang="en-US" sz="1000" dirty="0" err="1" smtClean="0"/>
+              <a:t>Quản</a:t>
+            </a:r>
+            <a:r>
+              <a:rPr lang="en-US" sz="1000" dirty="0" smtClean="0"/>
+              <a:t> </a:t>
+            </a:r>
+            <a:r>
+              <a:rPr lang="en-US" sz="1000" dirty="0" err="1" smtClean="0"/>
+              <a:t>lý</a:t>
+            </a:r>
+            <a:r>
+              <a:rPr lang="en-US" sz="1000" dirty="0" smtClean="0"/>
+              <a:t> </a:t>
+            </a:r>
+            <a:r>
+              <a:rPr lang="en-US" sz="1000" dirty="0" err="1" smtClean="0"/>
+              <a:t>dự</a:t>
+            </a:r>
+            <a:r>
+              <a:rPr lang="en-US" sz="1000" dirty="0" smtClean="0"/>
+              <a:t> </a:t>
+            </a:r>
+            <a:r>
+              <a:rPr lang="en-US" sz="1000" dirty="0" err="1" smtClean="0"/>
+              <a:t>án</a:t>
+            </a:r>
+            <a:r>
+              <a:rPr lang="en-US" sz="1000" dirty="0" smtClean="0"/>
+              <a:t> </a:t>
+            </a:r>
+            <a:r>
+              <a:rPr lang="en-US" sz="1000" dirty="0" err="1" smtClean="0"/>
+              <a:t>với</a:t>
+            </a:r>
+            <a:r>
+              <a:rPr lang="en-US" sz="1000" dirty="0" smtClean="0"/>
+              <a:t> </a:t>
+            </a:r>
+            <a:r>
+              <a:rPr lang="en-US" sz="1000" dirty="0" err="1" smtClean="0"/>
+              <a:t>Clickup</a:t>
+            </a:r>
+            <a:r>
+              <a:rPr lang="en-US" sz="1000" dirty="0" smtClean="0"/>
+              <a:t>.</a:t>
+            </a:r>
+            <a:r>
+              <a:rPr lang="en-US" sz="1000" dirty="0"/>
+              <a:t> </a:t>
+            </a:r>
+            <a:r>
+              <a:rPr lang="en-US" sz="1000" dirty="0" err="1"/>
+              <a:t>Phân</a:t>
+            </a:r>
+            <a:r>
+              <a:rPr lang="en-US" sz="1000" dirty="0"/>
+              <a:t> </a:t>
+            </a:r>
+            <a:r>
+              <a:rPr lang="en-US" sz="1000" dirty="0" err="1"/>
+              <a:t>tích</a:t>
+            </a:r>
+            <a:r>
+              <a:rPr lang="en-US" sz="1000" dirty="0"/>
+              <a:t> </a:t>
+            </a:r>
+            <a:r>
+              <a:rPr lang="en-US" sz="1000" dirty="0" err="1"/>
+              <a:t>luồng</a:t>
+            </a:r>
+            <a:r>
+              <a:rPr lang="en-US" sz="1000" dirty="0"/>
+              <a:t> </a:t>
+            </a:r>
+            <a:r>
+              <a:rPr lang="en-US" sz="1000" dirty="0" err="1"/>
+              <a:t>và</a:t>
+            </a:r>
+            <a:r>
+              <a:rPr lang="en-US" sz="1000" dirty="0"/>
+              <a:t> </a:t>
+            </a:r>
+            <a:r>
+              <a:rPr lang="en-US" sz="1000" dirty="0" err="1"/>
+              <a:t>cấu</a:t>
+            </a:r>
+            <a:r>
+              <a:rPr lang="en-US" sz="1000" dirty="0"/>
+              <a:t> </a:t>
+            </a:r>
+            <a:r>
+              <a:rPr lang="en-US" sz="1000" dirty="0" err="1"/>
+              <a:t>trúc</a:t>
+            </a:r>
+            <a:r>
+              <a:rPr lang="en-US" sz="1000" dirty="0"/>
+              <a:t> </a:t>
+            </a:r>
+            <a:r>
+              <a:rPr lang="en-US" sz="1000" dirty="0" err="1"/>
+              <a:t>dự</a:t>
+            </a:r>
+            <a:r>
+              <a:rPr lang="en-US" sz="1000" dirty="0"/>
+              <a:t> </a:t>
+            </a:r>
+            <a:r>
+              <a:rPr lang="en-US" sz="1000" dirty="0" err="1"/>
+              <a:t>án</a:t>
+            </a:r>
+            <a:r>
+              <a:rPr lang="en-US" sz="1000" dirty="0" smtClean="0"/>
+              <a:t>.</a:t>
+            </a:r>
+          </a:p>
+          <a:p>
+            <a:pPr algn="just">
+              <a:lnSpc>
+                <a:spcPct val="150000"/>
+              </a:lnSpc>
+            </a:pPr>
+            <a:r>
+              <a:rPr lang="en-US" sz="1000" dirty="0"/>
+              <a:t> </a:t>
+            </a:r>
+            <a:r>
+              <a:rPr lang="en-US" sz="1000" dirty="0" smtClean="0"/>
+              <a:t>      +  Sub lead </a:t>
+            </a:r>
+            <a:r>
+              <a:rPr lang="en-US" sz="1000" dirty="0" err="1" smtClean="0"/>
+              <a:t>quản</a:t>
+            </a:r>
+            <a:r>
+              <a:rPr lang="en-US" sz="1000" dirty="0" smtClean="0"/>
+              <a:t> </a:t>
+            </a:r>
+            <a:r>
+              <a:rPr lang="en-US" sz="1000" dirty="0" err="1" smtClean="0"/>
+              <a:t>lý</a:t>
+            </a:r>
+            <a:r>
+              <a:rPr lang="en-US" sz="1000" dirty="0" smtClean="0"/>
+              <a:t> </a:t>
+            </a:r>
+            <a:r>
+              <a:rPr lang="en-US" sz="1000" dirty="0" err="1" smtClean="0"/>
+              <a:t>đội</a:t>
+            </a:r>
+            <a:r>
+              <a:rPr lang="en-US" sz="1000" dirty="0" smtClean="0"/>
+              <a:t> </a:t>
+            </a:r>
+            <a:r>
+              <a:rPr lang="en-US" sz="1000" dirty="0" err="1" smtClean="0"/>
+              <a:t>nhóm</a:t>
+            </a:r>
+            <a:r>
+              <a:rPr lang="en-US" sz="1000" dirty="0" smtClean="0"/>
+              <a:t>, </a:t>
+            </a:r>
+            <a:r>
+              <a:rPr lang="en-US" sz="1000" dirty="0" err="1" smtClean="0"/>
+              <a:t>phân</a:t>
+            </a:r>
+            <a:r>
+              <a:rPr lang="en-US" sz="1000" dirty="0" smtClean="0"/>
+              <a:t> chia </a:t>
+            </a:r>
+            <a:r>
+              <a:rPr lang="en-US" sz="1000" dirty="0" err="1" smtClean="0"/>
+              <a:t>công</a:t>
+            </a:r>
+            <a:r>
+              <a:rPr lang="en-US" sz="1000" dirty="0" smtClean="0"/>
+              <a:t> </a:t>
+            </a:r>
+            <a:r>
+              <a:rPr lang="en-US" sz="1000" dirty="0" err="1" smtClean="0"/>
+              <a:t>việc</a:t>
+            </a:r>
+            <a:r>
+              <a:rPr lang="en-US" sz="1000" dirty="0" smtClean="0"/>
+              <a:t>.</a:t>
+            </a:r>
+          </a:p>
+          <a:p>
+            <a:pPr algn="just">
+              <a:lnSpc>
+                <a:spcPct val="150000"/>
+              </a:lnSpc>
+            </a:pPr>
+            <a:r>
+              <a:rPr lang="en-US" sz="1000" dirty="0" err="1" smtClean="0"/>
+              <a:t>Khóa</a:t>
+            </a:r>
+            <a:r>
+              <a:rPr lang="en-US" sz="1000" dirty="0" smtClean="0"/>
+              <a:t> </a:t>
+            </a:r>
+            <a:r>
+              <a:rPr lang="en-US" sz="1000" dirty="0" err="1" smtClean="0"/>
+              <a:t>tìm</a:t>
+            </a:r>
+            <a:r>
+              <a:rPr lang="en-US" sz="1000" dirty="0" smtClean="0"/>
+              <a:t> </a:t>
+            </a:r>
+            <a:r>
+              <a:rPr lang="en-US" sz="1000" dirty="0" err="1" smtClean="0"/>
+              <a:t>kiếm</a:t>
+            </a:r>
+            <a:r>
+              <a:rPr lang="en-US" sz="1000" dirty="0" smtClean="0"/>
+              <a:t> </a:t>
+            </a:r>
+            <a:r>
+              <a:rPr lang="en-US" sz="1000" dirty="0" err="1" smtClean="0"/>
+              <a:t>trên</a:t>
+            </a:r>
+            <a:r>
+              <a:rPr lang="en-US" sz="1000" dirty="0" smtClean="0"/>
+              <a:t> </a:t>
+            </a:r>
+            <a:r>
+              <a:rPr lang="en-US" sz="1000" dirty="0" err="1" smtClean="0"/>
+              <a:t>GooglePlay</a:t>
+            </a:r>
+            <a:r>
+              <a:rPr lang="en-US" sz="1000" dirty="0" smtClean="0"/>
               <a:t>: </a:t>
             </a:r>
             <a:r>
-              <a:rPr lang="en-US" sz="1100" dirty="0" smtClean="0"/>
-              <a:t>Video To Photo</a:t>
-            </a:r>
-          </a:p>
-          <a:p>
-            <a:pPr marL="171450" indent="-171450" algn="just">
-              <a:buFont typeface="Arial" panose="020B0604020202020204" pitchFamily="34" charset="0"/>
-              <a:buChar char="•"/>
-            </a:pPr>
-            <a:r>
-              <a:rPr lang="en-US" sz="1100" b="1" dirty="0" err="1" smtClean="0"/>
-              <a:t>Vị</a:t>
-            </a:r>
-            <a:r>
-              <a:rPr lang="en-US" sz="1100" b="1" dirty="0" smtClean="0"/>
-              <a:t> </a:t>
-            </a:r>
-            <a:r>
-              <a:rPr lang="en-US" sz="1100" b="1" dirty="0" err="1" smtClean="0"/>
-              <a:t>trí</a:t>
-            </a:r>
-            <a:r>
-              <a:rPr lang="en-US" sz="1100" b="1" dirty="0" smtClean="0"/>
-              <a:t> </a:t>
-            </a:r>
-            <a:r>
-              <a:rPr lang="en-US" sz="1100" b="1" dirty="0" err="1" smtClean="0"/>
-              <a:t>công</a:t>
-            </a:r>
-            <a:r>
-              <a:rPr lang="en-US" sz="1100" b="1" dirty="0" smtClean="0"/>
-              <a:t> </a:t>
-            </a:r>
-            <a:r>
-              <a:rPr lang="en-US" sz="1100" b="1" dirty="0" err="1" smtClean="0"/>
-              <a:t>việc</a:t>
-            </a:r>
-            <a:r>
-              <a:rPr lang="en-US" sz="1100" b="1" dirty="0" smtClean="0"/>
-              <a:t>: </a:t>
-            </a:r>
-            <a:r>
-              <a:rPr lang="en-US" sz="1100" dirty="0" err="1" smtClean="0"/>
-              <a:t>Lập</a:t>
-            </a:r>
-            <a:r>
-              <a:rPr lang="en-US" sz="1100" dirty="0" smtClean="0"/>
-              <a:t> </a:t>
-            </a:r>
-            <a:r>
-              <a:rPr lang="en-US" sz="1100" dirty="0" err="1" smtClean="0"/>
-              <a:t>trình</a:t>
-            </a:r>
-            <a:r>
-              <a:rPr lang="en-US" sz="1100" dirty="0" smtClean="0"/>
-              <a:t> </a:t>
-            </a:r>
-            <a:r>
-              <a:rPr lang="en-US" sz="1100" dirty="0" err="1" smtClean="0"/>
-              <a:t>viên</a:t>
-            </a:r>
-            <a:r>
-              <a:rPr lang="en-US" sz="1100" dirty="0" smtClean="0"/>
-              <a:t>.</a:t>
-            </a:r>
-          </a:p>
-          <a:p>
-            <a:pPr marL="171450" indent="-171450" algn="just">
-              <a:buFont typeface="Arial" panose="020B0604020202020204" pitchFamily="34" charset="0"/>
-              <a:buChar char="•"/>
-            </a:pPr>
-            <a:r>
-              <a:rPr lang="en-US" sz="1100" b="1" dirty="0" err="1" smtClean="0"/>
+              <a:rPr lang="en-US" sz="1000" i="1" dirty="0" smtClean="0"/>
+              <a:t>“pub: </a:t>
+            </a:r>
+            <a:r>
+              <a:rPr lang="en-US" sz="1000" i="1" dirty="0" err="1" smtClean="0"/>
               <a:t>Công</a:t>
             </a:r>
             <a:r>
-              <a:rPr lang="en-US" sz="1100" b="1" dirty="0" smtClean="0"/>
-              <a:t> </a:t>
-            </a:r>
-            <a:r>
-              <a:rPr lang="en-US" sz="1100" b="1" dirty="0" err="1" smtClean="0"/>
-              <a:t>cụ</a:t>
-            </a:r>
-            <a:r>
-              <a:rPr lang="en-US" sz="1100" b="1" dirty="0" smtClean="0"/>
-              <a:t> </a:t>
-            </a:r>
-            <a:r>
-              <a:rPr lang="en-US" sz="1100" b="1" dirty="0" err="1" smtClean="0"/>
-              <a:t>sử</a:t>
-            </a:r>
-            <a:r>
-              <a:rPr lang="en-US" sz="1100" b="1" dirty="0" smtClean="0"/>
-              <a:t> </a:t>
-            </a:r>
-            <a:r>
-              <a:rPr lang="en-US" sz="1100" b="1" dirty="0" err="1" smtClean="0"/>
-              <a:t>dụng</a:t>
-            </a:r>
-            <a:r>
-              <a:rPr lang="en-US" sz="1100" b="1" dirty="0" smtClean="0"/>
-              <a:t>: </a:t>
-            </a:r>
-            <a:r>
-              <a:rPr lang="en-US" sz="1100" dirty="0" smtClean="0"/>
-              <a:t>Android Studio.</a:t>
-            </a:r>
-          </a:p>
-          <a:p>
-            <a:pPr marL="171450" indent="-171450" algn="just">
-              <a:buFont typeface="Arial" panose="020B0604020202020204" pitchFamily="34" charset="0"/>
-              <a:buChar char="•"/>
-            </a:pPr>
-            <a:r>
-              <a:rPr lang="en-US" sz="1100" b="1" dirty="0" err="1" smtClean="0"/>
-              <a:t>Mô</a:t>
-            </a:r>
-            <a:r>
-              <a:rPr lang="en-US" sz="1100" b="1" dirty="0" smtClean="0"/>
-              <a:t> </a:t>
-            </a:r>
-            <a:r>
-              <a:rPr lang="en-US" sz="1100" b="1" dirty="0" err="1" smtClean="0"/>
-              <a:t>tả</a:t>
-            </a:r>
-            <a:r>
-              <a:rPr lang="en-US" sz="1100" b="1" dirty="0" smtClean="0"/>
-              <a:t>: </a:t>
-            </a:r>
-            <a:r>
-              <a:rPr lang="en-US" sz="1100" dirty="0" err="1" smtClean="0"/>
-              <a:t>Ứng</a:t>
-            </a:r>
-            <a:r>
-              <a:rPr lang="en-US" sz="1100" dirty="0" smtClean="0"/>
-              <a:t> </a:t>
-            </a:r>
-            <a:r>
-              <a:rPr lang="en-US" sz="1100" dirty="0" err="1" smtClean="0"/>
-              <a:t>dụng</a:t>
-            </a:r>
-            <a:r>
-              <a:rPr lang="en-US" sz="1100" dirty="0" smtClean="0"/>
-              <a:t> </a:t>
-            </a:r>
-            <a:r>
-              <a:rPr lang="en-US" sz="1100" dirty="0" err="1" smtClean="0"/>
-              <a:t>tự</a:t>
-            </a:r>
-            <a:r>
-              <a:rPr lang="en-US" sz="1100" dirty="0" smtClean="0"/>
-              <a:t> </a:t>
-            </a:r>
-            <a:r>
-              <a:rPr lang="en-US" sz="1100" dirty="0" err="1" smtClean="0"/>
-              <a:t>động</a:t>
-            </a:r>
-            <a:r>
-              <a:rPr lang="en-US" sz="1100" dirty="0" smtClean="0"/>
-              <a:t> </a:t>
-            </a:r>
-            <a:r>
-              <a:rPr lang="en-US" sz="1100" dirty="0" err="1" smtClean="0"/>
-              <a:t>chụp</a:t>
-            </a:r>
-            <a:r>
-              <a:rPr lang="en-US" sz="1100" dirty="0" smtClean="0"/>
-              <a:t> </a:t>
-            </a:r>
-            <a:r>
-              <a:rPr lang="en-US" sz="1100" dirty="0" err="1" smtClean="0"/>
-              <a:t>tức</a:t>
-            </a:r>
-            <a:r>
-              <a:rPr lang="en-US" sz="1100" dirty="0" smtClean="0"/>
-              <a:t> </a:t>
-            </a:r>
-            <a:r>
-              <a:rPr lang="en-US" sz="1100" dirty="0" err="1" smtClean="0"/>
-              <a:t>thì</a:t>
-            </a:r>
-            <a:r>
-              <a:rPr lang="en-US" sz="1100" dirty="0" smtClean="0"/>
-              <a:t> (</a:t>
-            </a:r>
-            <a:r>
-              <a:rPr lang="en-US" sz="1100" dirty="0" err="1" smtClean="0"/>
-              <a:t>Khoảng</a:t>
-            </a:r>
-            <a:r>
-              <a:rPr lang="en-US" sz="1100" dirty="0" smtClean="0"/>
-              <a:t> </a:t>
-            </a:r>
-            <a:r>
-              <a:rPr lang="en-US" sz="1100" dirty="0" err="1" smtClean="0"/>
-              <a:t>thời</a:t>
-            </a:r>
-            <a:r>
-              <a:rPr lang="en-US" sz="1100" dirty="0" smtClean="0"/>
-              <a:t> </a:t>
-            </a:r>
-            <a:r>
-              <a:rPr lang="en-US" sz="1100" dirty="0" err="1" smtClean="0"/>
-              <a:t>gian</a:t>
-            </a:r>
-            <a:r>
-              <a:rPr lang="en-US" sz="1100" dirty="0" smtClean="0"/>
-              <a:t>) </a:t>
-            </a:r>
-            <a:r>
-              <a:rPr lang="en-US" sz="1100" dirty="0" err="1" smtClean="0"/>
-              <a:t>ảnh</a:t>
-            </a:r>
-            <a:r>
-              <a:rPr lang="en-US" sz="1100" dirty="0" smtClean="0"/>
-              <a:t> </a:t>
-            </a:r>
-            <a:r>
-              <a:rPr lang="en-US" sz="1100" dirty="0" err="1" smtClean="0"/>
-              <a:t>của</a:t>
-            </a:r>
-            <a:r>
-              <a:rPr lang="en-US" sz="1100" dirty="0" smtClean="0"/>
-              <a:t> </a:t>
-            </a:r>
-            <a:r>
-              <a:rPr lang="en-US" sz="1100" dirty="0" err="1" smtClean="0"/>
-              <a:t>những</a:t>
-            </a:r>
-            <a:r>
-              <a:rPr lang="en-US" sz="1100" dirty="0" smtClean="0"/>
-              <a:t> </a:t>
-            </a:r>
-            <a:r>
-              <a:rPr lang="en-US" sz="1100" dirty="0" err="1" smtClean="0"/>
-              <a:t>khoảnh</a:t>
-            </a:r>
-            <a:r>
-              <a:rPr lang="en-US" sz="1100" dirty="0" smtClean="0"/>
-              <a:t> </a:t>
-            </a:r>
-            <a:r>
-              <a:rPr lang="en-US" sz="1100" dirty="0" err="1" smtClean="0"/>
-              <a:t>khắc</a:t>
-            </a:r>
-            <a:r>
-              <a:rPr lang="en-US" sz="1100" dirty="0" smtClean="0"/>
-              <a:t> </a:t>
-            </a:r>
-            <a:r>
-              <a:rPr lang="en-US" sz="1100" dirty="0" err="1" smtClean="0"/>
-              <a:t>cụ</a:t>
-            </a:r>
-            <a:r>
-              <a:rPr lang="en-US" sz="1100" dirty="0" smtClean="0"/>
-              <a:t> </a:t>
-            </a:r>
-            <a:r>
-              <a:rPr lang="en-US" sz="1100" dirty="0" err="1" smtClean="0"/>
-              <a:t>thể</a:t>
-            </a:r>
-            <a:r>
-              <a:rPr lang="en-US" sz="1100" dirty="0" smtClean="0"/>
-              <a:t> </a:t>
-            </a:r>
-            <a:r>
-              <a:rPr lang="en-US" sz="1100" dirty="0" err="1" smtClean="0"/>
-              <a:t>trong</a:t>
-            </a:r>
-            <a:r>
-              <a:rPr lang="en-US" sz="1100" dirty="0" smtClean="0"/>
-              <a:t> </a:t>
-            </a:r>
-            <a:r>
-              <a:rPr lang="en-US" sz="1100" dirty="0" err="1" smtClean="0"/>
-              <a:t>khi</a:t>
-            </a:r>
-            <a:r>
-              <a:rPr lang="en-US" sz="1100" dirty="0" smtClean="0"/>
-              <a:t> video </a:t>
-            </a:r>
-            <a:r>
-              <a:rPr lang="en-US" sz="1100" dirty="0" err="1" smtClean="0"/>
-              <a:t>đang</a:t>
-            </a:r>
-            <a:r>
-              <a:rPr lang="en-US" sz="1100" dirty="0"/>
-              <a:t> </a:t>
-            </a:r>
-            <a:r>
-              <a:rPr lang="en-US" sz="1100" dirty="0" err="1" smtClean="0"/>
-              <a:t>phát</a:t>
-            </a:r>
-            <a:r>
-              <a:rPr lang="en-US" sz="1100" dirty="0" smtClean="0"/>
-              <a:t>. </a:t>
-            </a:r>
-            <a:r>
-              <a:rPr lang="en-US" sz="1100" dirty="0" err="1" smtClean="0"/>
-              <a:t>Lưu</a:t>
-            </a:r>
-            <a:r>
-              <a:rPr lang="en-US" sz="1100" dirty="0" smtClean="0"/>
-              <a:t> </a:t>
-            </a:r>
-            <a:r>
-              <a:rPr lang="en-US" sz="1100" dirty="0" err="1" smtClean="0"/>
-              <a:t>giữ</a:t>
-            </a:r>
-            <a:r>
-              <a:rPr lang="en-US" sz="1100" dirty="0" smtClean="0"/>
-              <a:t> </a:t>
-            </a:r>
-            <a:r>
-              <a:rPr lang="en-US" sz="1100" dirty="0" err="1" smtClean="0"/>
-              <a:t>và</a:t>
-            </a:r>
-            <a:r>
-              <a:rPr lang="en-US" sz="1100" dirty="0" smtClean="0"/>
-              <a:t> </a:t>
-            </a:r>
-            <a:r>
-              <a:rPr lang="en-US" sz="1100" dirty="0" err="1"/>
-              <a:t>s</a:t>
-            </a:r>
-            <a:r>
-              <a:rPr lang="en-US" sz="1100" dirty="0" err="1" smtClean="0"/>
-              <a:t>ắp</a:t>
-            </a:r>
-            <a:r>
-              <a:rPr lang="en-US" sz="1100" dirty="0" smtClean="0"/>
-              <a:t> </a:t>
-            </a:r>
-            <a:r>
-              <a:rPr lang="en-US" sz="1100" dirty="0" err="1" smtClean="0"/>
-              <a:t>xếp</a:t>
-            </a:r>
-            <a:r>
-              <a:rPr lang="en-US" sz="1100" dirty="0" smtClean="0"/>
-              <a:t> </a:t>
-            </a:r>
-            <a:r>
-              <a:rPr lang="en-US" sz="1100" dirty="0" err="1" smtClean="0"/>
-              <a:t>ảnh</a:t>
-            </a:r>
-            <a:r>
-              <a:rPr lang="en-US" sz="1100" dirty="0" smtClean="0"/>
-              <a:t> </a:t>
-            </a:r>
-            <a:r>
-              <a:rPr lang="en-US" sz="1100" dirty="0" err="1" smtClean="0"/>
-              <a:t>đã</a:t>
-            </a:r>
-            <a:r>
-              <a:rPr lang="en-US" sz="1100" dirty="0" smtClean="0"/>
-              <a:t> </a:t>
-            </a:r>
-            <a:r>
-              <a:rPr lang="en-US" sz="1100" dirty="0" err="1" smtClean="0"/>
-              <a:t>chuyển</a:t>
-            </a:r>
-            <a:r>
-              <a:rPr lang="en-US" sz="1100" dirty="0" smtClean="0"/>
-              <a:t> </a:t>
-            </a:r>
-            <a:r>
-              <a:rPr lang="en-US" sz="1100" dirty="0" err="1" smtClean="0"/>
-              <a:t>đổi</a:t>
-            </a:r>
-            <a:r>
-              <a:rPr lang="en-US" sz="1100" dirty="0" smtClean="0"/>
-              <a:t> </a:t>
-            </a:r>
-            <a:r>
-              <a:rPr lang="en-US" sz="1100" dirty="0" err="1" smtClean="0"/>
-              <a:t>vào</a:t>
-            </a:r>
-            <a:r>
-              <a:rPr lang="en-US" sz="1100" dirty="0" smtClean="0"/>
-              <a:t> </a:t>
-            </a:r>
-            <a:r>
-              <a:rPr lang="en-US" sz="1100" dirty="0" err="1" smtClean="0"/>
-              <a:t>bộ</a:t>
-            </a:r>
-            <a:r>
-              <a:rPr lang="en-US" sz="1100" dirty="0" smtClean="0"/>
-              <a:t> </a:t>
-            </a:r>
-            <a:r>
-              <a:rPr lang="en-US" sz="1100" dirty="0" err="1" smtClean="0"/>
-              <a:t>nhớ</a:t>
-            </a:r>
-            <a:r>
-              <a:rPr lang="en-US" sz="1100" dirty="0" smtClean="0"/>
-              <a:t>.</a:t>
-            </a:r>
-          </a:p>
-          <a:p>
-            <a:pPr marL="171450" indent="-171450" algn="just">
-              <a:buFont typeface="Arial" panose="020B0604020202020204" pitchFamily="34" charset="0"/>
-              <a:buChar char="•"/>
-            </a:pPr>
-            <a:r>
-              <a:rPr lang="en-US" sz="1100" b="1" dirty="0" err="1" smtClean="0"/>
-              <a:t>Kinh</a:t>
-            </a:r>
-            <a:r>
-              <a:rPr lang="en-US" sz="1100" b="1" dirty="0" smtClean="0"/>
-              <a:t> </a:t>
-            </a:r>
-            <a:r>
-              <a:rPr lang="en-US" sz="1100" b="1" dirty="0" err="1" smtClean="0"/>
-              <a:t>nghiệm</a:t>
-            </a:r>
-            <a:r>
-              <a:rPr lang="en-US" sz="1100" b="1" dirty="0" smtClean="0"/>
-              <a:t>: </a:t>
-            </a:r>
-            <a:r>
-              <a:rPr lang="en-US" sz="1100" dirty="0" err="1" smtClean="0"/>
-              <a:t>Nâng</a:t>
-            </a:r>
-            <a:r>
-              <a:rPr lang="en-US" sz="1100" dirty="0" smtClean="0"/>
-              <a:t> </a:t>
-            </a:r>
-            <a:r>
-              <a:rPr lang="en-US" sz="1100" dirty="0" err="1" smtClean="0"/>
-              <a:t>cao</a:t>
-            </a:r>
-            <a:r>
-              <a:rPr lang="en-US" sz="1100" dirty="0" smtClean="0"/>
-              <a:t> </a:t>
-            </a:r>
-            <a:r>
-              <a:rPr lang="en-US" sz="1100" dirty="0" err="1" smtClean="0"/>
-              <a:t>kỹ</a:t>
-            </a:r>
-            <a:r>
-              <a:rPr lang="en-US" sz="1100" dirty="0" smtClean="0"/>
-              <a:t> </a:t>
-            </a:r>
-            <a:r>
-              <a:rPr lang="en-US" sz="1100" dirty="0" err="1" smtClean="0"/>
-              <a:t>năng</a:t>
-            </a:r>
-            <a:r>
-              <a:rPr lang="en-US" sz="1100" dirty="0" smtClean="0"/>
-              <a:t> </a:t>
-            </a:r>
-            <a:r>
-              <a:rPr lang="en-US" sz="1100" dirty="0" err="1" smtClean="0"/>
-              <a:t>sửa</a:t>
-            </a:r>
-            <a:r>
-              <a:rPr lang="en-US" sz="1100" dirty="0" smtClean="0"/>
-              <a:t> </a:t>
-            </a:r>
-            <a:r>
-              <a:rPr lang="en-US" sz="1100" dirty="0" err="1" smtClean="0"/>
-              <a:t>lỗi</a:t>
-            </a:r>
-            <a:r>
-              <a:rPr lang="en-US" sz="1100" dirty="0" smtClean="0"/>
-              <a:t>, </a:t>
-            </a:r>
-            <a:r>
-              <a:rPr lang="en-US" sz="1100" dirty="0" err="1" smtClean="0"/>
-              <a:t>biết</a:t>
-            </a:r>
-            <a:r>
-              <a:rPr lang="en-US" sz="1100" dirty="0" smtClean="0"/>
-              <a:t> </a:t>
-            </a:r>
-            <a:r>
-              <a:rPr lang="en-US" sz="1100" dirty="0" err="1" smtClean="0"/>
-              <a:t>cách</a:t>
-            </a:r>
-            <a:r>
-              <a:rPr lang="en-US" sz="1100" dirty="0" smtClean="0"/>
-              <a:t> </a:t>
-            </a:r>
-            <a:r>
-              <a:rPr lang="en-US" sz="1100" dirty="0" err="1" smtClean="0"/>
-              <a:t>sắp</a:t>
-            </a:r>
-            <a:r>
-              <a:rPr lang="en-US" sz="1100" dirty="0" smtClean="0"/>
-              <a:t> </a:t>
-            </a:r>
-            <a:r>
-              <a:rPr lang="en-US" sz="1100" dirty="0" err="1" smtClean="0"/>
-              <a:t>xếp</a:t>
-            </a:r>
-            <a:r>
-              <a:rPr lang="en-US" sz="1100" dirty="0" smtClean="0"/>
-              <a:t> code </a:t>
-            </a:r>
-            <a:r>
-              <a:rPr lang="en-US" sz="1100" dirty="0" err="1" smtClean="0"/>
-              <a:t>gọn</a:t>
-            </a:r>
-            <a:r>
-              <a:rPr lang="en-US" sz="1100" dirty="0" smtClean="0"/>
-              <a:t> </a:t>
-            </a:r>
-            <a:r>
-              <a:rPr lang="en-US" sz="1100" dirty="0" err="1" smtClean="0"/>
-              <a:t>gàng</a:t>
-            </a:r>
-            <a:r>
-              <a:rPr lang="en-US" sz="1100" dirty="0" smtClean="0"/>
-              <a:t> </a:t>
-            </a:r>
-            <a:r>
-              <a:rPr lang="en-US" sz="1100" dirty="0" err="1" smtClean="0"/>
-              <a:t>hợp</a:t>
-            </a:r>
-            <a:r>
-              <a:rPr lang="en-US" sz="1100" dirty="0" smtClean="0"/>
-              <a:t> </a:t>
-            </a:r>
-            <a:r>
-              <a:rPr lang="en-US" sz="1100" dirty="0" err="1" smtClean="0"/>
-              <a:t>lý</a:t>
-            </a:r>
-            <a:r>
-              <a:rPr lang="en-US" sz="1100" dirty="0" smtClean="0"/>
-              <a:t>, </a:t>
-            </a:r>
-            <a:r>
-              <a:rPr lang="en-US" sz="1100" dirty="0" err="1" smtClean="0"/>
-              <a:t>làm</a:t>
-            </a:r>
-            <a:r>
-              <a:rPr lang="en-US" sz="1100" dirty="0" smtClean="0"/>
-              <a:t> </a:t>
-            </a:r>
-            <a:r>
-              <a:rPr lang="en-US" sz="1100" dirty="0" err="1" smtClean="0"/>
-              <a:t>quen</a:t>
-            </a:r>
-            <a:r>
-              <a:rPr lang="en-US" sz="1100" dirty="0" smtClean="0"/>
-              <a:t> </a:t>
-            </a:r>
-            <a:r>
-              <a:rPr lang="en-US" sz="1100" dirty="0" err="1" smtClean="0"/>
-              <a:t>với</a:t>
-            </a:r>
-            <a:r>
-              <a:rPr lang="en-US" sz="1100" dirty="0" smtClean="0"/>
-              <a:t> </a:t>
-            </a:r>
-            <a:r>
-              <a:rPr lang="en-US" sz="1100" dirty="0" err="1" smtClean="0"/>
-              <a:t>một</a:t>
-            </a:r>
-            <a:r>
-              <a:rPr lang="en-US" sz="1100" dirty="0" smtClean="0"/>
-              <a:t> </a:t>
-            </a:r>
-            <a:r>
-              <a:rPr lang="en-US" sz="1100" dirty="0" err="1" smtClean="0"/>
+              <a:rPr lang="en-US" sz="1000" i="1" dirty="0" smtClean="0"/>
+              <a:t> </a:t>
+            </a:r>
+            <a:r>
+              <a:rPr lang="en-US" sz="1000" i="1" dirty="0" err="1" smtClean="0"/>
+              <a:t>ty</a:t>
+            </a:r>
+            <a:r>
+              <a:rPr lang="en-US" sz="1000" i="1" dirty="0" smtClean="0"/>
+              <a:t> </a:t>
+            </a:r>
+            <a:r>
+              <a:rPr lang="en-US" sz="1000" i="1" dirty="0" err="1" smtClean="0"/>
+              <a:t>Cổ</a:t>
+            </a:r>
+            <a:r>
+              <a:rPr lang="en-US" sz="1000" i="1" dirty="0" smtClean="0"/>
+              <a:t> </a:t>
+            </a:r>
+            <a:r>
+              <a:rPr lang="en-US" sz="1000" i="1" dirty="0" err="1" smtClean="0"/>
+              <a:t>phần</a:t>
+            </a:r>
+            <a:r>
+              <a:rPr lang="en-US" sz="1000" i="1" dirty="0" smtClean="0"/>
+              <a:t> </a:t>
+            </a:r>
+            <a:r>
+              <a:rPr lang="en-US" sz="1000" i="1" dirty="0" err="1" smtClean="0"/>
+              <a:t>Smiletech</a:t>
+            </a:r>
+            <a:r>
+              <a:rPr lang="en-US" sz="1000" i="1" dirty="0" smtClean="0"/>
+              <a:t> </a:t>
+            </a:r>
+            <a:r>
+              <a:rPr lang="en-US" sz="1000" i="1" dirty="0" err="1" smtClean="0"/>
+              <a:t>Công</a:t>
+            </a:r>
+            <a:r>
+              <a:rPr lang="en-US" sz="1000" i="1" dirty="0" smtClean="0"/>
+              <a:t> </a:t>
+            </a:r>
+            <a:r>
+              <a:rPr lang="en-US" sz="1000" i="1" dirty="0" err="1" smtClean="0"/>
+              <a:t>nghệ</a:t>
+            </a:r>
+            <a:r>
+              <a:rPr lang="en-US" sz="1000" i="1" dirty="0" smtClean="0"/>
+              <a:t> </a:t>
+            </a:r>
+            <a:r>
+              <a:rPr lang="en-US" sz="1000" i="1" dirty="0" err="1" smtClean="0"/>
               <a:t>số</a:t>
             </a:r>
             <a:r>
-              <a:rPr lang="en-US" sz="1100" dirty="0" smtClean="0"/>
-              <a:t> </a:t>
-            </a:r>
-            <a:r>
-              <a:rPr lang="en-US" sz="1100" dirty="0" err="1" smtClean="0"/>
-              <a:t>thư</a:t>
-            </a:r>
-            <a:r>
-              <a:rPr lang="en-US" sz="1100" dirty="0" smtClean="0"/>
-              <a:t> </a:t>
-            </a:r>
-            <a:r>
-              <a:rPr lang="en-US" sz="1100" dirty="0" err="1" smtClean="0"/>
-              <a:t>viện</a:t>
-            </a:r>
-            <a:r>
-              <a:rPr lang="en-US" sz="1100" dirty="0" smtClean="0"/>
-              <a:t> </a:t>
-            </a:r>
-            <a:r>
-              <a:rPr lang="en-US" sz="1100" dirty="0" err="1" smtClean="0"/>
-              <a:t>cắt</a:t>
-            </a:r>
-            <a:r>
-              <a:rPr lang="en-US" sz="1100" dirty="0" smtClean="0"/>
-              <a:t> </a:t>
-            </a:r>
-            <a:r>
-              <a:rPr lang="en-US" sz="1100" dirty="0" err="1" smtClean="0"/>
-              <a:t>ghép</a:t>
-            </a:r>
-            <a:r>
-              <a:rPr lang="en-US" sz="1100" dirty="0" smtClean="0"/>
-              <a:t> video </a:t>
-            </a:r>
-            <a:r>
-              <a:rPr lang="en-US" sz="1100" dirty="0" err="1" smtClean="0"/>
-              <a:t>và</a:t>
-            </a:r>
-            <a:r>
-              <a:rPr lang="en-US" sz="1100" dirty="0" smtClean="0"/>
-              <a:t> </a:t>
-            </a:r>
-            <a:r>
-              <a:rPr lang="en-US" sz="1100" dirty="0" err="1" smtClean="0"/>
-              <a:t>chỉnh</a:t>
-            </a:r>
-            <a:r>
-              <a:rPr lang="en-US" sz="1100" dirty="0" smtClean="0"/>
-              <a:t> </a:t>
-            </a:r>
-            <a:r>
-              <a:rPr lang="en-US" sz="1100" dirty="0" err="1" smtClean="0"/>
-              <a:t>sửa</a:t>
-            </a:r>
-            <a:r>
-              <a:rPr lang="en-US" sz="1100" dirty="0" smtClean="0"/>
-              <a:t> </a:t>
-            </a:r>
-            <a:r>
-              <a:rPr lang="en-US" sz="1100" dirty="0" err="1" smtClean="0"/>
-              <a:t>ảnh</a:t>
-            </a:r>
-            <a:r>
-              <a:rPr lang="en-US" sz="1100" dirty="0" smtClean="0"/>
-              <a:t> </a:t>
-            </a:r>
-            <a:r>
-              <a:rPr lang="en-US" sz="1100" dirty="0" err="1" smtClean="0"/>
-              <a:t>như</a:t>
-            </a:r>
-            <a:r>
-              <a:rPr lang="en-US" sz="1100" dirty="0" smtClean="0"/>
-              <a:t> library </a:t>
-            </a:r>
-            <a:r>
-              <a:rPr lang="en-US" sz="1100" dirty="0" err="1"/>
-              <a:t>f</a:t>
-            </a:r>
-            <a:r>
-              <a:rPr lang="en-US" sz="1100" dirty="0" err="1" smtClean="0"/>
-              <a:t>fmpeg</a:t>
-            </a:r>
-            <a:r>
-              <a:rPr lang="en-US" sz="1100" dirty="0" smtClean="0"/>
-              <a:t> Android, Media Metadata </a:t>
-            </a:r>
-            <a:r>
-              <a:rPr lang="en-US" sz="1100" dirty="0" err="1" smtClean="0"/>
-              <a:t>Retricver</a:t>
-            </a:r>
-            <a:r>
-              <a:rPr lang="en-US" sz="1100" dirty="0" smtClean="0"/>
-              <a:t>.</a:t>
-            </a:r>
-            <a:endParaRPr lang="en-US" sz="1100" i="1" dirty="0"/>
-          </a:p>
-          <a:p>
-            <a:pPr marL="171450" indent="-171450" algn="just">
-              <a:buFont typeface="Arial" panose="020B0604020202020204" pitchFamily="34" charset="0"/>
-              <a:buChar char="•"/>
-            </a:pPr>
-            <a:r>
-              <a:rPr lang="en-US" sz="1100" b="1" dirty="0" smtClean="0"/>
-              <a:t>Link demo: </a:t>
-            </a:r>
-            <a:r>
-              <a:rPr lang="en-US" sz="1100" i="1" dirty="0"/>
-              <a:t>https://bom.to/UFX5BQRHnPmQy</a:t>
-            </a:r>
-            <a:endParaRPr lang="en-US" sz="1100" dirty="0" smtClean="0"/>
+              <a:rPr lang="en-US" sz="1000" i="1" dirty="0" smtClean="0"/>
+              <a:t>”</a:t>
+            </a:r>
           </a:p>
         </p:txBody>
       </p:sp>
@@ -7158,7 +6999,7 @@
         </p:nvSpPr>
         <p:spPr>
           <a:xfrm>
-            <a:off x="5794763" y="3433718"/>
+            <a:off x="5794763" y="4648200"/>
             <a:ext cx="1133473" cy="300082"/>
           </a:xfrm>
           <a:prstGeom prst="rect">
@@ -7183,1207 +7024,29 @@
                   <a:srgbClr val="00B0F0"/>
                 </a:solidFill>
               </a:rPr>
-              <a:t>01/2021 – 03/2021</a:t>
+              <a:t>06/2021 </a:t>
+            </a:r>
+            <a:r>
+              <a:rPr lang="en-US" sz="900" dirty="0" smtClean="0">
+                <a:solidFill>
+                  <a:srgbClr val="00B0F0"/>
+                </a:solidFill>
+              </a:rPr>
+              <a:t>– </a:t>
+            </a:r>
+            <a:r>
+              <a:rPr lang="en-US" sz="900" dirty="0" smtClean="0">
+                <a:solidFill>
+                  <a:srgbClr val="00B0F0"/>
+                </a:solidFill>
+              </a:rPr>
+              <a:t>02/2023</a:t>
             </a:r>
             <a:endParaRPr lang="en-US" sz="900" dirty="0">
               <a:solidFill>
                 <a:srgbClr val="00B0F0"/>
               </a:solidFill>
             </a:endParaRPr>
-          </a:p>
-        </p:txBody>
-      </p:sp>
-      <p:sp>
-        <p:nvSpPr>
-          <p:cNvPr id="81" name="TextBox 80"/>
-          <p:cNvSpPr txBox="1"/>
-          <p:nvPr/>
-        </p:nvSpPr>
-        <p:spPr>
-          <a:xfrm>
-            <a:off x="2834889" y="5943600"/>
-            <a:ext cx="3939291" cy="2162130"/>
-          </a:xfrm>
-          <a:prstGeom prst="rect">
-            <a:avLst/>
-          </a:prstGeom>
-          <a:noFill/>
-        </p:spPr>
-        <p:txBody>
-          <a:bodyPr wrap="square" rtlCol="0">
-            <a:spAutoFit/>
-          </a:bodyPr>
-          <a:lstStyle/>
-          <a:p>
-            <a:pPr algn="just"/>
-            <a:r>
-              <a:rPr lang="en-US" sz="1100" b="1" dirty="0" smtClean="0"/>
-              <a:t>DỰ ÁN TẠI TRƯỜNG</a:t>
-            </a:r>
-          </a:p>
-          <a:p>
-            <a:pPr algn="just"/>
-            <a:r>
-              <a:rPr lang="en-US" sz="1100" i="1" dirty="0" err="1" smtClean="0"/>
-              <a:t>Dự</a:t>
-            </a:r>
-            <a:r>
-              <a:rPr lang="en-US" sz="1100" i="1" dirty="0" smtClean="0"/>
-              <a:t> </a:t>
-            </a:r>
-            <a:r>
-              <a:rPr lang="en-US" sz="1100" i="1" dirty="0" err="1" smtClean="0"/>
-              <a:t>án</a:t>
-            </a:r>
-            <a:r>
-              <a:rPr lang="en-US" sz="1100" i="1" dirty="0" smtClean="0"/>
-              <a:t> React Native</a:t>
-            </a:r>
-          </a:p>
-          <a:p>
-            <a:pPr marL="171450" indent="-171450" algn="just">
-              <a:spcBef>
-                <a:spcPts val="300"/>
-              </a:spcBef>
-              <a:buFont typeface="Arial" panose="020B0604020202020204" pitchFamily="34" charset="0"/>
-              <a:buChar char="•"/>
-            </a:pPr>
-            <a:r>
-              <a:rPr lang="en-US" sz="1100" b="1" dirty="0" err="1" smtClean="0"/>
-              <a:t>Xây</a:t>
-            </a:r>
-            <a:r>
-              <a:rPr lang="en-US" sz="1100" b="1" dirty="0" smtClean="0"/>
-              <a:t> </a:t>
-            </a:r>
-            <a:r>
-              <a:rPr lang="en-US" sz="1100" b="1" dirty="0" err="1" smtClean="0"/>
-              <a:t>dựng</a:t>
-            </a:r>
-            <a:r>
-              <a:rPr lang="en-US" sz="1100" b="1" dirty="0" smtClean="0"/>
-              <a:t> </a:t>
-            </a:r>
-            <a:r>
-              <a:rPr lang="en-US" sz="1100" b="1" dirty="0" err="1" smtClean="0"/>
-              <a:t>ứng</a:t>
-            </a:r>
-            <a:r>
-              <a:rPr lang="en-US" sz="1100" b="1" dirty="0" smtClean="0"/>
-              <a:t> </a:t>
-            </a:r>
-            <a:r>
-              <a:rPr lang="en-US" sz="1100" b="1" dirty="0" err="1" smtClean="0"/>
-              <a:t>dụng</a:t>
-            </a:r>
-            <a:r>
-              <a:rPr lang="en-US" sz="1100" b="1" dirty="0" smtClean="0"/>
-              <a:t>: </a:t>
-            </a:r>
-            <a:r>
-              <a:rPr lang="en-US" sz="1100" dirty="0" err="1" smtClean="0"/>
-              <a:t>Học</a:t>
-            </a:r>
-            <a:r>
-              <a:rPr lang="en-US" sz="1100" dirty="0" smtClean="0"/>
-              <a:t> Android</a:t>
-            </a:r>
-          </a:p>
-          <a:p>
-            <a:pPr marL="171450" indent="-171450" algn="just">
-              <a:buFont typeface="Arial" panose="020B0604020202020204" pitchFamily="34" charset="0"/>
-              <a:buChar char="•"/>
-            </a:pPr>
-            <a:r>
-              <a:rPr lang="en-US" sz="1100" b="1" dirty="0" err="1" smtClean="0"/>
-              <a:t>Vị</a:t>
-            </a:r>
-            <a:r>
-              <a:rPr lang="en-US" sz="1100" b="1" dirty="0" smtClean="0"/>
-              <a:t> </a:t>
-            </a:r>
-            <a:r>
-              <a:rPr lang="en-US" sz="1100" b="1" dirty="0" err="1" smtClean="0"/>
-              <a:t>trí</a:t>
-            </a:r>
-            <a:r>
-              <a:rPr lang="en-US" sz="1100" b="1" dirty="0" smtClean="0"/>
-              <a:t> </a:t>
-            </a:r>
-            <a:r>
-              <a:rPr lang="en-US" sz="1100" b="1" dirty="0" err="1" smtClean="0"/>
-              <a:t>công</a:t>
-            </a:r>
-            <a:r>
-              <a:rPr lang="en-US" sz="1100" b="1" dirty="0" smtClean="0"/>
-              <a:t> </a:t>
-            </a:r>
-            <a:r>
-              <a:rPr lang="en-US" sz="1100" b="1" dirty="0" err="1" smtClean="0"/>
-              <a:t>việc</a:t>
-            </a:r>
-            <a:r>
-              <a:rPr lang="en-US" sz="1100" b="1" dirty="0" smtClean="0"/>
-              <a:t>: </a:t>
-            </a:r>
-            <a:r>
-              <a:rPr lang="en-US" sz="1100" dirty="0" err="1" smtClean="0"/>
-              <a:t>Lập</a:t>
-            </a:r>
-            <a:r>
-              <a:rPr lang="en-US" sz="1100" dirty="0" smtClean="0"/>
-              <a:t> </a:t>
-            </a:r>
-            <a:r>
-              <a:rPr lang="en-US" sz="1100" dirty="0" err="1" smtClean="0"/>
-              <a:t>trình</a:t>
-            </a:r>
-            <a:r>
-              <a:rPr lang="en-US" sz="1100" dirty="0" smtClean="0"/>
-              <a:t> </a:t>
-            </a:r>
-            <a:r>
-              <a:rPr lang="en-US" sz="1100" dirty="0" err="1" smtClean="0"/>
-              <a:t>viên</a:t>
-            </a:r>
-            <a:r>
-              <a:rPr lang="en-US" sz="1100" dirty="0" smtClean="0"/>
-              <a:t>.</a:t>
-            </a:r>
-          </a:p>
-          <a:p>
-            <a:pPr marL="171450" indent="-171450" algn="just">
-              <a:buFont typeface="Arial" panose="020B0604020202020204" pitchFamily="34" charset="0"/>
-              <a:buChar char="•"/>
-            </a:pPr>
-            <a:r>
-              <a:rPr lang="en-US" sz="1100" b="1" dirty="0" err="1" smtClean="0"/>
-              <a:t>Công</a:t>
-            </a:r>
-            <a:r>
-              <a:rPr lang="en-US" sz="1100" b="1" dirty="0" smtClean="0"/>
-              <a:t> </a:t>
-            </a:r>
-            <a:r>
-              <a:rPr lang="en-US" sz="1100" b="1" dirty="0" err="1" smtClean="0"/>
-              <a:t>cụ</a:t>
-            </a:r>
-            <a:r>
-              <a:rPr lang="en-US" sz="1100" b="1" dirty="0" smtClean="0"/>
-              <a:t> </a:t>
-            </a:r>
-            <a:r>
-              <a:rPr lang="en-US" sz="1100" b="1" dirty="0" err="1" smtClean="0"/>
-              <a:t>sử</a:t>
-            </a:r>
-            <a:r>
-              <a:rPr lang="en-US" sz="1100" b="1" dirty="0" smtClean="0"/>
-              <a:t> </a:t>
-            </a:r>
-            <a:r>
-              <a:rPr lang="en-US" sz="1100" b="1" dirty="0" err="1" smtClean="0"/>
-              <a:t>dụng</a:t>
-            </a:r>
-            <a:r>
-              <a:rPr lang="en-US" sz="1100" b="1" dirty="0" smtClean="0"/>
-              <a:t>: </a:t>
-            </a:r>
-            <a:r>
-              <a:rPr lang="en-US" sz="1100" dirty="0"/>
-              <a:t>Visual Studio Code</a:t>
-            </a:r>
-            <a:r>
-              <a:rPr lang="en-US" sz="1100" dirty="0" smtClean="0"/>
-              <a:t>.</a:t>
-            </a:r>
-          </a:p>
-          <a:p>
-            <a:pPr marL="171450" indent="-171450" algn="just">
-              <a:buFont typeface="Arial" panose="020B0604020202020204" pitchFamily="34" charset="0"/>
-              <a:buChar char="•"/>
-            </a:pPr>
-            <a:r>
-              <a:rPr lang="en-US" sz="1100" b="1" dirty="0" err="1" smtClean="0"/>
-              <a:t>Mô</a:t>
-            </a:r>
-            <a:r>
-              <a:rPr lang="en-US" sz="1100" b="1" dirty="0" smtClean="0"/>
-              <a:t> </a:t>
-            </a:r>
-            <a:r>
-              <a:rPr lang="en-US" sz="1100" b="1" dirty="0" err="1" smtClean="0"/>
-              <a:t>tả</a:t>
-            </a:r>
-            <a:r>
-              <a:rPr lang="en-US" sz="1100" b="1" dirty="0" smtClean="0"/>
-              <a:t>: </a:t>
-            </a:r>
-            <a:r>
-              <a:rPr lang="en-US" sz="1100" dirty="0" err="1"/>
-              <a:t>Ứng</a:t>
-            </a:r>
-            <a:r>
-              <a:rPr lang="en-US" sz="1100" dirty="0"/>
-              <a:t> </a:t>
-            </a:r>
-            <a:r>
-              <a:rPr lang="en-US" sz="1100" dirty="0" err="1" smtClean="0"/>
-              <a:t>dụng</a:t>
-            </a:r>
-            <a:r>
-              <a:rPr lang="en-US" sz="1100" dirty="0" smtClean="0"/>
-              <a:t> </a:t>
-            </a:r>
-            <a:r>
-              <a:rPr lang="en-US" sz="1100" dirty="0" err="1" smtClean="0"/>
-              <a:t>là</a:t>
-            </a:r>
-            <a:r>
-              <a:rPr lang="en-US" sz="1100" dirty="0" smtClean="0"/>
-              <a:t> </a:t>
-            </a:r>
-            <a:r>
-              <a:rPr lang="en-US" sz="1100" dirty="0" err="1" smtClean="0"/>
-              <a:t>bản</a:t>
-            </a:r>
-            <a:r>
-              <a:rPr lang="en-US" sz="1100" dirty="0" smtClean="0"/>
-              <a:t> </a:t>
-            </a:r>
-            <a:r>
-              <a:rPr lang="en-US" sz="1100" dirty="0" err="1" smtClean="0"/>
-              <a:t>thu</a:t>
-            </a:r>
-            <a:r>
-              <a:rPr lang="en-US" sz="1100" dirty="0" smtClean="0"/>
-              <a:t> </a:t>
-            </a:r>
-            <a:r>
-              <a:rPr lang="en-US" sz="1100" dirty="0" err="1" smtClean="0"/>
-              <a:t>gọn</a:t>
-            </a:r>
-            <a:r>
-              <a:rPr lang="en-US" sz="1100" dirty="0" smtClean="0"/>
-              <a:t> </a:t>
-            </a:r>
-            <a:r>
-              <a:rPr lang="en-US" sz="1100" dirty="0" err="1" smtClean="0"/>
-              <a:t>tóm</a:t>
-            </a:r>
-            <a:r>
-              <a:rPr lang="en-US" sz="1100" dirty="0" smtClean="0"/>
-              <a:t> </a:t>
-            </a:r>
-            <a:r>
-              <a:rPr lang="en-US" sz="1100" dirty="0" err="1" smtClean="0"/>
-              <a:t>lược</a:t>
-            </a:r>
-            <a:r>
-              <a:rPr lang="en-US" sz="1100" dirty="0" smtClean="0"/>
-              <a:t> </a:t>
-            </a:r>
-            <a:r>
-              <a:rPr lang="en-US" sz="1100" dirty="0" err="1" smtClean="0"/>
-              <a:t>các</a:t>
-            </a:r>
-            <a:r>
-              <a:rPr lang="en-US" sz="1100" dirty="0" smtClean="0"/>
-              <a:t> </a:t>
-            </a:r>
-            <a:r>
-              <a:rPr lang="en-US" sz="1100" dirty="0" err="1" smtClean="0"/>
-              <a:t>bài</a:t>
-            </a:r>
-            <a:r>
-              <a:rPr lang="en-US" sz="1100" dirty="0" smtClean="0"/>
-              <a:t> </a:t>
-            </a:r>
-            <a:r>
-              <a:rPr lang="en-US" sz="1100" dirty="0" err="1" smtClean="0"/>
-              <a:t>học</a:t>
-            </a:r>
-            <a:r>
-              <a:rPr lang="en-US" sz="1100" dirty="0" smtClean="0"/>
-              <a:t> </a:t>
-            </a:r>
-            <a:r>
-              <a:rPr lang="en-US" sz="1100" dirty="0" err="1" smtClean="0"/>
-              <a:t>lập</a:t>
-            </a:r>
-            <a:r>
-              <a:rPr lang="en-US" sz="1100" dirty="0" smtClean="0"/>
-              <a:t> </a:t>
-            </a:r>
-            <a:r>
-              <a:rPr lang="en-US" sz="1100" dirty="0" err="1" smtClean="0"/>
-              <a:t>trình</a:t>
-            </a:r>
-            <a:r>
-              <a:rPr lang="en-US" sz="1100" dirty="0" smtClean="0"/>
-              <a:t> Android </a:t>
-            </a:r>
-            <a:r>
-              <a:rPr lang="en-US" sz="1100" dirty="0" err="1" smtClean="0"/>
-              <a:t>của</a:t>
-            </a:r>
-            <a:r>
-              <a:rPr lang="en-US" sz="1100" dirty="0"/>
-              <a:t> </a:t>
-            </a:r>
-            <a:r>
-              <a:rPr lang="en-US" sz="1100" dirty="0" smtClean="0"/>
-              <a:t>dotplays.com, </a:t>
-            </a:r>
-            <a:r>
-              <a:rPr lang="en-US" sz="1100" dirty="0" err="1" smtClean="0"/>
-              <a:t>cho</a:t>
-            </a:r>
-            <a:r>
-              <a:rPr lang="en-US" sz="1100" dirty="0" smtClean="0"/>
-              <a:t> </a:t>
-            </a:r>
-            <a:r>
-              <a:rPr lang="en-US" sz="1100" dirty="0" err="1" smtClean="0"/>
-              <a:t>phép</a:t>
-            </a:r>
-            <a:r>
-              <a:rPr lang="en-US" sz="1100" dirty="0" smtClean="0"/>
-              <a:t> </a:t>
-            </a:r>
-            <a:r>
-              <a:rPr lang="en-US" sz="1100" dirty="0" err="1" smtClean="0"/>
-              <a:t>người</a:t>
-            </a:r>
-            <a:r>
-              <a:rPr lang="en-US" sz="1100" dirty="0" smtClean="0"/>
-              <a:t> </a:t>
-            </a:r>
-            <a:r>
-              <a:rPr lang="en-US" sz="1100" dirty="0" err="1" smtClean="0"/>
-              <a:t>sử</a:t>
-            </a:r>
-            <a:r>
-              <a:rPr lang="en-US" sz="1100" dirty="0" smtClean="0"/>
-              <a:t> </a:t>
-            </a:r>
-            <a:r>
-              <a:rPr lang="en-US" sz="1100" dirty="0" err="1" smtClean="0"/>
-              <a:t>dụng</a:t>
-            </a:r>
-            <a:r>
-              <a:rPr lang="en-US" sz="1100" dirty="0" smtClean="0"/>
-              <a:t> </a:t>
-            </a:r>
-            <a:r>
-              <a:rPr lang="en-US" sz="1100" dirty="0" err="1" smtClean="0"/>
-              <a:t>để</a:t>
-            </a:r>
-            <a:r>
-              <a:rPr lang="en-US" sz="1100" dirty="0" smtClean="0"/>
-              <a:t> </a:t>
-            </a:r>
-            <a:r>
-              <a:rPr lang="en-US" sz="1100" dirty="0" err="1" smtClean="0"/>
-              <a:t>đọc</a:t>
-            </a:r>
-            <a:r>
-              <a:rPr lang="en-US" sz="1100" dirty="0" smtClean="0"/>
-              <a:t> </a:t>
-            </a:r>
-            <a:r>
-              <a:rPr lang="en-US" sz="1100" dirty="0" err="1" smtClean="0"/>
-              <a:t>các</a:t>
-            </a:r>
-            <a:r>
-              <a:rPr lang="en-US" sz="1100" dirty="0" smtClean="0"/>
-              <a:t> </a:t>
-            </a:r>
-            <a:r>
-              <a:rPr lang="en-US" sz="1100" dirty="0" err="1" smtClean="0"/>
-              <a:t>tài</a:t>
-            </a:r>
-            <a:r>
-              <a:rPr lang="en-US" sz="1100" dirty="0" smtClean="0"/>
-              <a:t> </a:t>
-            </a:r>
-            <a:r>
-              <a:rPr lang="en-US" sz="1100" dirty="0" err="1" smtClean="0"/>
-              <a:t>liệu</a:t>
-            </a:r>
-            <a:r>
-              <a:rPr lang="en-US" sz="1100" dirty="0" smtClean="0"/>
-              <a:t> </a:t>
-            </a:r>
-            <a:r>
-              <a:rPr lang="en-US" sz="1100" dirty="0" err="1" smtClean="0"/>
-              <a:t>liên</a:t>
-            </a:r>
-            <a:r>
-              <a:rPr lang="en-US" sz="1100" dirty="0" smtClean="0"/>
-              <a:t> </a:t>
-            </a:r>
-            <a:r>
-              <a:rPr lang="en-US" sz="1100" dirty="0" err="1" smtClean="0"/>
-              <a:t>quan</a:t>
-            </a:r>
-            <a:r>
-              <a:rPr lang="en-US" sz="1100" dirty="0" smtClean="0"/>
-              <a:t> </a:t>
-            </a:r>
-            <a:r>
-              <a:rPr lang="en-US" sz="1100" dirty="0" err="1" smtClean="0"/>
-              <a:t>đến</a:t>
-            </a:r>
-            <a:r>
-              <a:rPr lang="en-US" sz="1100" dirty="0" smtClean="0"/>
-              <a:t> </a:t>
-            </a:r>
-            <a:r>
-              <a:rPr lang="en-US" sz="1100" dirty="0" err="1" smtClean="0"/>
-              <a:t>môn</a:t>
-            </a:r>
-            <a:r>
-              <a:rPr lang="en-US" sz="1100" dirty="0" smtClean="0"/>
-              <a:t> </a:t>
-            </a:r>
-            <a:r>
-              <a:rPr lang="en-US" sz="1100" dirty="0" err="1" smtClean="0"/>
-              <a:t>học</a:t>
-            </a:r>
-            <a:r>
-              <a:rPr lang="en-US" sz="1100" dirty="0" smtClean="0"/>
-              <a:t> </a:t>
-            </a:r>
-            <a:r>
-              <a:rPr lang="en-US" sz="1100" dirty="0" err="1" smtClean="0"/>
-              <a:t>lập</a:t>
-            </a:r>
-            <a:r>
-              <a:rPr lang="en-US" sz="1100" dirty="0" smtClean="0"/>
-              <a:t> </a:t>
-            </a:r>
-            <a:r>
-              <a:rPr lang="en-US" sz="1100" dirty="0" err="1" smtClean="0"/>
-              <a:t>trình</a:t>
-            </a:r>
-            <a:r>
-              <a:rPr lang="en-US" sz="1100" dirty="0" smtClean="0"/>
-              <a:t> Android.</a:t>
-            </a:r>
-            <a:endParaRPr lang="en-US" sz="1100" b="1" dirty="0" smtClean="0"/>
-          </a:p>
-          <a:p>
-            <a:pPr marL="171450" indent="-171450" algn="just">
-              <a:buFont typeface="Arial" panose="020B0604020202020204" pitchFamily="34" charset="0"/>
-              <a:buChar char="•"/>
-            </a:pPr>
-            <a:r>
-              <a:rPr lang="en-US" sz="1100" b="1" dirty="0" err="1" smtClean="0"/>
-              <a:t>Kinh</a:t>
-            </a:r>
-            <a:r>
-              <a:rPr lang="en-US" sz="1100" b="1" dirty="0" smtClean="0"/>
-              <a:t> </a:t>
-            </a:r>
-            <a:r>
-              <a:rPr lang="en-US" sz="1100" b="1" dirty="0" err="1" smtClean="0"/>
-              <a:t>nghiệm</a:t>
-            </a:r>
-            <a:r>
-              <a:rPr lang="en-US" sz="1100" b="1" dirty="0" smtClean="0"/>
-              <a:t>: </a:t>
-            </a:r>
-            <a:r>
-              <a:rPr lang="en-US" sz="1100" dirty="0" err="1" smtClean="0"/>
-              <a:t>Tạo</a:t>
-            </a:r>
-            <a:r>
-              <a:rPr lang="en-US" sz="1100" dirty="0" smtClean="0"/>
-              <a:t> </a:t>
-            </a:r>
-            <a:r>
-              <a:rPr lang="en-US" sz="1100" dirty="0" err="1" smtClean="0"/>
-              <a:t>ra</a:t>
-            </a:r>
-            <a:r>
-              <a:rPr lang="en-US" sz="1100" dirty="0" smtClean="0"/>
-              <a:t> </a:t>
-            </a:r>
-            <a:r>
-              <a:rPr lang="en-US" sz="1100" dirty="0" err="1" smtClean="0"/>
-              <a:t>được</a:t>
-            </a:r>
-            <a:r>
-              <a:rPr lang="en-US" sz="1100" dirty="0" smtClean="0"/>
-              <a:t> </a:t>
-            </a:r>
-            <a:r>
-              <a:rPr lang="en-US" sz="1100" dirty="0" err="1" smtClean="0"/>
-              <a:t>ứng</a:t>
-            </a:r>
-            <a:r>
-              <a:rPr lang="en-US" sz="1100" dirty="0" smtClean="0"/>
-              <a:t> </a:t>
-            </a:r>
-            <a:r>
-              <a:rPr lang="en-US" sz="1100" dirty="0" err="1" smtClean="0"/>
-              <a:t>dụng</a:t>
-            </a:r>
-            <a:r>
-              <a:rPr lang="en-US" sz="1100" dirty="0" smtClean="0"/>
-              <a:t> </a:t>
-            </a:r>
-            <a:r>
-              <a:rPr lang="en-US" sz="1100" dirty="0" err="1" smtClean="0"/>
-              <a:t>hoàn</a:t>
-            </a:r>
-            <a:r>
-              <a:rPr lang="en-US" sz="1100" dirty="0" smtClean="0"/>
-              <a:t> </a:t>
-            </a:r>
-            <a:r>
-              <a:rPr lang="en-US" sz="1100" dirty="0" err="1" smtClean="0"/>
-              <a:t>chỉnh</a:t>
-            </a:r>
-            <a:r>
-              <a:rPr lang="en-US" sz="1100" dirty="0" smtClean="0"/>
-              <a:t> </a:t>
-            </a:r>
-            <a:r>
-              <a:rPr lang="en-US" sz="1100" dirty="0" err="1" smtClean="0"/>
-              <a:t>với</a:t>
-            </a:r>
-            <a:r>
-              <a:rPr lang="en-US" sz="1100" dirty="0" smtClean="0"/>
-              <a:t> React Native, </a:t>
-            </a:r>
-            <a:r>
-              <a:rPr lang="en-US" sz="1100" dirty="0" err="1" smtClean="0"/>
-              <a:t>biết</a:t>
-            </a:r>
-            <a:r>
-              <a:rPr lang="en-US" sz="1100" dirty="0" smtClean="0"/>
-              <a:t> </a:t>
-            </a:r>
-            <a:r>
-              <a:rPr lang="en-US" sz="1100" dirty="0" err="1" smtClean="0"/>
-              <a:t>kết</a:t>
-            </a:r>
-            <a:r>
-              <a:rPr lang="en-US" sz="1100" dirty="0" smtClean="0"/>
-              <a:t> </a:t>
-            </a:r>
-            <a:r>
-              <a:rPr lang="en-US" sz="1100" dirty="0" err="1" smtClean="0"/>
-              <a:t>nối</a:t>
-            </a:r>
-            <a:r>
-              <a:rPr lang="en-US" sz="1100" dirty="0" smtClean="0"/>
-              <a:t> </a:t>
-            </a:r>
-            <a:r>
-              <a:rPr lang="en-US" sz="1100" dirty="0" err="1" smtClean="0"/>
-              <a:t>với</a:t>
-            </a:r>
-            <a:r>
-              <a:rPr lang="en-US" sz="1100" dirty="0" smtClean="0"/>
-              <a:t> API </a:t>
-            </a:r>
-            <a:r>
-              <a:rPr lang="en-US" sz="1100" dirty="0" err="1" smtClean="0"/>
-              <a:t>để</a:t>
-            </a:r>
-            <a:r>
-              <a:rPr lang="en-US" sz="1100" dirty="0" smtClean="0"/>
-              <a:t> </a:t>
-            </a:r>
-            <a:r>
-              <a:rPr lang="en-US" sz="1100" dirty="0" err="1" smtClean="0"/>
-              <a:t>lấy</a:t>
-            </a:r>
-            <a:r>
-              <a:rPr lang="en-US" sz="1100" dirty="0" smtClean="0"/>
-              <a:t> </a:t>
-            </a:r>
-            <a:r>
-              <a:rPr lang="en-US" sz="1100" dirty="0" err="1" smtClean="0"/>
-              <a:t>dữ</a:t>
-            </a:r>
-            <a:r>
-              <a:rPr lang="en-US" sz="1100" dirty="0" smtClean="0"/>
-              <a:t> </a:t>
-            </a:r>
-            <a:r>
-              <a:rPr lang="en-US" sz="1100" dirty="0" err="1" smtClean="0"/>
-              <a:t>liệu</a:t>
-            </a:r>
-            <a:r>
-              <a:rPr lang="en-US" sz="1100" dirty="0" smtClean="0"/>
-              <a:t> </a:t>
-            </a:r>
-            <a:r>
-              <a:rPr lang="en-US" sz="1100" dirty="0" err="1" smtClean="0"/>
-              <a:t>và</a:t>
-            </a:r>
-            <a:r>
-              <a:rPr lang="en-US" sz="1100" dirty="0" smtClean="0"/>
-              <a:t> </a:t>
-            </a:r>
-            <a:r>
-              <a:rPr lang="en-US" sz="1100" dirty="0" err="1" smtClean="0"/>
-              <a:t>sử</a:t>
-            </a:r>
-            <a:r>
-              <a:rPr lang="en-US" sz="1100" dirty="0" smtClean="0"/>
-              <a:t> </a:t>
-            </a:r>
-            <a:r>
-              <a:rPr lang="en-US" sz="1100" dirty="0" err="1" smtClean="0"/>
-              <a:t>dụng</a:t>
-            </a:r>
-            <a:r>
-              <a:rPr lang="en-US" sz="1100" dirty="0" smtClean="0"/>
-              <a:t> </a:t>
-            </a:r>
-            <a:r>
-              <a:rPr lang="en-US" sz="1100" dirty="0" err="1" smtClean="0"/>
-              <a:t>thành</a:t>
-            </a:r>
-            <a:r>
-              <a:rPr lang="en-US" sz="1100" dirty="0" smtClean="0"/>
-              <a:t> </a:t>
-            </a:r>
-            <a:r>
-              <a:rPr lang="en-US" sz="1100" dirty="0" err="1" smtClean="0"/>
-              <a:t>thạo</a:t>
-            </a:r>
-            <a:r>
-              <a:rPr lang="en-US" sz="1100" dirty="0" smtClean="0"/>
-              <a:t> </a:t>
-            </a:r>
-            <a:r>
-              <a:rPr lang="en-US" sz="1100" dirty="0" err="1" smtClean="0"/>
-              <a:t>công</a:t>
-            </a:r>
-            <a:r>
-              <a:rPr lang="en-US" sz="1100" dirty="0" smtClean="0"/>
-              <a:t> </a:t>
-            </a:r>
-            <a:r>
-              <a:rPr lang="en-US" sz="1100" dirty="0" err="1" smtClean="0"/>
-              <a:t>cụ</a:t>
-            </a:r>
-            <a:r>
-              <a:rPr lang="en-US" sz="1100" dirty="0" smtClean="0"/>
-              <a:t> </a:t>
-            </a:r>
-            <a:r>
-              <a:rPr lang="en-US" sz="1100" dirty="0"/>
-              <a:t>Visual Studio </a:t>
-            </a:r>
-            <a:r>
-              <a:rPr lang="en-US" sz="1100" dirty="0" smtClean="0"/>
-              <a:t>Code.</a:t>
-            </a:r>
-          </a:p>
-          <a:p>
-            <a:pPr marL="171450" indent="-171450" algn="just">
-              <a:buFont typeface="Arial" panose="020B0604020202020204" pitchFamily="34" charset="0"/>
-              <a:buChar char="•"/>
-            </a:pPr>
-            <a:r>
-              <a:rPr lang="en-US" sz="1100" b="1" dirty="0" smtClean="0"/>
-              <a:t>Link demo: </a:t>
-            </a:r>
-            <a:r>
-              <a:rPr lang="en-US" sz="1100" i="1" dirty="0"/>
-              <a:t>https://bom.to/AQm2pP6KPZBuk</a:t>
-            </a:r>
-            <a:endParaRPr lang="en-US" sz="1100" dirty="0" smtClean="0"/>
-          </a:p>
-        </p:txBody>
-      </p:sp>
-      <p:cxnSp>
-        <p:nvCxnSpPr>
-          <p:cNvPr id="82" name="Straight Connector 81"/>
-          <p:cNvCxnSpPr/>
-          <p:nvPr/>
-        </p:nvCxnSpPr>
-        <p:spPr>
-          <a:xfrm>
-            <a:off x="3040380" y="5791200"/>
-            <a:ext cx="3733800" cy="0"/>
-          </a:xfrm>
-          <a:prstGeom prst="line">
-            <a:avLst/>
-          </a:prstGeom>
-        </p:spPr>
-        <p:style>
-          <a:lnRef idx="1">
-            <a:schemeClr val="accent1"/>
-          </a:lnRef>
-          <a:fillRef idx="0">
-            <a:schemeClr val="accent1"/>
-          </a:fillRef>
-          <a:effectRef idx="0">
-            <a:schemeClr val="accent1"/>
-          </a:effectRef>
-          <a:fontRef idx="minor">
-            <a:schemeClr val="tx1"/>
-          </a:fontRef>
-        </p:style>
-      </p:cxnSp>
-      <p:sp>
-        <p:nvSpPr>
-          <p:cNvPr id="83" name="TextBox 82"/>
-          <p:cNvSpPr txBox="1"/>
-          <p:nvPr/>
-        </p:nvSpPr>
-        <p:spPr>
-          <a:xfrm>
-            <a:off x="2964180" y="8229600"/>
-            <a:ext cx="1732077" cy="307777"/>
-          </a:xfrm>
-          <a:prstGeom prst="rect">
-            <a:avLst/>
-          </a:prstGeom>
-          <a:noFill/>
-        </p:spPr>
-        <p:txBody>
-          <a:bodyPr wrap="none" rtlCol="0">
-            <a:spAutoFit/>
-          </a:bodyPr>
-          <a:lstStyle/>
-          <a:p>
-            <a:r>
-              <a:rPr lang="en-US" sz="1400" b="1" dirty="0" smtClean="0">
-                <a:solidFill>
-                  <a:srgbClr val="00B0F0"/>
-                </a:solidFill>
-              </a:rPr>
-              <a:t>NGƯỜI THAM CHIẾU</a:t>
-            </a:r>
-            <a:endParaRPr lang="en-US" sz="1400" b="1" dirty="0">
-              <a:solidFill>
-                <a:srgbClr val="00B0F0"/>
-              </a:solidFill>
-            </a:endParaRPr>
-          </a:p>
-        </p:txBody>
-      </p:sp>
-      <p:cxnSp>
-        <p:nvCxnSpPr>
-          <p:cNvPr id="84" name="Straight Connector 83"/>
-          <p:cNvCxnSpPr/>
-          <p:nvPr/>
-        </p:nvCxnSpPr>
-        <p:spPr>
-          <a:xfrm>
-            <a:off x="3048000" y="8537377"/>
-            <a:ext cx="3733800" cy="0"/>
-          </a:xfrm>
-          <a:prstGeom prst="line">
-            <a:avLst/>
-          </a:prstGeom>
-        </p:spPr>
-        <p:style>
-          <a:lnRef idx="1">
-            <a:schemeClr val="accent1"/>
-          </a:lnRef>
-          <a:fillRef idx="0">
-            <a:schemeClr val="accent1"/>
-          </a:fillRef>
-          <a:effectRef idx="0">
-            <a:schemeClr val="accent1"/>
-          </a:effectRef>
-          <a:fontRef idx="minor">
-            <a:schemeClr val="tx1"/>
-          </a:fontRef>
-        </p:style>
-      </p:cxnSp>
-      <p:pic>
-        <p:nvPicPr>
-          <p:cNvPr id="1033" name="Picture 9" descr="C:\Users\DamVanThuc\Downloads\iconj.png"/>
-          <p:cNvPicPr>
-            <a:picLocks noChangeAspect="1" noChangeArrowheads="1"/>
-          </p:cNvPicPr>
-          <p:nvPr/>
-        </p:nvPicPr>
-        <p:blipFill>
-          <a:blip r:embed="rId10" cstate="print">
-            <a:extLst>
-              <a:ext uri="{28A0092B-C50C-407E-A947-70E740481C1C}">
-                <a14:useLocalDpi xmlns:a14="http://schemas.microsoft.com/office/drawing/2010/main" val="0"/>
-              </a:ext>
-            </a:extLst>
-          </a:blip>
-          <a:srcRect/>
-          <a:stretch>
-            <a:fillRect/>
-          </a:stretch>
-        </p:blipFill>
-        <p:spPr bwMode="auto">
-          <a:xfrm>
-            <a:off x="2688722" y="8290983"/>
-            <a:ext cx="283078" cy="283078"/>
-          </a:xfrm>
-          <a:prstGeom prst="rect">
-            <a:avLst/>
-          </a:prstGeom>
-          <a:noFill/>
-          <a:extLst>
-            <a:ext uri="{909E8E84-426E-40DD-AFC4-6F175D3DCCD1}">
-              <a14:hiddenFill xmlns:a14="http://schemas.microsoft.com/office/drawing/2010/main">
-                <a:solidFill>
-                  <a:srgbClr val="FFFFFF"/>
-                </a:solidFill>
-              </a14:hiddenFill>
-            </a:ext>
-          </a:extLst>
-        </p:spPr>
-      </p:pic>
-      <p:sp>
-        <p:nvSpPr>
-          <p:cNvPr id="87" name="TextBox 86"/>
-          <p:cNvSpPr txBox="1"/>
-          <p:nvPr/>
-        </p:nvSpPr>
-        <p:spPr>
-          <a:xfrm>
-            <a:off x="5794763" y="5969798"/>
-            <a:ext cx="1133473" cy="300082"/>
-          </a:xfrm>
-          <a:prstGeom prst="rect">
-            <a:avLst/>
-          </a:prstGeom>
-          <a:noFill/>
-        </p:spPr>
-        <p:txBody>
-          <a:bodyPr wrap="square" rtlCol="0">
-            <a:spAutoFit/>
-          </a:bodyPr>
-          <a:lstStyle/>
-          <a:p>
-            <a:pPr>
-              <a:lnSpc>
-                <a:spcPct val="150000"/>
-              </a:lnSpc>
-            </a:pPr>
-            <a:r>
-              <a:rPr lang="en-US" sz="900" dirty="0" smtClean="0">
-                <a:solidFill>
-                  <a:srgbClr val="00B0F0"/>
-                </a:solidFill>
-              </a:rPr>
-              <a:t>06/2020 – 07/2020</a:t>
-            </a:r>
-            <a:endParaRPr lang="en-US" sz="900" dirty="0">
-              <a:solidFill>
-                <a:srgbClr val="00B0F0"/>
-              </a:solidFill>
-            </a:endParaRPr>
-          </a:p>
-        </p:txBody>
-      </p:sp>
-      <p:sp>
-        <p:nvSpPr>
-          <p:cNvPr id="88" name="TextBox 87"/>
-          <p:cNvSpPr txBox="1"/>
-          <p:nvPr/>
-        </p:nvSpPr>
-        <p:spPr>
-          <a:xfrm>
-            <a:off x="2981325" y="8569404"/>
-            <a:ext cx="2096699" cy="1107996"/>
-          </a:xfrm>
-          <a:prstGeom prst="rect">
-            <a:avLst/>
-          </a:prstGeom>
-          <a:noFill/>
-        </p:spPr>
-        <p:txBody>
-          <a:bodyPr wrap="square" rtlCol="0">
-            <a:spAutoFit/>
-          </a:bodyPr>
-          <a:lstStyle/>
-          <a:p>
-            <a:r>
-              <a:rPr lang="en-US" sz="1100" b="1" dirty="0" err="1"/>
-              <a:t>Thầy</a:t>
-            </a:r>
-            <a:r>
-              <a:rPr lang="en-US" sz="1100" b="1" dirty="0"/>
-              <a:t>: </a:t>
-            </a:r>
-            <a:r>
-              <a:rPr lang="en-US" sz="1100" b="1" dirty="0" err="1"/>
-              <a:t>Nguyễn</a:t>
-            </a:r>
-            <a:r>
-              <a:rPr lang="en-US" sz="1100" b="1" dirty="0"/>
-              <a:t> </a:t>
-            </a:r>
-            <a:r>
-              <a:rPr lang="en-US" sz="1100" b="1" dirty="0" err="1"/>
-              <a:t>Hữu</a:t>
-            </a:r>
-            <a:r>
-              <a:rPr lang="en-US" sz="1100" b="1" dirty="0"/>
-              <a:t> </a:t>
-            </a:r>
-            <a:r>
-              <a:rPr lang="en-US" sz="1100" b="1" dirty="0" err="1"/>
-              <a:t>Huy</a:t>
-            </a:r>
-            <a:endParaRPr lang="en-US" sz="1100" b="1" dirty="0"/>
-          </a:p>
-          <a:p>
-            <a:r>
-              <a:rPr lang="en-US" sz="1100" b="1" dirty="0" err="1"/>
-              <a:t>Vị</a:t>
-            </a:r>
-            <a:r>
-              <a:rPr lang="en-US" sz="1100" b="1" dirty="0"/>
-              <a:t> </a:t>
-            </a:r>
-            <a:r>
-              <a:rPr lang="en-US" sz="1100" b="1" dirty="0" err="1"/>
-              <a:t>trí</a:t>
-            </a:r>
-            <a:r>
-              <a:rPr lang="en-US" sz="1100" b="1" dirty="0"/>
-              <a:t>: </a:t>
-            </a:r>
-            <a:r>
-              <a:rPr lang="en-US" sz="1100" dirty="0" err="1"/>
-              <a:t>Giảng</a:t>
-            </a:r>
-            <a:r>
-              <a:rPr lang="en-US" sz="1100" dirty="0"/>
-              <a:t> </a:t>
-            </a:r>
-            <a:r>
-              <a:rPr lang="en-US" sz="1100" dirty="0" err="1"/>
-              <a:t>viên</a:t>
-            </a:r>
-            <a:r>
-              <a:rPr lang="en-US" sz="1100" dirty="0"/>
-              <a:t> </a:t>
-            </a:r>
-            <a:endParaRPr lang="en-US" sz="1100" dirty="0" smtClean="0"/>
-          </a:p>
-          <a:p>
-            <a:r>
-              <a:rPr lang="en-US" sz="1100" b="1" dirty="0" err="1" smtClean="0"/>
-              <a:t>Đơn</a:t>
-            </a:r>
-            <a:r>
-              <a:rPr lang="en-US" sz="1100" b="1" dirty="0" smtClean="0"/>
-              <a:t> </a:t>
-            </a:r>
-            <a:r>
-              <a:rPr lang="en-US" sz="1100" b="1" dirty="0" err="1"/>
-              <a:t>vị</a:t>
-            </a:r>
-            <a:r>
-              <a:rPr lang="en-US" sz="1100" b="1" dirty="0"/>
-              <a:t>: </a:t>
-            </a:r>
-            <a:r>
-              <a:rPr lang="en-US" sz="1100" dirty="0" err="1"/>
-              <a:t>Trường</a:t>
-            </a:r>
-            <a:r>
-              <a:rPr lang="en-US" sz="1100" dirty="0"/>
-              <a:t> CĐ </a:t>
-            </a:r>
-            <a:r>
-              <a:rPr lang="en-US" sz="1100" dirty="0" err="1"/>
-              <a:t>Thực</a:t>
-            </a:r>
-            <a:r>
-              <a:rPr lang="en-US" sz="1100" dirty="0"/>
-              <a:t> </a:t>
-            </a:r>
-            <a:r>
-              <a:rPr lang="en-US" sz="1100" dirty="0" err="1"/>
-              <a:t>hành</a:t>
-            </a:r>
-            <a:r>
-              <a:rPr lang="en-US" sz="1100" dirty="0"/>
-              <a:t> FPT Polytechnic</a:t>
-            </a:r>
-          </a:p>
-          <a:p>
-            <a:r>
-              <a:rPr lang="en-US" sz="1100" b="1" dirty="0"/>
-              <a:t>SĐT: </a:t>
-            </a:r>
-            <a:r>
-              <a:rPr lang="en-US" sz="1100" dirty="0"/>
-              <a:t>+8491 336 0468</a:t>
-            </a:r>
-          </a:p>
-          <a:p>
-            <a:r>
-              <a:rPr lang="en-US" sz="1100" b="1" dirty="0"/>
-              <a:t>Email: </a:t>
-            </a:r>
-            <a:r>
-              <a:rPr lang="en-US" sz="1100" dirty="0"/>
-              <a:t>huynhph03@fpt.edu.vn</a:t>
-            </a:r>
-          </a:p>
-        </p:txBody>
-      </p:sp>
-      <p:sp>
-        <p:nvSpPr>
-          <p:cNvPr id="89" name="TextBox 88"/>
-          <p:cNvSpPr txBox="1"/>
-          <p:nvPr/>
-        </p:nvSpPr>
-        <p:spPr>
-          <a:xfrm>
-            <a:off x="4861061" y="8569404"/>
-            <a:ext cx="2029075" cy="1107996"/>
-          </a:xfrm>
-          <a:prstGeom prst="rect">
-            <a:avLst/>
-          </a:prstGeom>
-          <a:noFill/>
-        </p:spPr>
-        <p:txBody>
-          <a:bodyPr wrap="square" rtlCol="0">
-            <a:spAutoFit/>
-          </a:bodyPr>
-          <a:lstStyle/>
-          <a:p>
-            <a:r>
-              <a:rPr lang="en-US" sz="1100" b="1" dirty="0"/>
-              <a:t>Anh: </a:t>
-            </a:r>
-            <a:r>
-              <a:rPr lang="en-US" sz="1100" b="1" dirty="0" err="1"/>
-              <a:t>Lê</a:t>
-            </a:r>
-            <a:r>
-              <a:rPr lang="en-US" sz="1100" b="1" dirty="0"/>
-              <a:t> </a:t>
-            </a:r>
-            <a:r>
-              <a:rPr lang="en-US" sz="1100" b="1" dirty="0" err="1"/>
-              <a:t>Hồng</a:t>
-            </a:r>
-            <a:r>
-              <a:rPr lang="en-US" sz="1100" b="1" dirty="0"/>
-              <a:t> </a:t>
-            </a:r>
-            <a:r>
-              <a:rPr lang="en-US" sz="1100" b="1" dirty="0" err="1"/>
-              <a:t>Duy</a:t>
-            </a:r>
-            <a:endParaRPr lang="en-US" sz="1100" b="1" dirty="0"/>
-          </a:p>
-          <a:p>
-            <a:r>
-              <a:rPr lang="en-US" sz="1100" b="1" dirty="0" err="1"/>
-              <a:t>Vị</a:t>
-            </a:r>
-            <a:r>
-              <a:rPr lang="en-US" sz="1100" b="1" dirty="0"/>
-              <a:t> </a:t>
-            </a:r>
-            <a:r>
-              <a:rPr lang="en-US" sz="1100" b="1" dirty="0" err="1"/>
-              <a:t>trí</a:t>
-            </a:r>
-            <a:r>
-              <a:rPr lang="en-US" sz="1100" b="1" dirty="0"/>
-              <a:t>: </a:t>
-            </a:r>
-            <a:r>
-              <a:rPr lang="en-US" sz="1100" dirty="0" err="1"/>
-              <a:t>Giám</a:t>
-            </a:r>
-            <a:r>
-              <a:rPr lang="en-US" sz="1100" dirty="0"/>
-              <a:t> </a:t>
-            </a:r>
-            <a:r>
-              <a:rPr lang="en-US" sz="1100" dirty="0" err="1"/>
-              <a:t>đốc</a:t>
-            </a:r>
-            <a:r>
-              <a:rPr lang="en-US" sz="1100" dirty="0"/>
-              <a:t> </a:t>
-            </a:r>
-          </a:p>
-          <a:p>
-            <a:r>
-              <a:rPr lang="en-US" sz="1100" b="1" dirty="0" err="1" smtClean="0"/>
-              <a:t>Đơn</a:t>
-            </a:r>
-            <a:r>
-              <a:rPr lang="en-US" sz="1100" b="1" dirty="0" smtClean="0"/>
-              <a:t> </a:t>
-            </a:r>
-            <a:r>
-              <a:rPr lang="en-US" sz="1100" b="1" dirty="0" err="1" smtClean="0"/>
-              <a:t>vị</a:t>
-            </a:r>
-            <a:r>
-              <a:rPr lang="en-US" sz="1100" b="1" dirty="0" smtClean="0"/>
-              <a:t>: </a:t>
-            </a:r>
-            <a:r>
-              <a:rPr lang="en-US" sz="1100" dirty="0" err="1" smtClean="0"/>
-              <a:t>Công</a:t>
-            </a:r>
-            <a:r>
-              <a:rPr lang="en-US" sz="1100" dirty="0" smtClean="0"/>
-              <a:t> ty </a:t>
-            </a:r>
-            <a:r>
-              <a:rPr lang="en-US" sz="1100" dirty="0" err="1" smtClean="0"/>
-              <a:t>Codefresher</a:t>
-            </a:r>
-            <a:r>
-              <a:rPr lang="en-US" sz="1100" dirty="0" smtClean="0"/>
-              <a:t> </a:t>
-            </a:r>
-            <a:r>
-              <a:rPr lang="en-US" sz="1100" dirty="0" err="1"/>
-              <a:t>Việt</a:t>
-            </a:r>
-            <a:r>
-              <a:rPr lang="en-US" sz="1100" dirty="0"/>
-              <a:t> </a:t>
-            </a:r>
-            <a:r>
-              <a:rPr lang="en-US" sz="1100" dirty="0" smtClean="0"/>
-              <a:t>Nam</a:t>
-            </a:r>
-            <a:endParaRPr lang="en-US" sz="1100" dirty="0"/>
-          </a:p>
-          <a:p>
-            <a:r>
-              <a:rPr lang="en-US" sz="1100" b="1" dirty="0"/>
-              <a:t>SĐT: </a:t>
-            </a:r>
-            <a:r>
-              <a:rPr lang="en-US" sz="1100" dirty="0"/>
-              <a:t>+84972820022</a:t>
-            </a:r>
-          </a:p>
-          <a:p>
-            <a:r>
-              <a:rPr lang="en-US" sz="1100" b="1" dirty="0"/>
-              <a:t>Email: </a:t>
-            </a:r>
-            <a:r>
-              <a:rPr lang="en-US" sz="1100" dirty="0"/>
-              <a:t>contact@codefresher.vn</a:t>
-            </a:r>
           </a:p>
         </p:txBody>
       </p:sp>
@@ -8396,7 +7059,7 @@
           <p:nvPr/>
         </p:nvPicPr>
         <p:blipFill>
-          <a:blip r:embed="rId11">
+          <a:blip r:embed="rId10">
             <a:extLst>
               <a:ext uri="{28A0092B-C50C-407E-A947-70E740481C1C}">
                 <a14:useLocalDpi xmlns:a14="http://schemas.microsoft.com/office/drawing/2010/main" val="0"/>
@@ -8436,8 +7099,8 @@
         </p:nvSpPr>
         <p:spPr>
           <a:xfrm>
-            <a:off x="192074" y="2540913"/>
-            <a:ext cx="2170126" cy="430887"/>
+            <a:off x="192074" y="2590800"/>
+            <a:ext cx="2170126" cy="307777"/>
           </a:xfrm>
           <a:prstGeom prst="rect">
             <a:avLst/>
@@ -8452,7 +7115,7 @@
           <a:p>
             <a:pPr algn="ctr"/>
             <a:r>
-              <a:rPr lang="en-US" sz="1100" i="1" dirty="0" err="1" smtClean="0">
+              <a:rPr lang="en-US" sz="1400" i="1" dirty="0" err="1" smtClean="0">
                 <a:solidFill>
                   <a:schemeClr val="bg1"/>
                 </a:solidFill>
@@ -8460,15 +7123,15 @@
               <a:t>Vị</a:t>
             </a:r>
             <a:r>
-              <a:rPr lang="en-US" sz="1100" i="1" dirty="0" smtClean="0">
-                <a:solidFill>
-                  <a:schemeClr val="bg1"/>
-                </a:solidFill>
-              </a:rPr>
-              <a:t> </a:t>
-            </a:r>
-            <a:r>
-              <a:rPr lang="en-US" sz="1100" i="1" dirty="0" err="1" smtClean="0">
+              <a:rPr lang="en-US" sz="1400" i="1" dirty="0" smtClean="0">
+                <a:solidFill>
+                  <a:schemeClr val="bg1"/>
+                </a:solidFill>
+              </a:rPr>
+              <a:t> </a:t>
+            </a:r>
+            <a:r>
+              <a:rPr lang="en-US" sz="1400" i="1" dirty="0" err="1" smtClean="0">
                 <a:solidFill>
                   <a:schemeClr val="bg1"/>
                 </a:solidFill>
@@ -8476,94 +7139,14 @@
               <a:t>trí</a:t>
             </a:r>
             <a:r>
-              <a:rPr lang="en-US" sz="1100" i="1" dirty="0" smtClean="0">
-                <a:solidFill>
-                  <a:schemeClr val="bg1"/>
-                </a:solidFill>
-              </a:rPr>
-              <a:t> </a:t>
-            </a:r>
-            <a:r>
-              <a:rPr lang="en-US" sz="1100" i="1" dirty="0" err="1" smtClean="0">
-                <a:solidFill>
-                  <a:schemeClr val="bg1"/>
-                </a:solidFill>
-              </a:rPr>
-              <a:t>ứng</a:t>
-            </a:r>
-            <a:r>
-              <a:rPr lang="en-US" sz="1100" i="1" dirty="0" smtClean="0">
-                <a:solidFill>
-                  <a:schemeClr val="bg1"/>
-                </a:solidFill>
-              </a:rPr>
-              <a:t> </a:t>
-            </a:r>
-            <a:r>
-              <a:rPr lang="en-US" sz="1100" i="1" dirty="0" err="1" smtClean="0">
-                <a:solidFill>
-                  <a:schemeClr val="bg1"/>
-                </a:solidFill>
-              </a:rPr>
-              <a:t>tuyển</a:t>
-            </a:r>
-            <a:r>
-              <a:rPr lang="en-US" sz="1100" i="1" dirty="0" smtClean="0">
-                <a:solidFill>
-                  <a:schemeClr val="bg1"/>
-                </a:solidFill>
-              </a:rPr>
-              <a:t>: </a:t>
-            </a:r>
-            <a:r>
-              <a:rPr lang="en-US" sz="1100" i="1" dirty="0" err="1" smtClean="0">
-                <a:solidFill>
-                  <a:schemeClr val="bg1"/>
-                </a:solidFill>
-              </a:rPr>
-              <a:t>Thực</a:t>
-            </a:r>
-            <a:r>
-              <a:rPr lang="en-US" sz="1100" i="1" dirty="0" smtClean="0">
-                <a:solidFill>
-                  <a:schemeClr val="bg1"/>
-                </a:solidFill>
-              </a:rPr>
-              <a:t> </a:t>
-            </a:r>
-            <a:r>
-              <a:rPr lang="en-US" sz="1100" i="1" dirty="0" err="1" smtClean="0">
-                <a:solidFill>
-                  <a:schemeClr val="bg1"/>
-                </a:solidFill>
-              </a:rPr>
-              <a:t>tập</a:t>
-            </a:r>
-            <a:r>
-              <a:rPr lang="en-US" sz="1100" i="1" dirty="0" smtClean="0">
-                <a:solidFill>
-                  <a:schemeClr val="bg1"/>
-                </a:solidFill>
-              </a:rPr>
-              <a:t> </a:t>
-            </a:r>
-            <a:r>
-              <a:rPr lang="en-US" sz="1100" i="1" dirty="0" err="1" smtClean="0">
-                <a:solidFill>
-                  <a:schemeClr val="bg1"/>
-                </a:solidFill>
-              </a:rPr>
-              <a:t>sinh</a:t>
-            </a:r>
-            <a:r>
-              <a:rPr lang="en-US" sz="1100" i="1" dirty="0" smtClean="0">
-                <a:solidFill>
-                  <a:schemeClr val="bg1"/>
-                </a:solidFill>
-              </a:rPr>
-              <a:t> React Native</a:t>
-            </a:r>
-            <a:endParaRPr lang="en-US" sz="1100" i="1" dirty="0">
+              <a:rPr lang="en-US" sz="1400" i="1" dirty="0" smtClean="0">
+                <a:solidFill>
+                  <a:schemeClr val="bg1"/>
+                </a:solidFill>
+              </a:rPr>
+              <a:t>: Junior React Native</a:t>
+            </a:r>
+            <a:endParaRPr lang="en-US" sz="1400" i="1" dirty="0">
               <a:solidFill>
                 <a:schemeClr val="bg1"/>
               </a:solidFill>
@@ -8579,8 +7162,8 @@
         </p:nvSpPr>
         <p:spPr>
           <a:xfrm>
-            <a:off x="551279" y="2312313"/>
-            <a:ext cx="1394484" cy="307777"/>
+            <a:off x="487547" y="2312313"/>
+            <a:ext cx="1569853" cy="338554"/>
           </a:xfrm>
           <a:prstGeom prst="rect">
             <a:avLst/>
@@ -8594,7 +7177,7 @@
           <a:lstStyle/>
           <a:p>
             <a:r>
-              <a:rPr lang="en-US" sz="1400" b="1" dirty="0" smtClean="0">
+              <a:rPr lang="en-US" sz="1600" b="1" dirty="0" smtClean="0">
                 <a:solidFill>
                   <a:schemeClr val="bg1"/>
                 </a:solidFill>
@@ -8608,7 +7191,7 @@
               </a:rPr>
               <a:t>ĐÀM VĂN THỨC</a:t>
             </a:r>
-            <a:endParaRPr lang="en-US" sz="1400" b="1" dirty="0">
+            <a:endParaRPr lang="en-US" sz="1600" b="1" dirty="0">
               <a:solidFill>
                 <a:schemeClr val="bg1"/>
               </a:solidFill>
@@ -8625,93 +7208,1111 @@
       </p:sp>
       <p:sp>
         <p:nvSpPr>
-          <p:cNvPr id="56" name="Rectangle 55"/>
-          <p:cNvSpPr/>
+          <p:cNvPr id="58" name="TextBox 57"/>
+          <p:cNvSpPr txBox="1"/>
           <p:nvPr/>
         </p:nvSpPr>
         <p:spPr>
           <a:xfrm>
-            <a:off x="1075962" y="6374602"/>
-            <a:ext cx="1429113" cy="70696"/>
+            <a:off x="2819400" y="3429000"/>
+            <a:ext cx="3939291" cy="1184940"/>
           </a:xfrm>
           <a:prstGeom prst="rect">
             <a:avLst/>
           </a:prstGeom>
-          <a:ln>
-            <a:noFill/>
-          </a:ln>
+          <a:noFill/>
+        </p:spPr>
+        <p:txBody>
+          <a:bodyPr wrap="square" rtlCol="0">
+            <a:spAutoFit/>
+          </a:bodyPr>
+          <a:lstStyle/>
+          <a:p>
+            <a:pPr algn="just"/>
+            <a:r>
+              <a:rPr lang="en-US" sz="1100" b="1" dirty="0" smtClean="0"/>
+              <a:t>DỰ ÁN </a:t>
+            </a:r>
+            <a:r>
+              <a:rPr lang="en-US" sz="1100" b="1" dirty="0" smtClean="0"/>
+              <a:t>OUTSOURCING</a:t>
+            </a:r>
+            <a:endParaRPr lang="en-US" sz="1100" b="1" dirty="0" smtClean="0"/>
+          </a:p>
+          <a:p>
+            <a:pPr marL="171450" indent="-171450" algn="just">
+              <a:lnSpc>
+                <a:spcPct val="150000"/>
+              </a:lnSpc>
+              <a:buFontTx/>
+              <a:buChar char="-"/>
+            </a:pPr>
+            <a:r>
+              <a:rPr lang="en-US" sz="1000" dirty="0" err="1" smtClean="0"/>
+              <a:t>Dự</a:t>
+            </a:r>
+            <a:r>
+              <a:rPr lang="en-US" sz="1000" dirty="0" smtClean="0"/>
+              <a:t> </a:t>
+            </a:r>
+            <a:r>
+              <a:rPr lang="en-US" sz="1000" dirty="0" err="1" smtClean="0"/>
+              <a:t>án</a:t>
+            </a:r>
+            <a:r>
+              <a:rPr lang="en-US" sz="1000" dirty="0" smtClean="0"/>
+              <a:t> </a:t>
+            </a:r>
+            <a:r>
+              <a:rPr lang="en-US" sz="1000" dirty="0" err="1"/>
+              <a:t>p</a:t>
+            </a:r>
+            <a:r>
+              <a:rPr lang="en-US" sz="1000" dirty="0" err="1" smtClean="0"/>
+              <a:t>hần</a:t>
+            </a:r>
+            <a:r>
+              <a:rPr lang="en-US" sz="1000" dirty="0" smtClean="0"/>
+              <a:t> </a:t>
+            </a:r>
+            <a:r>
+              <a:rPr lang="en-US" sz="1000" dirty="0" err="1" smtClean="0"/>
+              <a:t>m</a:t>
+            </a:r>
+            <a:r>
+              <a:rPr lang="en-US" sz="1000" dirty="0" err="1"/>
+              <a:t>ề</a:t>
+            </a:r>
+            <a:r>
+              <a:rPr lang="en-US" sz="1000" dirty="0" err="1" smtClean="0"/>
+              <a:t>m</a:t>
+            </a:r>
+            <a:r>
+              <a:rPr lang="en-US" sz="1000" dirty="0" smtClean="0"/>
+              <a:t> </a:t>
+            </a:r>
+            <a:r>
+              <a:rPr lang="en-US" sz="1000" dirty="0" err="1" smtClean="0"/>
+              <a:t>theo</a:t>
+            </a:r>
+            <a:r>
+              <a:rPr lang="en-US" sz="1000" dirty="0" smtClean="0"/>
+              <a:t> </a:t>
+            </a:r>
+            <a:r>
+              <a:rPr lang="en-US" sz="1000" dirty="0" err="1"/>
+              <a:t>d</a:t>
+            </a:r>
+            <a:r>
+              <a:rPr lang="en-US" sz="1000" dirty="0" err="1" smtClean="0"/>
+              <a:t>õi</a:t>
+            </a:r>
+            <a:r>
+              <a:rPr lang="en-US" sz="1000" dirty="0" smtClean="0"/>
+              <a:t> </a:t>
+            </a:r>
+            <a:r>
+              <a:rPr lang="en-US" sz="1000" dirty="0" err="1"/>
+              <a:t>t</a:t>
+            </a:r>
+            <a:r>
+              <a:rPr lang="en-US" sz="1000" dirty="0" err="1" smtClean="0"/>
+              <a:t>hân</a:t>
+            </a:r>
+            <a:r>
+              <a:rPr lang="en-US" sz="1000" dirty="0" smtClean="0"/>
+              <a:t> </a:t>
+            </a:r>
+            <a:r>
+              <a:rPr lang="en-US" sz="1000" dirty="0" err="1"/>
+              <a:t>n</a:t>
+            </a:r>
+            <a:r>
+              <a:rPr lang="en-US" sz="1000" dirty="0" err="1" smtClean="0"/>
+              <a:t>hiệt</a:t>
+            </a:r>
+            <a:r>
+              <a:rPr lang="en-US" sz="1000" dirty="0" smtClean="0"/>
+              <a:t> </a:t>
+            </a:r>
+            <a:r>
+              <a:rPr lang="en-US" sz="1000" dirty="0" err="1" smtClean="0"/>
+              <a:t>trẻ</a:t>
+            </a:r>
+            <a:r>
+              <a:rPr lang="en-US" sz="1000" dirty="0" smtClean="0"/>
+              <a:t> </a:t>
+            </a:r>
+            <a:r>
+              <a:rPr lang="en-US" sz="1000" dirty="0" err="1" smtClean="0"/>
+              <a:t>em</a:t>
+            </a:r>
+            <a:r>
+              <a:rPr lang="en-US" sz="1000" dirty="0" smtClean="0"/>
+              <a:t> </a:t>
+            </a:r>
+            <a:r>
+              <a:rPr lang="en-US" sz="1000" dirty="0" err="1" smtClean="0"/>
+              <a:t>SmartTemp</a:t>
+            </a:r>
+            <a:r>
+              <a:rPr lang="en-US" sz="1000" dirty="0" smtClean="0"/>
+              <a:t>,</a:t>
+            </a:r>
+            <a:r>
+              <a:rPr lang="en-US" sz="1000" dirty="0"/>
+              <a:t> </a:t>
+            </a:r>
+            <a:r>
+              <a:rPr lang="en-US" sz="1000" dirty="0" err="1" smtClean="0"/>
+              <a:t>Sử</a:t>
+            </a:r>
+            <a:r>
+              <a:rPr lang="en-US" sz="1000" dirty="0" smtClean="0"/>
+              <a:t> </a:t>
+            </a:r>
+            <a:r>
+              <a:rPr lang="en-US" sz="1000" dirty="0" err="1" smtClean="0"/>
+              <a:t>dụng</a:t>
+            </a:r>
+            <a:r>
+              <a:rPr lang="en-US" sz="1000" dirty="0" smtClean="0"/>
+              <a:t> </a:t>
+            </a:r>
+            <a:r>
+              <a:rPr lang="en-US" sz="1000" dirty="0" err="1" smtClean="0"/>
+              <a:t>thiết</a:t>
+            </a:r>
+            <a:r>
+              <a:rPr lang="en-US" sz="1000" dirty="0" smtClean="0"/>
+              <a:t> </a:t>
+            </a:r>
+            <a:r>
+              <a:rPr lang="en-US" sz="1000" dirty="0" err="1" smtClean="0"/>
+              <a:t>bị</a:t>
+            </a:r>
+            <a:r>
+              <a:rPr lang="en-US" sz="1000" dirty="0" smtClean="0"/>
+              <a:t> </a:t>
+            </a:r>
+            <a:r>
+              <a:rPr lang="en-US" sz="1000" dirty="0" err="1" smtClean="0"/>
+              <a:t>cảm</a:t>
+            </a:r>
+            <a:r>
+              <a:rPr lang="en-US" sz="1000" dirty="0" smtClean="0"/>
+              <a:t> </a:t>
+            </a:r>
+            <a:r>
+              <a:rPr lang="en-US" sz="1000" dirty="0" err="1" smtClean="0"/>
+              <a:t>biến</a:t>
+            </a:r>
+            <a:r>
+              <a:rPr lang="en-US" sz="1000" dirty="0" smtClean="0"/>
+              <a:t> </a:t>
+            </a:r>
+            <a:r>
+              <a:rPr lang="en-US" sz="1000" dirty="0" err="1" smtClean="0"/>
+              <a:t>bluetooth</a:t>
+            </a:r>
+            <a:r>
+              <a:rPr lang="en-US" sz="1000" dirty="0" smtClean="0"/>
+              <a:t> </a:t>
+            </a:r>
+            <a:r>
+              <a:rPr lang="en-US" sz="1000" dirty="0" err="1" smtClean="0"/>
+              <a:t>theo</a:t>
+            </a:r>
+            <a:r>
+              <a:rPr lang="en-US" sz="1000" dirty="0" smtClean="0"/>
+              <a:t> </a:t>
+            </a:r>
+            <a:r>
+              <a:rPr lang="en-US" sz="1000" dirty="0" err="1" smtClean="0"/>
+              <a:t>dõi</a:t>
+            </a:r>
+            <a:r>
+              <a:rPr lang="en-US" sz="1000" dirty="0" smtClean="0"/>
+              <a:t> </a:t>
+            </a:r>
+            <a:r>
+              <a:rPr lang="en-US" sz="1000" dirty="0" err="1" smtClean="0"/>
+              <a:t>thân</a:t>
+            </a:r>
+            <a:r>
+              <a:rPr lang="en-US" sz="1000" dirty="0" smtClean="0"/>
+              <a:t> </a:t>
+            </a:r>
+            <a:r>
+              <a:rPr lang="en-US" sz="1000" dirty="0" err="1" smtClean="0"/>
+              <a:t>nhiệt</a:t>
+            </a:r>
+            <a:r>
+              <a:rPr lang="en-US" sz="1000" dirty="0" smtClean="0"/>
+              <a:t>, </a:t>
+            </a:r>
+            <a:r>
+              <a:rPr lang="en-US" sz="1000" dirty="0" err="1" smtClean="0"/>
+              <a:t>khi</a:t>
+            </a:r>
+            <a:r>
+              <a:rPr lang="en-US" sz="1000" dirty="0" smtClean="0"/>
+              <a:t> </a:t>
+            </a:r>
+            <a:r>
+              <a:rPr lang="en-US" sz="1000" dirty="0" err="1" smtClean="0"/>
+              <a:t>vượt</a:t>
+            </a:r>
+            <a:r>
+              <a:rPr lang="en-US" sz="1000" dirty="0" smtClean="0"/>
+              <a:t> </a:t>
+            </a:r>
+            <a:r>
+              <a:rPr lang="en-US" sz="1000" dirty="0" err="1" smtClean="0"/>
+              <a:t>ngưỡng</a:t>
+            </a:r>
+            <a:r>
+              <a:rPr lang="en-US" sz="1000" dirty="0" smtClean="0"/>
+              <a:t> </a:t>
+            </a:r>
+            <a:r>
+              <a:rPr lang="en-US" sz="1000" dirty="0" err="1" smtClean="0"/>
+              <a:t>cảnh</a:t>
+            </a:r>
+            <a:r>
+              <a:rPr lang="en-US" sz="1000" dirty="0" smtClean="0"/>
+              <a:t> </a:t>
+            </a:r>
+            <a:r>
+              <a:rPr lang="en-US" sz="1000" dirty="0" err="1" smtClean="0"/>
+              <a:t>bảo</a:t>
+            </a:r>
+            <a:r>
+              <a:rPr lang="en-US" sz="1000" dirty="0" smtClean="0"/>
+              <a:t> </a:t>
+            </a:r>
+            <a:r>
+              <a:rPr lang="en-US" sz="1000" dirty="0" err="1" smtClean="0"/>
+              <a:t>được</a:t>
+            </a:r>
+            <a:r>
+              <a:rPr lang="en-US" sz="1000" dirty="0" smtClean="0"/>
+              <a:t> </a:t>
+            </a:r>
+            <a:r>
+              <a:rPr lang="en-US" sz="1000" dirty="0" err="1" smtClean="0"/>
+              <a:t>người</a:t>
+            </a:r>
+            <a:r>
+              <a:rPr lang="en-US" sz="1000" dirty="0" smtClean="0"/>
+              <a:t> </a:t>
+            </a:r>
+            <a:r>
+              <a:rPr lang="en-US" sz="1000" dirty="0" err="1" smtClean="0"/>
+              <a:t>dùng</a:t>
+            </a:r>
+            <a:r>
+              <a:rPr lang="en-US" sz="1000" dirty="0" smtClean="0"/>
+              <a:t> </a:t>
+            </a:r>
+            <a:r>
+              <a:rPr lang="en-US" sz="1000" dirty="0" err="1" smtClean="0"/>
+              <a:t>thiết</a:t>
+            </a:r>
+            <a:r>
+              <a:rPr lang="en-US" sz="1000" dirty="0" smtClean="0"/>
+              <a:t> </a:t>
+            </a:r>
+            <a:r>
+              <a:rPr lang="en-US" sz="1000" dirty="0" err="1" smtClean="0"/>
+              <a:t>lập</a:t>
+            </a:r>
+            <a:r>
+              <a:rPr lang="en-US" sz="1000" dirty="0" smtClean="0"/>
+              <a:t> </a:t>
+            </a:r>
+            <a:r>
+              <a:rPr lang="en-US" sz="1000" dirty="0" err="1" smtClean="0"/>
+              <a:t>trên</a:t>
+            </a:r>
+            <a:r>
+              <a:rPr lang="en-US" sz="1000" dirty="0" smtClean="0"/>
+              <a:t> </a:t>
+            </a:r>
+            <a:r>
+              <a:rPr lang="en-US" sz="1000" dirty="0" err="1" smtClean="0"/>
+              <a:t>ứng</a:t>
+            </a:r>
+            <a:r>
+              <a:rPr lang="en-US" sz="1000" dirty="0" smtClean="0"/>
+              <a:t> </a:t>
+            </a:r>
+            <a:r>
+              <a:rPr lang="en-US" sz="1000" dirty="0" err="1" smtClean="0"/>
+              <a:t>dụng</a:t>
+            </a:r>
+            <a:r>
+              <a:rPr lang="en-US" sz="1000" dirty="0" smtClean="0"/>
+              <a:t> </a:t>
+            </a:r>
+            <a:r>
+              <a:rPr lang="en-US" sz="1000" dirty="0" err="1" smtClean="0"/>
+              <a:t>điện</a:t>
+            </a:r>
+            <a:r>
+              <a:rPr lang="en-US" sz="1000" dirty="0" smtClean="0"/>
+              <a:t> </a:t>
+            </a:r>
+            <a:r>
+              <a:rPr lang="en-US" sz="1000" dirty="0" err="1" smtClean="0"/>
+              <a:t>thoại</a:t>
+            </a:r>
+            <a:r>
+              <a:rPr lang="en-US" sz="1000" dirty="0" smtClean="0"/>
+              <a:t>, </a:t>
+            </a:r>
+            <a:r>
+              <a:rPr lang="en-US" sz="1000" dirty="0" err="1" smtClean="0"/>
+              <a:t>Điện</a:t>
+            </a:r>
+            <a:r>
+              <a:rPr lang="en-US" sz="1000" dirty="0" smtClean="0"/>
+              <a:t> </a:t>
+            </a:r>
+            <a:r>
+              <a:rPr lang="en-US" sz="1000" dirty="0" err="1" smtClean="0"/>
+              <a:t>thoại</a:t>
+            </a:r>
+            <a:r>
+              <a:rPr lang="en-US" sz="1000" dirty="0" smtClean="0"/>
+              <a:t> </a:t>
+            </a:r>
+            <a:r>
+              <a:rPr lang="en-US" sz="1000" dirty="0" err="1" smtClean="0"/>
+              <a:t>sẽ</a:t>
+            </a:r>
+            <a:r>
+              <a:rPr lang="en-US" sz="1000" dirty="0" smtClean="0"/>
+              <a:t> </a:t>
+            </a:r>
+            <a:r>
+              <a:rPr lang="en-US" sz="1000" dirty="0" err="1" smtClean="0"/>
+              <a:t>cảnh</a:t>
+            </a:r>
+            <a:r>
+              <a:rPr lang="en-US" sz="1000" dirty="0" smtClean="0"/>
+              <a:t> </a:t>
+            </a:r>
+            <a:r>
+              <a:rPr lang="en-US" sz="1000" dirty="0" err="1" smtClean="0"/>
+              <a:t>báo</a:t>
+            </a:r>
+            <a:r>
+              <a:rPr lang="en-US" sz="1000" dirty="0" smtClean="0"/>
+              <a:t> </a:t>
+            </a:r>
+            <a:r>
+              <a:rPr lang="en-US" sz="1000" dirty="0" err="1" smtClean="0"/>
+              <a:t>với</a:t>
+            </a:r>
+            <a:r>
+              <a:rPr lang="en-US" sz="1000" dirty="0" smtClean="0"/>
+              <a:t> </a:t>
+            </a:r>
+            <a:r>
+              <a:rPr lang="en-US" sz="1000" dirty="0" err="1" smtClean="0"/>
+              <a:t>người</a:t>
+            </a:r>
+            <a:r>
+              <a:rPr lang="en-US" sz="1000" dirty="0" smtClean="0"/>
+              <a:t> </a:t>
+            </a:r>
+            <a:r>
+              <a:rPr lang="en-US" sz="1000" dirty="0" err="1" smtClean="0"/>
+              <a:t>dùng</a:t>
+            </a:r>
+            <a:r>
+              <a:rPr lang="en-US" sz="1000" dirty="0" smtClean="0"/>
+              <a:t> </a:t>
+            </a:r>
+            <a:r>
+              <a:rPr lang="en-US" sz="1000" dirty="0" err="1" smtClean="0"/>
+              <a:t>mức</a:t>
+            </a:r>
+            <a:r>
+              <a:rPr lang="en-US" sz="1000" dirty="0" smtClean="0"/>
+              <a:t> </a:t>
+            </a:r>
+            <a:r>
+              <a:rPr lang="en-US" sz="1000" dirty="0" err="1" smtClean="0"/>
+              <a:t>nhiệt</a:t>
+            </a:r>
+            <a:r>
+              <a:rPr lang="en-US" sz="1000" dirty="0" smtClean="0"/>
+              <a:t> </a:t>
+            </a:r>
+            <a:r>
+              <a:rPr lang="en-US" sz="1000" dirty="0" err="1" smtClean="0"/>
+              <a:t>vượt</a:t>
+            </a:r>
+            <a:r>
+              <a:rPr lang="en-US" sz="1000" dirty="0" smtClean="0"/>
+              <a:t> </a:t>
+            </a:r>
+            <a:r>
+              <a:rPr lang="en-US" sz="1000" dirty="0" err="1" smtClean="0"/>
+              <a:t>ngưỡng</a:t>
+            </a:r>
+            <a:r>
+              <a:rPr lang="en-US" sz="1000" dirty="0" smtClean="0"/>
+              <a:t> </a:t>
+            </a:r>
+            <a:r>
+              <a:rPr lang="en-US" sz="1000" dirty="0" err="1" smtClean="0"/>
+              <a:t>cho</a:t>
+            </a:r>
+            <a:r>
+              <a:rPr lang="en-US" sz="1000" dirty="0" smtClean="0"/>
+              <a:t> </a:t>
+            </a:r>
+            <a:r>
+              <a:rPr lang="en-US" sz="1000" dirty="0" err="1" smtClean="0"/>
+              <a:t>phép</a:t>
+            </a:r>
+            <a:endParaRPr lang="en-US" sz="1000" dirty="0" smtClean="0"/>
+          </a:p>
+        </p:txBody>
+      </p:sp>
+      <p:sp>
+        <p:nvSpPr>
+          <p:cNvPr id="65" name="TextBox 64"/>
+          <p:cNvSpPr txBox="1"/>
+          <p:nvPr/>
+        </p:nvSpPr>
+        <p:spPr>
+          <a:xfrm>
+            <a:off x="2971800" y="8391689"/>
+            <a:ext cx="3886200" cy="1361911"/>
+          </a:xfrm>
+          <a:prstGeom prst="rect">
+            <a:avLst/>
+          </a:prstGeom>
+          <a:noFill/>
+        </p:spPr>
+        <p:txBody>
+          <a:bodyPr wrap="square" rtlCol="0">
+            <a:spAutoFit/>
+          </a:bodyPr>
+          <a:lstStyle/>
+          <a:p>
+            <a:pPr>
+              <a:lnSpc>
+                <a:spcPct val="150000"/>
+              </a:lnSpc>
+            </a:pPr>
+            <a:r>
+              <a:rPr lang="en-US" sz="1100" dirty="0" err="1" smtClean="0">
+                <a:solidFill>
+                  <a:schemeClr val="accent6">
+                    <a:lumMod val="50000"/>
+                  </a:schemeClr>
+                </a:solidFill>
+              </a:rPr>
+              <a:t>Ngôn</a:t>
+            </a:r>
+            <a:r>
+              <a:rPr lang="en-US" sz="1100" dirty="0" smtClean="0">
+                <a:solidFill>
+                  <a:schemeClr val="accent6">
+                    <a:lumMod val="50000"/>
+                  </a:schemeClr>
+                </a:solidFill>
+              </a:rPr>
+              <a:t> </a:t>
+            </a:r>
+            <a:r>
+              <a:rPr lang="en-US" sz="1100" dirty="0" err="1" smtClean="0">
+                <a:solidFill>
+                  <a:schemeClr val="accent6">
+                    <a:lumMod val="50000"/>
+                  </a:schemeClr>
+                </a:solidFill>
+              </a:rPr>
+              <a:t>ngữ</a:t>
+            </a:r>
+            <a:r>
+              <a:rPr lang="en-US" sz="1100" dirty="0" smtClean="0">
+                <a:solidFill>
+                  <a:schemeClr val="accent6">
+                    <a:lumMod val="50000"/>
+                  </a:schemeClr>
+                </a:solidFill>
+              </a:rPr>
+              <a:t> </a:t>
+            </a:r>
+            <a:r>
+              <a:rPr lang="en-US" sz="1100" dirty="0" err="1" smtClean="0">
+                <a:solidFill>
+                  <a:schemeClr val="accent6">
+                    <a:lumMod val="50000"/>
+                  </a:schemeClr>
+                </a:solidFill>
+              </a:rPr>
+              <a:t>và</a:t>
+            </a:r>
+            <a:r>
+              <a:rPr lang="en-US" sz="1100" dirty="0" smtClean="0">
+                <a:solidFill>
+                  <a:schemeClr val="accent6">
+                    <a:lumMod val="50000"/>
+                  </a:schemeClr>
+                </a:solidFill>
+              </a:rPr>
+              <a:t> </a:t>
+            </a:r>
+            <a:r>
+              <a:rPr lang="en-US" sz="1100" dirty="0" err="1" smtClean="0">
+                <a:solidFill>
+                  <a:schemeClr val="accent6">
+                    <a:lumMod val="50000"/>
+                  </a:schemeClr>
+                </a:solidFill>
+              </a:rPr>
+              <a:t>framwork</a:t>
+            </a:r>
+            <a:r>
+              <a:rPr lang="en-US" sz="1100" dirty="0" smtClean="0">
+                <a:solidFill>
+                  <a:schemeClr val="accent6">
+                    <a:lumMod val="50000"/>
+                  </a:schemeClr>
+                </a:solidFill>
+              </a:rPr>
+              <a:t>: Java, </a:t>
+            </a:r>
+            <a:r>
+              <a:rPr lang="en-US" sz="1100" dirty="0" err="1" smtClean="0">
+                <a:solidFill>
+                  <a:schemeClr val="accent6">
+                    <a:lumMod val="50000"/>
+                  </a:schemeClr>
+                </a:solidFill>
+              </a:rPr>
+              <a:t>Javascript</a:t>
+            </a:r>
+            <a:r>
+              <a:rPr lang="en-US" sz="1100" dirty="0" smtClean="0">
+                <a:solidFill>
+                  <a:schemeClr val="accent6">
+                    <a:lumMod val="50000"/>
+                  </a:schemeClr>
+                </a:solidFill>
+              </a:rPr>
+              <a:t>, React Native,</a:t>
+            </a:r>
+          </a:p>
+          <a:p>
+            <a:pPr>
+              <a:lnSpc>
+                <a:spcPct val="150000"/>
+              </a:lnSpc>
+            </a:pPr>
+            <a:r>
+              <a:rPr lang="en-US" sz="1100" dirty="0" err="1" smtClean="0">
+                <a:solidFill>
+                  <a:schemeClr val="accent6">
+                    <a:lumMod val="50000"/>
+                  </a:schemeClr>
+                </a:solidFill>
+              </a:rPr>
+              <a:t>Công</a:t>
+            </a:r>
+            <a:r>
+              <a:rPr lang="en-US" sz="1100" dirty="0" smtClean="0">
+                <a:solidFill>
+                  <a:schemeClr val="accent6">
+                    <a:lumMod val="50000"/>
+                  </a:schemeClr>
+                </a:solidFill>
+              </a:rPr>
+              <a:t> </a:t>
+            </a:r>
+            <a:r>
+              <a:rPr lang="en-US" sz="1100" dirty="0" err="1" smtClean="0">
+                <a:solidFill>
+                  <a:schemeClr val="accent6">
+                    <a:lumMod val="50000"/>
+                  </a:schemeClr>
+                </a:solidFill>
+              </a:rPr>
+              <a:t>cụ</a:t>
+            </a:r>
+            <a:r>
+              <a:rPr lang="en-US" sz="1100" dirty="0" smtClean="0">
+                <a:solidFill>
+                  <a:schemeClr val="accent6">
+                    <a:lumMod val="50000"/>
+                  </a:schemeClr>
+                </a:solidFill>
+              </a:rPr>
+              <a:t> </a:t>
+            </a:r>
+            <a:r>
+              <a:rPr lang="en-US" sz="1100" dirty="0" err="1" smtClean="0">
+                <a:solidFill>
+                  <a:schemeClr val="accent6">
+                    <a:lumMod val="50000"/>
+                  </a:schemeClr>
+                </a:solidFill>
+              </a:rPr>
+              <a:t>sử</a:t>
+            </a:r>
+            <a:r>
+              <a:rPr lang="en-US" sz="1100" dirty="0" smtClean="0">
+                <a:solidFill>
+                  <a:schemeClr val="accent6">
+                    <a:lumMod val="50000"/>
+                  </a:schemeClr>
+                </a:solidFill>
+              </a:rPr>
+              <a:t> </a:t>
+            </a:r>
+            <a:r>
+              <a:rPr lang="en-US" sz="1100" dirty="0" err="1" smtClean="0">
+                <a:solidFill>
+                  <a:schemeClr val="accent6">
+                    <a:lumMod val="50000"/>
+                  </a:schemeClr>
+                </a:solidFill>
+              </a:rPr>
+              <a:t>dụng</a:t>
+            </a:r>
+            <a:r>
+              <a:rPr lang="en-US" sz="1100" dirty="0" smtClean="0">
+                <a:solidFill>
+                  <a:schemeClr val="accent6">
+                    <a:lumMod val="50000"/>
+                  </a:schemeClr>
+                </a:solidFill>
+              </a:rPr>
+              <a:t>: </a:t>
+            </a:r>
+            <a:r>
+              <a:rPr lang="en-US" sz="1100" dirty="0" err="1" smtClean="0">
+                <a:solidFill>
+                  <a:schemeClr val="accent6">
+                    <a:lumMod val="50000"/>
+                  </a:schemeClr>
+                </a:solidFill>
+              </a:rPr>
+              <a:t>Webstorm</a:t>
+            </a:r>
+            <a:r>
+              <a:rPr lang="en-US" sz="1100" dirty="0" smtClean="0">
+                <a:solidFill>
+                  <a:schemeClr val="accent6">
+                    <a:lumMod val="50000"/>
+                  </a:schemeClr>
+                </a:solidFill>
+              </a:rPr>
+              <a:t>, </a:t>
+            </a:r>
+            <a:r>
+              <a:rPr lang="en-US" sz="1100" dirty="0" err="1" smtClean="0">
+                <a:solidFill>
+                  <a:schemeClr val="accent6">
+                    <a:lumMod val="50000"/>
+                  </a:schemeClr>
+                </a:solidFill>
+              </a:rPr>
+              <a:t>VisualStudio</a:t>
+            </a:r>
+            <a:r>
+              <a:rPr lang="en-US" sz="1100" dirty="0" smtClean="0">
+                <a:solidFill>
+                  <a:schemeClr val="accent6">
+                    <a:lumMod val="50000"/>
+                  </a:schemeClr>
+                </a:solidFill>
+              </a:rPr>
+              <a:t> Code, </a:t>
+            </a:r>
+            <a:r>
+              <a:rPr lang="en-US" sz="1100" dirty="0" err="1" smtClean="0">
+                <a:solidFill>
+                  <a:schemeClr val="accent6">
+                    <a:lumMod val="50000"/>
+                  </a:schemeClr>
+                </a:solidFill>
+              </a:rPr>
+              <a:t>Figma</a:t>
+            </a:r>
+            <a:r>
+              <a:rPr lang="en-US" sz="1100" dirty="0" smtClean="0">
+                <a:solidFill>
+                  <a:schemeClr val="accent6">
+                    <a:lumMod val="50000"/>
+                  </a:schemeClr>
+                </a:solidFill>
+              </a:rPr>
+              <a:t>, Android studio, </a:t>
+            </a:r>
+            <a:r>
+              <a:rPr lang="en-US" sz="1100" dirty="0" err="1" smtClean="0">
+                <a:solidFill>
+                  <a:schemeClr val="accent6">
+                    <a:lumMod val="50000"/>
+                  </a:schemeClr>
+                </a:solidFill>
+              </a:rPr>
+              <a:t>Xcode</a:t>
+            </a:r>
+            <a:r>
+              <a:rPr lang="en-US" sz="1100" dirty="0" smtClean="0">
+                <a:solidFill>
+                  <a:schemeClr val="accent6">
+                    <a:lumMod val="50000"/>
+                  </a:schemeClr>
+                </a:solidFill>
+              </a:rPr>
+              <a:t>.</a:t>
+            </a:r>
+          </a:p>
+          <a:p>
+            <a:pPr>
+              <a:lnSpc>
+                <a:spcPct val="150000"/>
+              </a:lnSpc>
+            </a:pPr>
+            <a:r>
+              <a:rPr lang="en-US" sz="1100" dirty="0" err="1" smtClean="0">
+                <a:solidFill>
+                  <a:schemeClr val="accent6">
+                    <a:lumMod val="50000"/>
+                  </a:schemeClr>
+                </a:solidFill>
+              </a:rPr>
+              <a:t>Công</a:t>
+            </a:r>
+            <a:r>
+              <a:rPr lang="en-US" sz="1100" dirty="0" smtClean="0">
+                <a:solidFill>
+                  <a:schemeClr val="accent6">
+                    <a:lumMod val="50000"/>
+                  </a:schemeClr>
+                </a:solidFill>
+              </a:rPr>
+              <a:t> </a:t>
+            </a:r>
+            <a:r>
+              <a:rPr lang="en-US" sz="1100" dirty="0" err="1" smtClean="0">
+                <a:solidFill>
+                  <a:schemeClr val="accent6">
+                    <a:lumMod val="50000"/>
+                  </a:schemeClr>
+                </a:solidFill>
+              </a:rPr>
+              <a:t>nghệ</a:t>
+            </a:r>
+            <a:r>
+              <a:rPr lang="en-US" sz="1100" dirty="0" smtClean="0">
+                <a:solidFill>
+                  <a:schemeClr val="accent6">
+                    <a:lumMod val="50000"/>
+                  </a:schemeClr>
+                </a:solidFill>
+              </a:rPr>
+              <a:t> </a:t>
+            </a:r>
+            <a:r>
+              <a:rPr lang="en-US" sz="1100" dirty="0" err="1" smtClean="0">
+                <a:solidFill>
+                  <a:schemeClr val="accent6">
+                    <a:lumMod val="50000"/>
+                  </a:schemeClr>
+                </a:solidFill>
+              </a:rPr>
+              <a:t>sử</a:t>
+            </a:r>
+            <a:r>
+              <a:rPr lang="en-US" sz="1100" dirty="0" smtClean="0">
+                <a:solidFill>
+                  <a:schemeClr val="accent6">
+                    <a:lumMod val="50000"/>
+                  </a:schemeClr>
+                </a:solidFill>
+              </a:rPr>
+              <a:t> </a:t>
+            </a:r>
+            <a:r>
+              <a:rPr lang="en-US" sz="1100" dirty="0" err="1" smtClean="0">
+                <a:solidFill>
+                  <a:schemeClr val="accent6">
+                    <a:lumMod val="50000"/>
+                  </a:schemeClr>
+                </a:solidFill>
+              </a:rPr>
+              <a:t>dụng</a:t>
+            </a:r>
+            <a:r>
+              <a:rPr lang="en-US" sz="1100" dirty="0" smtClean="0">
+                <a:solidFill>
+                  <a:schemeClr val="accent6">
+                    <a:lumMod val="50000"/>
+                  </a:schemeClr>
+                </a:solidFill>
+              </a:rPr>
+              <a:t>: </a:t>
+            </a:r>
+            <a:r>
+              <a:rPr lang="en-US" sz="1100" dirty="0" err="1" smtClean="0">
+                <a:solidFill>
+                  <a:schemeClr val="accent6">
+                    <a:lumMod val="50000"/>
+                  </a:schemeClr>
+                </a:solidFill>
+              </a:rPr>
+              <a:t>GoogleMap</a:t>
+            </a:r>
+            <a:r>
+              <a:rPr lang="en-US" sz="1100" dirty="0" smtClean="0">
+                <a:solidFill>
+                  <a:schemeClr val="accent6">
+                    <a:lumMod val="50000"/>
+                  </a:schemeClr>
+                </a:solidFill>
+              </a:rPr>
+              <a:t>, </a:t>
+            </a:r>
+            <a:r>
+              <a:rPr lang="en-US" sz="1100" dirty="0" err="1" smtClean="0">
+                <a:solidFill>
+                  <a:schemeClr val="accent6">
+                    <a:lumMod val="50000"/>
+                  </a:schemeClr>
+                </a:solidFill>
+              </a:rPr>
+              <a:t>OnePay</a:t>
+            </a:r>
+            <a:r>
+              <a:rPr lang="en-US" sz="1100" dirty="0" smtClean="0">
+                <a:solidFill>
+                  <a:schemeClr val="accent6">
+                    <a:lumMod val="50000"/>
+                  </a:schemeClr>
+                </a:solidFill>
+              </a:rPr>
+              <a:t>, Firebase, QR code,…</a:t>
+            </a:r>
+          </a:p>
+          <a:p>
+            <a:pPr>
+              <a:lnSpc>
+                <a:spcPct val="150000"/>
+              </a:lnSpc>
+            </a:pPr>
+            <a:r>
+              <a:rPr lang="en-US" sz="1100" dirty="0" smtClean="0">
+                <a:solidFill>
+                  <a:schemeClr val="accent6">
+                    <a:lumMod val="50000"/>
+                  </a:schemeClr>
+                </a:solidFill>
+              </a:rPr>
+              <a:t>Deploy </a:t>
+            </a:r>
+            <a:r>
+              <a:rPr lang="en-US" sz="1100" dirty="0" err="1" smtClean="0">
+                <a:solidFill>
+                  <a:schemeClr val="accent6">
+                    <a:lumMod val="50000"/>
+                  </a:schemeClr>
+                </a:solidFill>
+              </a:rPr>
+              <a:t>phần</a:t>
+            </a:r>
+            <a:r>
+              <a:rPr lang="en-US" sz="1100" dirty="0" smtClean="0">
+                <a:solidFill>
+                  <a:schemeClr val="accent6">
+                    <a:lumMod val="50000"/>
+                  </a:schemeClr>
+                </a:solidFill>
+              </a:rPr>
+              <a:t> </a:t>
+            </a:r>
+            <a:r>
+              <a:rPr lang="en-US" sz="1100" dirty="0" err="1" smtClean="0">
+                <a:solidFill>
+                  <a:schemeClr val="accent6">
+                    <a:lumMod val="50000"/>
+                  </a:schemeClr>
+                </a:solidFill>
+              </a:rPr>
+              <a:t>mềm</a:t>
+            </a:r>
+            <a:r>
+              <a:rPr lang="en-US" sz="1100" dirty="0" smtClean="0">
+                <a:solidFill>
+                  <a:schemeClr val="accent6">
+                    <a:lumMod val="50000"/>
+                  </a:schemeClr>
+                </a:solidFill>
+              </a:rPr>
+              <a:t> </a:t>
+            </a:r>
+            <a:r>
+              <a:rPr lang="en-US" sz="1100" dirty="0" err="1" smtClean="0">
+                <a:solidFill>
+                  <a:schemeClr val="accent6">
+                    <a:lumMod val="50000"/>
+                  </a:schemeClr>
+                </a:solidFill>
+              </a:rPr>
+              <a:t>trên</a:t>
+            </a:r>
+            <a:r>
+              <a:rPr lang="en-US" sz="1100" dirty="0" smtClean="0">
+                <a:solidFill>
+                  <a:schemeClr val="accent6">
+                    <a:lumMod val="50000"/>
+                  </a:schemeClr>
+                </a:solidFill>
+              </a:rPr>
+              <a:t> Apple Store </a:t>
+            </a:r>
+            <a:r>
+              <a:rPr lang="en-US" sz="1100" dirty="0" err="1" smtClean="0">
+                <a:solidFill>
+                  <a:schemeClr val="accent6">
+                    <a:lumMod val="50000"/>
+                  </a:schemeClr>
+                </a:solidFill>
+              </a:rPr>
+              <a:t>và</a:t>
+            </a:r>
+            <a:r>
+              <a:rPr lang="en-US" sz="1100" dirty="0" smtClean="0">
+                <a:solidFill>
+                  <a:schemeClr val="accent6">
+                    <a:lumMod val="50000"/>
+                  </a:schemeClr>
+                </a:solidFill>
+              </a:rPr>
+              <a:t> Google Play Store.</a:t>
+            </a:r>
+          </a:p>
+        </p:txBody>
+      </p:sp>
+      <p:pic>
+        <p:nvPicPr>
+          <p:cNvPr id="2" name="Picture 4" descr="Human Head Icon Images - Free Download on Freepik"/>
+          <p:cNvPicPr>
+            <a:picLocks noChangeAspect="1" noChangeArrowheads="1"/>
+          </p:cNvPicPr>
+          <p:nvPr/>
+        </p:nvPicPr>
+        <p:blipFill>
+          <a:blip r:embed="rId11" cstate="print">
+            <a:extLst>
+              <a:ext uri="{28A0092B-C50C-407E-A947-70E740481C1C}">
+                <a14:useLocalDpi xmlns:a14="http://schemas.microsoft.com/office/drawing/2010/main" val="0"/>
+              </a:ext>
+            </a:extLst>
+          </a:blip>
+          <a:srcRect/>
+          <a:stretch>
+            <a:fillRect/>
+          </a:stretch>
+        </p:blipFill>
+        <p:spPr bwMode="auto">
+          <a:xfrm>
+            <a:off x="2651879" y="8157044"/>
+            <a:ext cx="258062" cy="258062"/>
+          </a:xfrm>
+          <a:prstGeom prst="rect">
+            <a:avLst/>
+          </a:prstGeom>
+          <a:noFill/>
+          <a:extLst>
+            <a:ext uri="{909E8E84-426E-40DD-AFC4-6F175D3DCCD1}">
+              <a14:hiddenFill xmlns:a14="http://schemas.microsoft.com/office/drawing/2010/main">
+                <a:solidFill>
+                  <a:srgbClr val="FFFFFF"/>
+                </a:solidFill>
+              </a14:hiddenFill>
+            </a:ext>
+          </a:extLst>
+        </p:spPr>
+      </p:pic>
+      <p:sp>
+        <p:nvSpPr>
+          <p:cNvPr id="66" name="TextBox 65"/>
+          <p:cNvSpPr txBox="1"/>
+          <p:nvPr/>
+        </p:nvSpPr>
+        <p:spPr>
+          <a:xfrm>
+            <a:off x="2928952" y="8119945"/>
+            <a:ext cx="2285113" cy="307777"/>
+          </a:xfrm>
+          <a:prstGeom prst="rect">
+            <a:avLst/>
+          </a:prstGeom>
+          <a:noFill/>
+        </p:spPr>
+        <p:txBody>
+          <a:bodyPr wrap="none" rtlCol="0">
+            <a:spAutoFit/>
+          </a:bodyPr>
+          <a:lstStyle/>
+          <a:p>
+            <a:r>
+              <a:rPr lang="en-US" sz="1400" b="1" dirty="0" smtClean="0">
+                <a:solidFill>
+                  <a:srgbClr val="00B0F0"/>
+                </a:solidFill>
+              </a:rPr>
+              <a:t>KIẾN THỨC CHUYÊN NGÀNH</a:t>
+            </a:r>
+            <a:endParaRPr lang="en-US" sz="1400" b="1" dirty="0">
+              <a:solidFill>
+                <a:srgbClr val="00B0F0"/>
+              </a:solidFill>
+            </a:endParaRPr>
+          </a:p>
+        </p:txBody>
+      </p:sp>
+      <p:cxnSp>
+        <p:nvCxnSpPr>
+          <p:cNvPr id="67" name="Straight Connector 66"/>
+          <p:cNvCxnSpPr/>
+          <p:nvPr/>
+        </p:nvCxnSpPr>
+        <p:spPr>
+          <a:xfrm>
+            <a:off x="3005152" y="8383494"/>
+            <a:ext cx="3733800" cy="0"/>
+          </a:xfrm>
+          <a:prstGeom prst="line">
+            <a:avLst/>
+          </a:prstGeom>
         </p:spPr>
         <p:style>
-          <a:lnRef idx="2">
-            <a:schemeClr val="accent1">
-              <a:shade val="50000"/>
-            </a:schemeClr>
+          <a:lnRef idx="1">
+            <a:schemeClr val="accent1"/>
           </a:lnRef>
-          <a:fillRef idx="1">
+          <a:fillRef idx="0">
             <a:schemeClr val="accent1"/>
           </a:fillRef>
           <a:effectRef idx="0">
             <a:schemeClr val="accent1"/>
           </a:effectRef>
           <a:fontRef idx="minor">
-            <a:schemeClr val="lt1"/>
+            <a:schemeClr val="tx1"/>
           </a:fontRef>
         </p:style>
-        <p:txBody>
-          <a:bodyPr rtlCol="0" anchor="ctr"/>
-          <a:lstStyle/>
-          <a:p>
-            <a:pPr algn="ctr"/>
-            <a:endParaRPr lang="en-US"/>
-          </a:p>
-        </p:txBody>
-      </p:sp>
-      <p:sp>
-        <p:nvSpPr>
-          <p:cNvPr id="57" name="Rectangle 56"/>
-          <p:cNvSpPr/>
-          <p:nvPr/>
-        </p:nvSpPr>
-        <p:spPr>
-          <a:xfrm>
-            <a:off x="1075962" y="6374602"/>
-            <a:ext cx="981438" cy="70696"/>
-          </a:xfrm>
-          <a:prstGeom prst="rect">
-            <a:avLst/>
-          </a:prstGeom>
-          <a:solidFill>
-            <a:srgbClr val="00B0F0"/>
-          </a:solidFill>
-          <a:ln>
-            <a:noFill/>
-          </a:ln>
-        </p:spPr>
-        <p:style>
-          <a:lnRef idx="2">
-            <a:schemeClr val="accent1">
-              <a:shade val="50000"/>
-            </a:schemeClr>
-          </a:lnRef>
-          <a:fillRef idx="1">
-            <a:schemeClr val="accent1"/>
-          </a:fillRef>
-          <a:effectRef idx="0">
-            <a:schemeClr val="accent1"/>
-          </a:effectRef>
-          <a:fontRef idx="minor">
-            <a:schemeClr val="lt1"/>
-          </a:fontRef>
-        </p:style>
-        <p:txBody>
-          <a:bodyPr rtlCol="0" anchor="ctr"/>
-          <a:lstStyle/>
-          <a:p>
-            <a:pPr algn="ctr"/>
-            <a:endParaRPr lang="en-US"/>
-          </a:p>
-        </p:txBody>
-      </p:sp>
+      </p:cxnSp>
     </p:spTree>
     <p:extLst>
       <p:ext uri="{BB962C8B-B14F-4D97-AF65-F5344CB8AC3E}">

--- a/CV_Dam_Van_Thuc_React_Native.pptx
+++ b/CV_Dam_Van_Thuc_React_Native.pptx
@@ -288,7 +288,7 @@
           <a:p>
             <a:fld id="{7B4A76A4-8ADE-4AB5-BBF1-4EC090059790}" type="datetimeFigureOut">
               <a:rPr lang="en-US" smtClean="0"/>
-              <a:t>2/12/2023</a:t>
+              <a:t>2/14/2023</a:t>
             </a:fld>
             <a:endParaRPr lang="en-US"/>
           </a:p>
@@ -458,7 +458,7 @@
           <a:p>
             <a:fld id="{7B4A76A4-8ADE-4AB5-BBF1-4EC090059790}" type="datetimeFigureOut">
               <a:rPr lang="en-US" smtClean="0"/>
-              <a:t>2/12/2023</a:t>
+              <a:t>2/14/2023</a:t>
             </a:fld>
             <a:endParaRPr lang="en-US"/>
           </a:p>
@@ -638,7 +638,7 @@
           <a:p>
             <a:fld id="{7B4A76A4-8ADE-4AB5-BBF1-4EC090059790}" type="datetimeFigureOut">
               <a:rPr lang="en-US" smtClean="0"/>
-              <a:t>2/12/2023</a:t>
+              <a:t>2/14/2023</a:t>
             </a:fld>
             <a:endParaRPr lang="en-US"/>
           </a:p>
@@ -808,7 +808,7 @@
           <a:p>
             <a:fld id="{7B4A76A4-8ADE-4AB5-BBF1-4EC090059790}" type="datetimeFigureOut">
               <a:rPr lang="en-US" smtClean="0"/>
-              <a:t>2/12/2023</a:t>
+              <a:t>2/14/2023</a:t>
             </a:fld>
             <a:endParaRPr lang="en-US"/>
           </a:p>
@@ -1054,7 +1054,7 @@
           <a:p>
             <a:fld id="{7B4A76A4-8ADE-4AB5-BBF1-4EC090059790}" type="datetimeFigureOut">
               <a:rPr lang="en-US" smtClean="0"/>
-              <a:t>2/12/2023</a:t>
+              <a:t>2/14/2023</a:t>
             </a:fld>
             <a:endParaRPr lang="en-US"/>
           </a:p>
@@ -1342,7 +1342,7 @@
           <a:p>
             <a:fld id="{7B4A76A4-8ADE-4AB5-BBF1-4EC090059790}" type="datetimeFigureOut">
               <a:rPr lang="en-US" smtClean="0"/>
-              <a:t>2/12/2023</a:t>
+              <a:t>2/14/2023</a:t>
             </a:fld>
             <a:endParaRPr lang="en-US"/>
           </a:p>
@@ -1769,7 +1769,7 @@
           <a:p>
             <a:fld id="{7B4A76A4-8ADE-4AB5-BBF1-4EC090059790}" type="datetimeFigureOut">
               <a:rPr lang="en-US" smtClean="0"/>
-              <a:t>2/12/2023</a:t>
+              <a:t>2/14/2023</a:t>
             </a:fld>
             <a:endParaRPr lang="en-US"/>
           </a:p>
@@ -1887,7 +1887,7 @@
           <a:p>
             <a:fld id="{7B4A76A4-8ADE-4AB5-BBF1-4EC090059790}" type="datetimeFigureOut">
               <a:rPr lang="en-US" smtClean="0"/>
-              <a:t>2/12/2023</a:t>
+              <a:t>2/14/2023</a:t>
             </a:fld>
             <a:endParaRPr lang="en-US"/>
           </a:p>
@@ -1982,7 +1982,7 @@
           <a:p>
             <a:fld id="{7B4A76A4-8ADE-4AB5-BBF1-4EC090059790}" type="datetimeFigureOut">
               <a:rPr lang="en-US" smtClean="0"/>
-              <a:t>2/12/2023</a:t>
+              <a:t>2/14/2023</a:t>
             </a:fld>
             <a:endParaRPr lang="en-US"/>
           </a:p>
@@ -2259,7 +2259,7 @@
           <a:p>
             <a:fld id="{7B4A76A4-8ADE-4AB5-BBF1-4EC090059790}" type="datetimeFigureOut">
               <a:rPr lang="en-US" smtClean="0"/>
-              <a:t>2/12/2023</a:t>
+              <a:t>2/14/2023</a:t>
             </a:fld>
             <a:endParaRPr lang="en-US"/>
           </a:p>
@@ -2512,7 +2512,7 @@
           <a:p>
             <a:fld id="{7B4A76A4-8ADE-4AB5-BBF1-4EC090059790}" type="datetimeFigureOut">
               <a:rPr lang="en-US" smtClean="0"/>
-              <a:t>2/12/2023</a:t>
+              <a:t>2/14/2023</a:t>
             </a:fld>
             <a:endParaRPr lang="en-US"/>
           </a:p>
@@ -2725,7 +2725,7 @@
           <a:p>
             <a:fld id="{7B4A76A4-8ADE-4AB5-BBF1-4EC090059790}" type="datetimeFigureOut">
               <a:rPr lang="en-US" smtClean="0"/>
-              <a:t>2/12/2023</a:t>
+              <a:t>2/14/2023</a:t>
             </a:fld>
             <a:endParaRPr lang="en-US"/>
           </a:p>
@@ -3328,15 +3328,7 @@
                   <a:schemeClr val="bg1"/>
                 </a:solidFill>
               </a:rPr>
-              <a:t>damthucmobile</a:t>
-            </a:r>
-            <a:r>
-              <a:rPr lang="en-US" sz="1100" dirty="0" smtClean="0">
-                <a:solidFill>
-                  <a:schemeClr val="bg1"/>
-                </a:solidFill>
-              </a:rPr>
-              <a:t>@gmail.com</a:t>
+              <a:t>damthucmobile@gmail.com</a:t>
             </a:r>
             <a:endParaRPr lang="en-US" sz="1100" dirty="0">
               <a:solidFill>
@@ -4989,15 +4981,7 @@
                   <a:srgbClr val="00B0F0"/>
                 </a:solidFill>
               </a:rPr>
-              <a:t>11/2018 – </a:t>
-            </a:r>
-            <a:r>
-              <a:rPr lang="en-US" sz="900" dirty="0" smtClean="0">
-                <a:solidFill>
-                  <a:srgbClr val="00B0F0"/>
-                </a:solidFill>
-              </a:rPr>
-              <a:t>04/2023</a:t>
+              <a:t>11/2018 – 04/2023</a:t>
             </a:r>
             <a:endParaRPr lang="en-US" sz="900" dirty="0">
               <a:solidFill>
@@ -5647,11 +5631,7 @@
             </a:r>
             <a:r>
               <a:rPr lang="en-US" sz="1100" dirty="0" smtClean="0"/>
-              <a:t> </a:t>
-            </a:r>
-            <a:r>
-              <a:rPr lang="en-US" sz="1100" dirty="0" smtClean="0"/>
-              <a:t>ty. Sau 5 </a:t>
+              <a:t> ty. Sau 5 </a:t>
             </a:r>
             <a:r>
               <a:rPr lang="en-US" sz="1100" dirty="0" err="1" smtClean="0"/>
@@ -5863,11 +5843,7 @@
             <a:pPr algn="just"/>
             <a:r>
               <a:rPr lang="en-US" sz="1100" b="1" dirty="0" smtClean="0"/>
-              <a:t>CÔNG </a:t>
-            </a:r>
-            <a:r>
-              <a:rPr lang="en-US" sz="1100" b="1" dirty="0" smtClean="0"/>
-              <a:t>TYCP SMILETECH CÔNG NGHỆ SỐ</a:t>
+              <a:t>CÔNG TYCP SMILETECH CÔNG NGHỆ SỐ</a:t>
             </a:r>
           </a:p>
           <a:p>
@@ -7024,7 +7000,15 @@
                   <a:srgbClr val="00B0F0"/>
                 </a:solidFill>
               </a:rPr>
-              <a:t>06/2021 </a:t>
+              <a:t>06/2021 – </a:t>
+            </a:r>
+            <a:r>
+              <a:rPr lang="en-US" sz="900" dirty="0" err="1" smtClean="0">
+                <a:solidFill>
+                  <a:srgbClr val="00B0F0"/>
+                </a:solidFill>
+              </a:rPr>
+              <a:t>Đến</a:t>
             </a:r>
             <a:r>
               <a:rPr lang="en-US" sz="900" dirty="0" smtClean="0">
@@ -7032,15 +7016,7 @@
                   <a:srgbClr val="00B0F0"/>
                 </a:solidFill>
               </a:rPr>
-              <a:t>– </a:t>
-            </a:r>
-            <a:r>
-              <a:rPr lang="en-US" sz="900" dirty="0" smtClean="0">
-                <a:solidFill>
-                  <a:srgbClr val="00B0F0"/>
-                </a:solidFill>
-              </a:rPr>
-              <a:t>02/2023</a:t>
+              <a:t> nay</a:t>
             </a:r>
             <a:endParaRPr lang="en-US" sz="900" dirty="0">
               <a:solidFill>
@@ -7231,13 +7207,8 @@
             <a:pPr algn="just"/>
             <a:r>
               <a:rPr lang="en-US" sz="1100" b="1" dirty="0" smtClean="0"/>
-              <a:t>DỰ ÁN </a:t>
-            </a:r>
-            <a:r>
-              <a:rPr lang="en-US" sz="1100" b="1" dirty="0" smtClean="0"/>
-              <a:t>OUTSOURCING</a:t>
-            </a:r>
-            <a:endParaRPr lang="en-US" sz="1100" b="1" dirty="0" smtClean="0"/>
+              <a:t>DỰ ÁN OUTSOURCING</a:t>
+            </a:r>
           </a:p>
           <a:p>
             <a:pPr marL="171450" indent="-171450" algn="just">
@@ -7678,6 +7649,10 @@
             <a:r>
               <a:rPr lang="en-US" sz="1000" dirty="0" err="1" smtClean="0"/>
               <a:t>phép</a:t>
+            </a:r>
+            <a:r>
+              <a:rPr lang="en-US" sz="1000" dirty="0" smtClean="0"/>
+              <a:t>.</a:t>
             </a:r>
             <a:endParaRPr lang="en-US" sz="1000" dirty="0" smtClean="0"/>
           </a:p>
@@ -8102,8 +8077,25 @@
                   </a:schemeClr>
                 </a:solidFill>
               </a:rPr>
-              <a:t>, Firebase, QR code,…</a:t>
-            </a:r>
+              <a:t>, Firebase</a:t>
+            </a:r>
+            <a:r>
+              <a:rPr lang="en-US" sz="1100" dirty="0" smtClean="0">
+                <a:solidFill>
+                  <a:schemeClr val="accent6">
+                    <a:lumMod val="50000"/>
+                  </a:schemeClr>
+                </a:solidFill>
+              </a:rPr>
+              <a:t>, BLE,…</a:t>
+            </a:r>
+            <a:endParaRPr lang="en-US" sz="1100" dirty="0" smtClean="0">
+              <a:solidFill>
+                <a:schemeClr val="accent6">
+                  <a:lumMod val="50000"/>
+                </a:schemeClr>
+              </a:solidFill>
+            </a:endParaRPr>
           </a:p>
           <a:p>
             <a:pPr>

--- a/CV_Dam_Van_Thuc_React_Native.pptx
+++ b/CV_Dam_Van_Thuc_React_Native.pptx
@@ -4981,7 +4981,15 @@
                   <a:srgbClr val="00B0F0"/>
                 </a:solidFill>
               </a:rPr>
-              <a:t>11/2018 – 04/2023</a:t>
+              <a:t>11/2018 – </a:t>
+            </a:r>
+            <a:r>
+              <a:rPr lang="en-US" sz="900" dirty="0" smtClean="0">
+                <a:solidFill>
+                  <a:srgbClr val="00B0F0"/>
+                </a:solidFill>
+              </a:rPr>
+              <a:t>04/2021</a:t>
             </a:r>
             <a:endParaRPr lang="en-US" sz="900" dirty="0">
               <a:solidFill>
@@ -6975,7 +6983,7 @@
         </p:nvSpPr>
         <p:spPr>
           <a:xfrm>
-            <a:off x="5794763" y="4648200"/>
+            <a:off x="5724527" y="4648200"/>
             <a:ext cx="1133473" cy="300082"/>
           </a:xfrm>
           <a:prstGeom prst="rect">
@@ -7420,239 +7428,245 @@
             </a:r>
             <a:r>
               <a:rPr lang="en-US" sz="1000" dirty="0" smtClean="0"/>
-              <a:t>, </a:t>
-            </a:r>
-            <a:r>
-              <a:rPr lang="en-US" sz="1000" dirty="0" err="1" smtClean="0"/>
-              <a:t>khi</a:t>
-            </a:r>
-            <a:r>
-              <a:rPr lang="en-US" sz="1000" dirty="0" smtClean="0"/>
-              <a:t> </a:t>
-            </a:r>
-            <a:r>
-              <a:rPr lang="en-US" sz="1000" dirty="0" err="1" smtClean="0"/>
-              <a:t>vượt</a:t>
-            </a:r>
-            <a:r>
-              <a:rPr lang="en-US" sz="1000" dirty="0" smtClean="0"/>
-              <a:t> </a:t>
-            </a:r>
-            <a:r>
-              <a:rPr lang="en-US" sz="1000" dirty="0" err="1" smtClean="0"/>
-              <a:t>ngưỡng</a:t>
-            </a:r>
-            <a:r>
-              <a:rPr lang="en-US" sz="1000" dirty="0" smtClean="0"/>
-              <a:t> </a:t>
-            </a:r>
-            <a:r>
-              <a:rPr lang="en-US" sz="1000" dirty="0" err="1" smtClean="0"/>
-              <a:t>cảnh</a:t>
-            </a:r>
-            <a:r>
-              <a:rPr lang="en-US" sz="1000" dirty="0" smtClean="0"/>
-              <a:t> </a:t>
-            </a:r>
-            <a:r>
-              <a:rPr lang="en-US" sz="1000" dirty="0" err="1" smtClean="0"/>
-              <a:t>bảo</a:t>
-            </a:r>
-            <a:r>
-              <a:rPr lang="en-US" sz="1000" dirty="0" smtClean="0"/>
-              <a:t> </a:t>
-            </a:r>
-            <a:r>
-              <a:rPr lang="en-US" sz="1000" dirty="0" err="1" smtClean="0"/>
-              <a:t>được</a:t>
-            </a:r>
-            <a:r>
-              <a:rPr lang="en-US" sz="1000" dirty="0" smtClean="0"/>
-              <a:t> </a:t>
-            </a:r>
-            <a:r>
-              <a:rPr lang="en-US" sz="1000" dirty="0" err="1" smtClean="0"/>
-              <a:t>người</a:t>
-            </a:r>
-            <a:r>
-              <a:rPr lang="en-US" sz="1000" dirty="0" smtClean="0"/>
-              <a:t> </a:t>
-            </a:r>
-            <a:r>
-              <a:rPr lang="en-US" sz="1000" dirty="0" err="1" smtClean="0"/>
-              <a:t>dùng</a:t>
-            </a:r>
-            <a:r>
-              <a:rPr lang="en-US" sz="1000" dirty="0" smtClean="0"/>
-              <a:t> </a:t>
-            </a:r>
-            <a:r>
-              <a:rPr lang="en-US" sz="1000" dirty="0" err="1" smtClean="0"/>
-              <a:t>thiết</a:t>
-            </a:r>
-            <a:r>
-              <a:rPr lang="en-US" sz="1000" dirty="0" smtClean="0"/>
-              <a:t> </a:t>
-            </a:r>
-            <a:r>
-              <a:rPr lang="en-US" sz="1000" dirty="0" err="1" smtClean="0"/>
-              <a:t>lập</a:t>
-            </a:r>
-            <a:r>
-              <a:rPr lang="en-US" sz="1000" dirty="0" smtClean="0"/>
-              <a:t> </a:t>
-            </a:r>
-            <a:r>
-              <a:rPr lang="en-US" sz="1000" dirty="0" err="1" smtClean="0"/>
-              <a:t>trên</a:t>
-            </a:r>
-            <a:r>
-              <a:rPr lang="en-US" sz="1000" dirty="0" smtClean="0"/>
-              <a:t> </a:t>
-            </a:r>
-            <a:r>
-              <a:rPr lang="en-US" sz="1000" dirty="0" err="1" smtClean="0"/>
-              <a:t>ứng</a:t>
-            </a:r>
-            <a:r>
-              <a:rPr lang="en-US" sz="1000" dirty="0" smtClean="0"/>
-              <a:t> </a:t>
-            </a:r>
-            <a:r>
-              <a:rPr lang="en-US" sz="1000" dirty="0" err="1" smtClean="0"/>
-              <a:t>dụng</a:t>
-            </a:r>
-            <a:r>
-              <a:rPr lang="en-US" sz="1000" dirty="0" smtClean="0"/>
-              <a:t> </a:t>
-            </a:r>
-            <a:r>
-              <a:rPr lang="en-US" sz="1000" dirty="0" err="1" smtClean="0"/>
-              <a:t>điện</a:t>
-            </a:r>
-            <a:r>
-              <a:rPr lang="en-US" sz="1000" dirty="0" smtClean="0"/>
-              <a:t> </a:t>
-            </a:r>
-            <a:r>
-              <a:rPr lang="en-US" sz="1000" dirty="0" err="1" smtClean="0"/>
-              <a:t>thoại</a:t>
-            </a:r>
-            <a:r>
-              <a:rPr lang="en-US" sz="1000" dirty="0" smtClean="0"/>
-              <a:t>, </a:t>
-            </a:r>
-            <a:r>
-              <a:rPr lang="en-US" sz="1000" dirty="0" err="1" smtClean="0"/>
-              <a:t>Điện</a:t>
-            </a:r>
-            <a:r>
-              <a:rPr lang="en-US" sz="1000" dirty="0" smtClean="0"/>
-              <a:t> </a:t>
-            </a:r>
-            <a:r>
-              <a:rPr lang="en-US" sz="1000" dirty="0" err="1" smtClean="0"/>
-              <a:t>thoại</a:t>
-            </a:r>
-            <a:r>
-              <a:rPr lang="en-US" sz="1000" dirty="0" smtClean="0"/>
-              <a:t> </a:t>
-            </a:r>
-            <a:r>
-              <a:rPr lang="en-US" sz="1000" dirty="0" err="1" smtClean="0"/>
-              <a:t>sẽ</a:t>
-            </a:r>
-            <a:r>
-              <a:rPr lang="en-US" sz="1000" dirty="0" smtClean="0"/>
-              <a:t> </a:t>
-            </a:r>
-            <a:r>
-              <a:rPr lang="en-US" sz="1000" dirty="0" err="1" smtClean="0"/>
-              <a:t>cảnh</a:t>
-            </a:r>
-            <a:r>
-              <a:rPr lang="en-US" sz="1000" dirty="0" smtClean="0"/>
-              <a:t> </a:t>
-            </a:r>
-            <a:r>
-              <a:rPr lang="en-US" sz="1000" dirty="0" err="1" smtClean="0"/>
-              <a:t>báo</a:t>
-            </a:r>
-            <a:r>
-              <a:rPr lang="en-US" sz="1000" dirty="0" smtClean="0"/>
-              <a:t> </a:t>
-            </a:r>
-            <a:r>
-              <a:rPr lang="en-US" sz="1000" dirty="0" err="1" smtClean="0"/>
-              <a:t>với</a:t>
-            </a:r>
-            <a:r>
-              <a:rPr lang="en-US" sz="1000" dirty="0" smtClean="0"/>
-              <a:t> </a:t>
-            </a:r>
-            <a:r>
-              <a:rPr lang="en-US" sz="1000" dirty="0" err="1" smtClean="0"/>
-              <a:t>người</a:t>
-            </a:r>
-            <a:r>
-              <a:rPr lang="en-US" sz="1000" dirty="0" smtClean="0"/>
-              <a:t> </a:t>
-            </a:r>
-            <a:r>
-              <a:rPr lang="en-US" sz="1000" dirty="0" err="1" smtClean="0"/>
-              <a:t>dùng</a:t>
-            </a:r>
-            <a:r>
-              <a:rPr lang="en-US" sz="1000" dirty="0" smtClean="0"/>
-              <a:t> </a:t>
-            </a:r>
-            <a:r>
-              <a:rPr lang="en-US" sz="1000" dirty="0" err="1" smtClean="0"/>
-              <a:t>mức</a:t>
-            </a:r>
-            <a:r>
-              <a:rPr lang="en-US" sz="1000" dirty="0" smtClean="0"/>
-              <a:t> </a:t>
-            </a:r>
-            <a:r>
-              <a:rPr lang="en-US" sz="1000" dirty="0" err="1" smtClean="0"/>
-              <a:t>nhiệt</a:t>
-            </a:r>
-            <a:r>
-              <a:rPr lang="en-US" sz="1000" dirty="0" smtClean="0"/>
-              <a:t> </a:t>
-            </a:r>
-            <a:r>
-              <a:rPr lang="en-US" sz="1000" dirty="0" err="1" smtClean="0"/>
-              <a:t>vượt</a:t>
-            </a:r>
-            <a:r>
-              <a:rPr lang="en-US" sz="1000" dirty="0" smtClean="0"/>
-              <a:t> </a:t>
-            </a:r>
-            <a:r>
-              <a:rPr lang="en-US" sz="1000" dirty="0" err="1" smtClean="0"/>
-              <a:t>ngưỡng</a:t>
-            </a:r>
-            <a:r>
-              <a:rPr lang="en-US" sz="1000" dirty="0" smtClean="0"/>
-              <a:t> </a:t>
-            </a:r>
-            <a:r>
-              <a:rPr lang="en-US" sz="1000" dirty="0" err="1" smtClean="0"/>
-              <a:t>cho</a:t>
-            </a:r>
-            <a:r>
-              <a:rPr lang="en-US" sz="1000" dirty="0" smtClean="0"/>
-              <a:t> </a:t>
-            </a:r>
-            <a:r>
-              <a:rPr lang="en-US" sz="1000" dirty="0" err="1" smtClean="0"/>
-              <a:t>phép</a:t>
-            </a:r>
-            <a:r>
-              <a:rPr lang="en-US" sz="1000" dirty="0" smtClean="0"/>
               <a:t>.</a:t>
+            </a:r>
+          </a:p>
+          <a:p>
+            <a:pPr marL="171450" indent="-171450" algn="just">
+              <a:lnSpc>
+                <a:spcPct val="150000"/>
+              </a:lnSpc>
+              <a:buFontTx/>
+              <a:buChar char="-"/>
+            </a:pPr>
+            <a:r>
+              <a:rPr lang="en-US" sz="1000" dirty="0" err="1" smtClean="0"/>
+              <a:t>Dự</a:t>
+            </a:r>
+            <a:r>
+              <a:rPr lang="en-US" sz="1000" dirty="0" smtClean="0"/>
+              <a:t> </a:t>
+            </a:r>
+            <a:r>
+              <a:rPr lang="en-US" sz="1000" dirty="0" err="1" smtClean="0"/>
+              <a:t>án</a:t>
+            </a:r>
+            <a:r>
+              <a:rPr lang="en-US" sz="1000" dirty="0" smtClean="0"/>
+              <a:t> </a:t>
+            </a:r>
+            <a:r>
+              <a:rPr lang="en-US" sz="1000" dirty="0" err="1" smtClean="0"/>
+              <a:t>bãi</a:t>
+            </a:r>
+            <a:r>
+              <a:rPr lang="en-US" sz="1000" dirty="0" smtClean="0"/>
+              <a:t> </a:t>
+            </a:r>
+            <a:r>
+              <a:rPr lang="en-US" sz="1000" dirty="0" err="1" smtClean="0"/>
+              <a:t>đỗ</a:t>
+            </a:r>
+            <a:r>
+              <a:rPr lang="en-US" sz="1000" dirty="0" smtClean="0"/>
+              <a:t> </a:t>
+            </a:r>
+            <a:r>
+              <a:rPr lang="en-US" sz="1000" dirty="0" err="1" smtClean="0"/>
+              <a:t>xe</a:t>
+            </a:r>
+            <a:r>
+              <a:rPr lang="en-US" sz="1000" dirty="0" smtClean="0"/>
+              <a:t>. </a:t>
+            </a:r>
+            <a:r>
+              <a:rPr lang="en-US" sz="1000" dirty="0" err="1" smtClean="0"/>
+              <a:t>Đặt</a:t>
+            </a:r>
+            <a:r>
+              <a:rPr lang="en-US" sz="1000" dirty="0" smtClean="0"/>
+              <a:t> </a:t>
+            </a:r>
+            <a:r>
+              <a:rPr lang="en-US" sz="1000" dirty="0" err="1" smtClean="0"/>
+              <a:t>chỗ</a:t>
+            </a:r>
+            <a:r>
+              <a:rPr lang="en-US" sz="1000" dirty="0" smtClean="0"/>
+              <a:t> </a:t>
+            </a:r>
+            <a:r>
+              <a:rPr lang="en-US" sz="1000" dirty="0" err="1" smtClean="0"/>
+              <a:t>và</a:t>
+            </a:r>
+            <a:r>
+              <a:rPr lang="en-US" sz="1000" dirty="0" smtClean="0"/>
+              <a:t> </a:t>
+            </a:r>
+            <a:r>
+              <a:rPr lang="en-US" sz="1000" dirty="0" err="1" smtClean="0"/>
+              <a:t>tìm</a:t>
+            </a:r>
+            <a:r>
+              <a:rPr lang="en-US" sz="1000" dirty="0" smtClean="0"/>
+              <a:t> </a:t>
+            </a:r>
+            <a:r>
+              <a:rPr lang="en-US" sz="1000" dirty="0" err="1" smtClean="0"/>
+              <a:t>kiếm</a:t>
+            </a:r>
+            <a:r>
+              <a:rPr lang="en-US" sz="1000" dirty="0" smtClean="0"/>
+              <a:t> </a:t>
+            </a:r>
+            <a:r>
+              <a:rPr lang="en-US" sz="1000" dirty="0" err="1" smtClean="0"/>
+              <a:t>bãi</a:t>
+            </a:r>
+            <a:r>
+              <a:rPr lang="en-US" sz="1000" dirty="0" smtClean="0"/>
+              <a:t> </a:t>
+            </a:r>
+            <a:r>
+              <a:rPr lang="en-US" sz="1000" dirty="0" err="1" smtClean="0"/>
+              <a:t>để</a:t>
+            </a:r>
+            <a:r>
+              <a:rPr lang="en-US" sz="1000" dirty="0" smtClean="0"/>
+              <a:t> </a:t>
+            </a:r>
+            <a:r>
+              <a:rPr lang="en-US" sz="1000" dirty="0" err="1" smtClean="0"/>
+              <a:t>xe</a:t>
+            </a:r>
+            <a:r>
+              <a:rPr lang="en-US" sz="1000" dirty="0" smtClean="0"/>
+              <a:t> </a:t>
+            </a:r>
+            <a:r>
+              <a:rPr lang="en-US" sz="1000" dirty="0" err="1" smtClean="0"/>
+              <a:t>trống</a:t>
+            </a:r>
+            <a:r>
+              <a:rPr lang="en-US" sz="1000" dirty="0" smtClean="0"/>
+              <a:t>.</a:t>
+            </a:r>
+          </a:p>
+          <a:p>
+            <a:pPr marL="171450" indent="-171450" algn="just">
+              <a:lnSpc>
+                <a:spcPct val="150000"/>
+              </a:lnSpc>
+              <a:buFontTx/>
+              <a:buChar char="-"/>
+            </a:pPr>
+            <a:r>
+              <a:rPr lang="en-US" sz="1000" dirty="0" err="1" smtClean="0"/>
+              <a:t>Dự</a:t>
+            </a:r>
+            <a:r>
+              <a:rPr lang="en-US" sz="1000" dirty="0" smtClean="0"/>
+              <a:t> </a:t>
+            </a:r>
+            <a:r>
+              <a:rPr lang="en-US" sz="1000" dirty="0" err="1" smtClean="0"/>
+              <a:t>án</a:t>
+            </a:r>
+            <a:r>
+              <a:rPr lang="en-US" sz="1000" dirty="0" smtClean="0"/>
+              <a:t> </a:t>
+            </a:r>
+            <a:r>
+              <a:rPr lang="en-US" sz="1000" dirty="0" err="1" smtClean="0"/>
+              <a:t>chíp</a:t>
+            </a:r>
+            <a:r>
+              <a:rPr lang="en-US" sz="1000" dirty="0" smtClean="0"/>
+              <a:t> </a:t>
+            </a:r>
+            <a:r>
+              <a:rPr lang="en-US" sz="1000" dirty="0" err="1" smtClean="0"/>
+              <a:t>định</a:t>
+            </a:r>
+            <a:r>
+              <a:rPr lang="en-US" sz="1000" dirty="0" smtClean="0"/>
+              <a:t> </a:t>
+            </a:r>
+            <a:r>
+              <a:rPr lang="en-US" sz="1000" dirty="0" err="1" smtClean="0"/>
+              <a:t>vị</a:t>
+            </a:r>
+            <a:r>
+              <a:rPr lang="en-US" sz="1000" dirty="0" smtClean="0"/>
+              <a:t> </a:t>
+            </a:r>
+            <a:r>
+              <a:rPr lang="en-US" sz="1000" dirty="0" err="1" smtClean="0"/>
+              <a:t>gắn</a:t>
+            </a:r>
+            <a:r>
+              <a:rPr lang="en-US" sz="1000" dirty="0" smtClean="0"/>
+              <a:t> </a:t>
+            </a:r>
+            <a:r>
+              <a:rPr lang="en-US" sz="1000" dirty="0" err="1" smtClean="0"/>
+              <a:t>theo</a:t>
+            </a:r>
+            <a:r>
+              <a:rPr lang="en-US" sz="1000" dirty="0" smtClean="0"/>
+              <a:t> </a:t>
+            </a:r>
+            <a:r>
+              <a:rPr lang="en-US" sz="1000" dirty="0" err="1" smtClean="0"/>
+              <a:t>xe</a:t>
+            </a:r>
+            <a:r>
+              <a:rPr lang="en-US" sz="1000" dirty="0" smtClean="0"/>
+              <a:t> </a:t>
+            </a:r>
+            <a:r>
+              <a:rPr lang="en-US" sz="1000" dirty="0" err="1" smtClean="0"/>
+              <a:t>theo</a:t>
+            </a:r>
+            <a:r>
+              <a:rPr lang="en-US" sz="1000" dirty="0" smtClean="0"/>
+              <a:t> </a:t>
+            </a:r>
+            <a:r>
+              <a:rPr lang="en-US" sz="1000" dirty="0" err="1" smtClean="0"/>
+              <a:t>dõi</a:t>
+            </a:r>
+            <a:r>
+              <a:rPr lang="en-US" sz="1000" dirty="0" smtClean="0"/>
+              <a:t> </a:t>
+            </a:r>
+            <a:r>
+              <a:rPr lang="en-US" sz="1000" dirty="0" err="1" smtClean="0"/>
+              <a:t>quãng</a:t>
+            </a:r>
+            <a:r>
+              <a:rPr lang="en-US" sz="1000" dirty="0" smtClean="0"/>
+              <a:t> </a:t>
+            </a:r>
+            <a:r>
+              <a:rPr lang="en-US" sz="1000" dirty="0" err="1" smtClean="0"/>
+              <a:t>đường</a:t>
+            </a:r>
+            <a:r>
+              <a:rPr lang="en-US" sz="1000" dirty="0" smtClean="0"/>
+              <a:t> </a:t>
+            </a:r>
+            <a:r>
+              <a:rPr lang="en-US" sz="1000" dirty="0" err="1" smtClean="0"/>
+              <a:t>xe</a:t>
+            </a:r>
+            <a:r>
+              <a:rPr lang="en-US" sz="1000" dirty="0" smtClean="0"/>
+              <a:t> </a:t>
+            </a:r>
+            <a:r>
+              <a:rPr lang="en-US" sz="1000" dirty="0" err="1" smtClean="0"/>
+              <a:t>đi</a:t>
             </a:r>
             <a:endParaRPr lang="en-US" sz="1000" dirty="0" smtClean="0"/>
           </a:p>
@@ -8077,25 +8091,8 @@
                   </a:schemeClr>
                 </a:solidFill>
               </a:rPr>
-              <a:t>, Firebase</a:t>
-            </a:r>
-            <a:r>
-              <a:rPr lang="en-US" sz="1100" dirty="0" smtClean="0">
-                <a:solidFill>
-                  <a:schemeClr val="accent6">
-                    <a:lumMod val="50000"/>
-                  </a:schemeClr>
-                </a:solidFill>
-              </a:rPr>
-              <a:t>, BLE,…</a:t>
-            </a:r>
-            <a:endParaRPr lang="en-US" sz="1100" dirty="0" smtClean="0">
-              <a:solidFill>
-                <a:schemeClr val="accent6">
-                  <a:lumMod val="50000"/>
-                </a:schemeClr>
-              </a:solidFill>
-            </a:endParaRPr>
+              <a:t>, Firebase, BLE,…</a:t>
+            </a:r>
           </a:p>
           <a:p>
             <a:pPr>
